--- a/Transformación Digital de Perfulandia SPA.pptx
+++ b/Transformación Digital de Perfulandia SPA.pptx
@@ -1,41 +1,41 @@
 
 <file path=ppt/presentation.xml><?xml version="1.0" encoding="utf-8"?>
-<p:presentation xmlns:a="http://schemas.openxmlformats.org/drawingml/2006/main" xmlns:r="http://schemas.openxmlformats.org/officeDocument/2006/relationships" xmlns:mc="http://schemas.openxmlformats.org/markup-compatibility/2006" xmlns:mv="urn:schemas-microsoft-com:mac:vml" xmlns:p="http://schemas.openxmlformats.org/presentationml/2006/main" xmlns:c="http://schemas.openxmlformats.org/drawingml/2006/chart" xmlns:dgm="http://schemas.openxmlformats.org/drawingml/2006/diagram" xmlns:o="urn:schemas-microsoft-com:office:office" xmlns:v="urn:schemas-microsoft-com:vml" xmlns:pvml="urn:schemas-microsoft-com:office:powerpoint" xmlns:com="http://schemas.openxmlformats.org/drawingml/2006/compatibility" xmlns:p14="http://schemas.microsoft.com/office/powerpoint/2010/main" xmlns:p15="http://schemas.microsoft.com/office/powerpoint/2012/main" xmlns:ahyp="http://schemas.microsoft.com/office/drawing/2018/hyperlinkcolor" autoCompressPictures="0" embedTrueTypeFonts="1" strictFirstAndLastChars="0" saveSubsetFonts="1">
+<p:presentation xmlns:a="http://schemas.openxmlformats.org/drawingml/2006/main" xmlns:r="http://schemas.openxmlformats.org/officeDocument/2006/relationships" xmlns:p="http://schemas.openxmlformats.org/presentationml/2006/main" strictFirstAndLastChars="0" embedTrueTypeFonts="1" saveSubsetFonts="1" autoCompressPictures="0">
   <p:sldMasterIdLst>
-    <p:sldMasterId id="2147483659" r:id="rId4"/>
+    <p:sldMasterId id="2147483659" r:id="rId1"/>
   </p:sldMasterIdLst>
   <p:notesMasterIdLst>
-    <p:notesMasterId r:id="rId5"/>
+    <p:notesMasterId r:id="rId11"/>
   </p:notesMasterIdLst>
   <p:sldIdLst>
-    <p:sldId id="256" r:id="rId6"/>
-    <p:sldId id="257" r:id="rId7"/>
-    <p:sldId id="258" r:id="rId8"/>
-    <p:sldId id="259" r:id="rId9"/>
-    <p:sldId id="260" r:id="rId10"/>
-    <p:sldId id="261" r:id="rId11"/>
-    <p:sldId id="262" r:id="rId12"/>
-    <p:sldId id="263" r:id="rId13"/>
-    <p:sldId id="264" r:id="rId14"/>
+    <p:sldId id="256" r:id="rId2"/>
+    <p:sldId id="257" r:id="rId3"/>
+    <p:sldId id="258" r:id="rId4"/>
+    <p:sldId id="259" r:id="rId5"/>
+    <p:sldId id="260" r:id="rId6"/>
+    <p:sldId id="261" r:id="rId7"/>
+    <p:sldId id="262" r:id="rId8"/>
+    <p:sldId id="263" r:id="rId9"/>
+    <p:sldId id="264" r:id="rId10"/>
   </p:sldIdLst>
-  <p:sldSz cy="5143500" cx="9144000"/>
+  <p:sldSz cx="9144000" cy="5143500" type="screen16x9"/>
   <p:notesSz cx="6858000" cy="9144000"/>
   <p:embeddedFontLst>
     <p:embeddedFont>
-      <p:font typeface="Roboto Slab"/>
-      <p:regular r:id="rId15"/>
-      <p:bold r:id="rId16"/>
+      <p:font typeface="Roboto" panose="02000000000000000000" pitchFamily="2" charset="0"/>
+      <p:regular r:id="rId12"/>
+      <p:bold r:id="rId13"/>
+      <p:italic r:id="rId14"/>
+      <p:boldItalic r:id="rId15"/>
     </p:embeddedFont>
     <p:embeddedFont>
-      <p:font typeface="Roboto"/>
-      <p:regular r:id="rId17"/>
-      <p:bold r:id="rId18"/>
-      <p:italic r:id="rId19"/>
-      <p:boldItalic r:id="rId20"/>
+      <p:font typeface="Roboto Slab" pitchFamily="2" charset="0"/>
+      <p:regular r:id="rId16"/>
+      <p:bold r:id="rId17"/>
     </p:embeddedFont>
   </p:embeddedFontLst>
   <p:defaultTextStyle>
-    <a:defPPr lvl="0" marR="0" rtl="0" algn="l">
+    <a:defPPr marR="0" lvl="0" algn="l" rtl="0">
       <a:lnSpc>
         <a:spcPct val="100000"/>
       </a:lnSpc>
@@ -46,7 +46,7 @@
         <a:spcPts val="0"/>
       </a:spcAft>
     </a:defPPr>
-    <a:lvl1pPr lvl="0" marR="0" rtl="0" algn="l">
+    <a:lvl1pPr marR="0" lvl="0" algn="l" rtl="0">
       <a:lnSpc>
         <a:spcPct val="100000"/>
       </a:lnSpc>
@@ -60,7 +60,7 @@
         <a:srgbClr val="000000"/>
       </a:buClr>
       <a:buFont typeface="Arial"/>
-      <a:defRPr b="0" i="0" sz="1400" u="none" cap="none" strike="noStrike">
+      <a:defRPr sz="1400" b="0" i="0" u="none" strike="noStrike" cap="none">
         <a:solidFill>
           <a:srgbClr val="000000"/>
         </a:solidFill>
@@ -70,7 +70,7 @@
         <a:sym typeface="Arial"/>
       </a:defRPr>
     </a:lvl1pPr>
-    <a:lvl2pPr lvl="1" marR="0" rtl="0" algn="l">
+    <a:lvl2pPr marR="0" lvl="1" algn="l" rtl="0">
       <a:lnSpc>
         <a:spcPct val="100000"/>
       </a:lnSpc>
@@ -84,7 +84,7 @@
         <a:srgbClr val="000000"/>
       </a:buClr>
       <a:buFont typeface="Arial"/>
-      <a:defRPr b="0" i="0" sz="1400" u="none" cap="none" strike="noStrike">
+      <a:defRPr sz="1400" b="0" i="0" u="none" strike="noStrike" cap="none">
         <a:solidFill>
           <a:srgbClr val="000000"/>
         </a:solidFill>
@@ -94,7 +94,7 @@
         <a:sym typeface="Arial"/>
       </a:defRPr>
     </a:lvl2pPr>
-    <a:lvl3pPr lvl="2" marR="0" rtl="0" algn="l">
+    <a:lvl3pPr marR="0" lvl="2" algn="l" rtl="0">
       <a:lnSpc>
         <a:spcPct val="100000"/>
       </a:lnSpc>
@@ -108,7 +108,7 @@
         <a:srgbClr val="000000"/>
       </a:buClr>
       <a:buFont typeface="Arial"/>
-      <a:defRPr b="0" i="0" sz="1400" u="none" cap="none" strike="noStrike">
+      <a:defRPr sz="1400" b="0" i="0" u="none" strike="noStrike" cap="none">
         <a:solidFill>
           <a:srgbClr val="000000"/>
         </a:solidFill>
@@ -118,7 +118,7 @@
         <a:sym typeface="Arial"/>
       </a:defRPr>
     </a:lvl3pPr>
-    <a:lvl4pPr lvl="3" marR="0" rtl="0" algn="l">
+    <a:lvl4pPr marR="0" lvl="3" algn="l" rtl="0">
       <a:lnSpc>
         <a:spcPct val="100000"/>
       </a:lnSpc>
@@ -132,7 +132,7 @@
         <a:srgbClr val="000000"/>
       </a:buClr>
       <a:buFont typeface="Arial"/>
-      <a:defRPr b="0" i="0" sz="1400" u="none" cap="none" strike="noStrike">
+      <a:defRPr sz="1400" b="0" i="0" u="none" strike="noStrike" cap="none">
         <a:solidFill>
           <a:srgbClr val="000000"/>
         </a:solidFill>
@@ -142,7 +142,7 @@
         <a:sym typeface="Arial"/>
       </a:defRPr>
     </a:lvl4pPr>
-    <a:lvl5pPr lvl="4" marR="0" rtl="0" algn="l">
+    <a:lvl5pPr marR="0" lvl="4" algn="l" rtl="0">
       <a:lnSpc>
         <a:spcPct val="100000"/>
       </a:lnSpc>
@@ -156,7 +156,7 @@
         <a:srgbClr val="000000"/>
       </a:buClr>
       <a:buFont typeface="Arial"/>
-      <a:defRPr b="0" i="0" sz="1400" u="none" cap="none" strike="noStrike">
+      <a:defRPr sz="1400" b="0" i="0" u="none" strike="noStrike" cap="none">
         <a:solidFill>
           <a:srgbClr val="000000"/>
         </a:solidFill>
@@ -166,7 +166,7 @@
         <a:sym typeface="Arial"/>
       </a:defRPr>
     </a:lvl5pPr>
-    <a:lvl6pPr lvl="5" marR="0" rtl="0" algn="l">
+    <a:lvl6pPr marR="0" lvl="5" algn="l" rtl="0">
       <a:lnSpc>
         <a:spcPct val="100000"/>
       </a:lnSpc>
@@ -180,7 +180,7 @@
         <a:srgbClr val="000000"/>
       </a:buClr>
       <a:buFont typeface="Arial"/>
-      <a:defRPr b="0" i="0" sz="1400" u="none" cap="none" strike="noStrike">
+      <a:defRPr sz="1400" b="0" i="0" u="none" strike="noStrike" cap="none">
         <a:solidFill>
           <a:srgbClr val="000000"/>
         </a:solidFill>
@@ -190,7 +190,7 @@
         <a:sym typeface="Arial"/>
       </a:defRPr>
     </a:lvl6pPr>
-    <a:lvl7pPr lvl="6" marR="0" rtl="0" algn="l">
+    <a:lvl7pPr marR="0" lvl="6" algn="l" rtl="0">
       <a:lnSpc>
         <a:spcPct val="100000"/>
       </a:lnSpc>
@@ -204,7 +204,7 @@
         <a:srgbClr val="000000"/>
       </a:buClr>
       <a:buFont typeface="Arial"/>
-      <a:defRPr b="0" i="0" sz="1400" u="none" cap="none" strike="noStrike">
+      <a:defRPr sz="1400" b="0" i="0" u="none" strike="noStrike" cap="none">
         <a:solidFill>
           <a:srgbClr val="000000"/>
         </a:solidFill>
@@ -214,7 +214,7 @@
         <a:sym typeface="Arial"/>
       </a:defRPr>
     </a:lvl7pPr>
-    <a:lvl8pPr lvl="7" marR="0" rtl="0" algn="l">
+    <a:lvl8pPr marR="0" lvl="7" algn="l" rtl="0">
       <a:lnSpc>
         <a:spcPct val="100000"/>
       </a:lnSpc>
@@ -228,7 +228,7 @@
         <a:srgbClr val="000000"/>
       </a:buClr>
       <a:buFont typeface="Arial"/>
-      <a:defRPr b="0" i="0" sz="1400" u="none" cap="none" strike="noStrike">
+      <a:defRPr sz="1400" b="0" i="0" u="none" strike="noStrike" cap="none">
         <a:solidFill>
           <a:srgbClr val="000000"/>
         </a:solidFill>
@@ -238,7 +238,7 @@
         <a:sym typeface="Arial"/>
       </a:defRPr>
     </a:lvl8pPr>
-    <a:lvl9pPr lvl="8" marR="0" rtl="0" algn="l">
+    <a:lvl9pPr marR="0" lvl="8" algn="l" rtl="0">
       <a:lnSpc>
         <a:spcPct val="100000"/>
       </a:lnSpc>
@@ -252,7 +252,7 @@
         <a:srgbClr val="000000"/>
       </a:buClr>
       <a:buFont typeface="Arial"/>
-      <a:defRPr b="0" i="0" sz="1400" u="none" cap="none" strike="noStrike">
+      <a:defRPr sz="1400" b="0" i="0" u="none" strike="noStrike" cap="none">
         <a:solidFill>
           <a:srgbClr val="000000"/>
         </a:solidFill>
@@ -265,7 +265,7 @@
   </p:defaultTextStyle>
   <p:extLst>
     <p:ext uri="{EFAFB233-063F-42B5-8137-9DF3F51BA10A}">
-      <p15:sldGuideLst>
+      <p15:sldGuideLst xmlns:p15="http://schemas.microsoft.com/office/powerpoint/2012/main">
         <p15:guide id="1" orient="horz" pos="1620">
           <p15:clr>
             <a:srgbClr val="747775"/>
@@ -283,11 +283,16 @@
 </file>
 
 <file path=ppt/notesMasters/notesMaster1.xml><?xml version="1.0" encoding="utf-8"?>
-<p:notesMaster xmlns:a="http://schemas.openxmlformats.org/drawingml/2006/main" xmlns:r="http://schemas.openxmlformats.org/officeDocument/2006/relationships" xmlns:mc="http://schemas.openxmlformats.org/markup-compatibility/2006" xmlns:mv="urn:schemas-microsoft-com:mac:vml" xmlns:p="http://schemas.openxmlformats.org/presentationml/2006/main" xmlns:c="http://schemas.openxmlformats.org/drawingml/2006/chart" xmlns:dgm="http://schemas.openxmlformats.org/drawingml/2006/diagram" xmlns:o="urn:schemas-microsoft-com:office:office" xmlns:v="urn:schemas-microsoft-com:vml" xmlns:pvml="urn:schemas-microsoft-com:office:powerpoint" xmlns:com="http://schemas.openxmlformats.org/drawingml/2006/compatibility" xmlns:p14="http://schemas.microsoft.com/office/powerpoint/2010/main" xmlns:p15="http://schemas.microsoft.com/office/powerpoint/2012/main" xmlns:ahyp="http://schemas.microsoft.com/office/drawing/2018/hyperlinkcolor">
+<p:notesMaster xmlns:a="http://schemas.openxmlformats.org/drawingml/2006/main" xmlns:r="http://schemas.openxmlformats.org/officeDocument/2006/relationships" xmlns:p="http://schemas.openxmlformats.org/presentationml/2006/main">
   <p:cSld>
+    <p:bg>
+      <p:bgRef idx="1001">
+        <a:schemeClr val="bg1"/>
+      </p:bgRef>
+    </p:bg>
     <p:spTree>
       <p:nvGrpSpPr>
-        <p:cNvPr id="2" name="Shape 2"/>
+        <p:cNvPr id="1" name="Shape 2"/>
         <p:cNvGrpSpPr/>
         <p:nvPr/>
       </p:nvGrpSpPr>
@@ -302,9 +307,11 @@
       <p:sp>
         <p:nvSpPr>
           <p:cNvPr id="3" name="Google Shape;3;n"/>
-          <p:cNvSpPr/>
+          <p:cNvSpPr>
+            <a:spLocks noGrp="1" noRot="1" noChangeAspect="1"/>
+          </p:cNvSpPr>
           <p:nvPr>
-            <p:ph idx="2" type="sldImg"/>
+            <p:ph type="sldImg" idx="2"/>
           </p:nvPr>
         </p:nvSpPr>
         <p:spPr>
@@ -313,9 +320,13 @@
             <a:ext cx="6096075" cy="3429000"/>
           </a:xfrm>
           <a:custGeom>
-            <a:rect b="b" l="l" r="r" t="t"/>
+            <a:avLst/>
+            <a:gdLst/>
+            <a:ahLst/>
+            <a:cxnLst/>
+            <a:rect l="l" t="t" r="r" b="b"/>
             <a:pathLst>
-              <a:path extrusionOk="0" h="120000" w="120000">
+              <a:path w="120000" h="120000" extrusionOk="0">
                 <a:moveTo>
                   <a:pt x="0" y="0"/>
                 </a:moveTo>
@@ -333,23 +344,25 @@
             </a:pathLst>
           </a:custGeom>
           <a:noFill/>
-          <a:ln cap="flat" cmpd="sng" w="9525">
+          <a:ln w="9525" cap="flat" cmpd="sng">
             <a:solidFill>
               <a:srgbClr val="000000"/>
             </a:solidFill>
             <a:prstDash val="solid"/>
             <a:round/>
-            <a:headEnd len="sm" w="sm" type="none"/>
-            <a:tailEnd len="sm" w="sm" type="none"/>
+            <a:headEnd type="none" w="sm" len="sm"/>
+            <a:tailEnd type="none" w="sm" len="sm"/>
           </a:ln>
         </p:spPr>
       </p:sp>
       <p:sp>
         <p:nvSpPr>
           <p:cNvPr id="4" name="Google Shape;4;n"/>
-          <p:cNvSpPr txBox="1"/>
+          <p:cNvSpPr txBox="1">
+            <a:spLocks noGrp="1"/>
+          </p:cNvSpPr>
           <p:nvPr>
-            <p:ph idx="1" type="body"/>
+            <p:ph type="body" idx="1"/>
           </p:nvPr>
         </p:nvSpPr>
         <p:spPr>
@@ -366,11 +379,11 @@
           </a:ln>
         </p:spPr>
         <p:txBody>
-          <a:bodyPr anchorCtr="0" anchor="t" bIns="91425" lIns="91425" spcFirstLastPara="1" rIns="91425" wrap="square" tIns="91425">
+          <a:bodyPr spcFirstLastPara="1" wrap="square" lIns="91425" tIns="91425" rIns="91425" bIns="91425" anchor="t" anchorCtr="0">
             <a:noAutofit/>
           </a:bodyPr>
           <a:lstStyle>
-            <a:lvl1pPr indent="-298450" lvl="0" marL="457200">
+            <a:lvl1pPr marL="457200" lvl="0" indent="-298450">
               <a:spcBef>
                 <a:spcPts val="0"/>
               </a:spcBef>
@@ -381,7 +394,7 @@
               <a:buChar char="●"/>
               <a:defRPr sz="1100"/>
             </a:lvl1pPr>
-            <a:lvl2pPr indent="-298450" lvl="1" marL="914400">
+            <a:lvl2pPr marL="914400" lvl="1" indent="-298450">
               <a:spcBef>
                 <a:spcPts val="0"/>
               </a:spcBef>
@@ -392,7 +405,7 @@
               <a:buChar char="○"/>
               <a:defRPr sz="1100"/>
             </a:lvl2pPr>
-            <a:lvl3pPr indent="-298450" lvl="2" marL="1371600">
+            <a:lvl3pPr marL="1371600" lvl="2" indent="-298450">
               <a:spcBef>
                 <a:spcPts val="0"/>
               </a:spcBef>
@@ -403,7 +416,7 @@
               <a:buChar char="■"/>
               <a:defRPr sz="1100"/>
             </a:lvl3pPr>
-            <a:lvl4pPr indent="-298450" lvl="3" marL="1828800">
+            <a:lvl4pPr marL="1828800" lvl="3" indent="-298450">
               <a:spcBef>
                 <a:spcPts val="0"/>
               </a:spcBef>
@@ -414,7 +427,7 @@
               <a:buChar char="●"/>
               <a:defRPr sz="1100"/>
             </a:lvl4pPr>
-            <a:lvl5pPr indent="-298450" lvl="4" marL="2286000">
+            <a:lvl5pPr marL="2286000" lvl="4" indent="-298450">
               <a:spcBef>
                 <a:spcPts val="0"/>
               </a:spcBef>
@@ -425,7 +438,7 @@
               <a:buChar char="○"/>
               <a:defRPr sz="1100"/>
             </a:lvl5pPr>
-            <a:lvl6pPr indent="-298450" lvl="5" marL="2743200">
+            <a:lvl6pPr marL="2743200" lvl="5" indent="-298450">
               <a:spcBef>
                 <a:spcPts val="0"/>
               </a:spcBef>
@@ -436,7 +449,7 @@
               <a:buChar char="■"/>
               <a:defRPr sz="1100"/>
             </a:lvl6pPr>
-            <a:lvl7pPr indent="-298450" lvl="6" marL="3200400">
+            <a:lvl7pPr marL="3200400" lvl="6" indent="-298450">
               <a:spcBef>
                 <a:spcPts val="0"/>
               </a:spcBef>
@@ -447,7 +460,7 @@
               <a:buChar char="●"/>
               <a:defRPr sz="1100"/>
             </a:lvl7pPr>
-            <a:lvl8pPr indent="-298450" lvl="7" marL="3657600">
+            <a:lvl8pPr marL="3657600" lvl="7" indent="-298450">
               <a:spcBef>
                 <a:spcPts val="0"/>
               </a:spcBef>
@@ -458,7 +471,7 @@
               <a:buChar char="○"/>
               <a:defRPr sz="1100"/>
             </a:lvl8pPr>
-            <a:lvl9pPr indent="-298450" lvl="8" marL="4114800">
+            <a:lvl9pPr marL="4114800" lvl="8" indent="-298450">
               <a:spcBef>
                 <a:spcPts val="0"/>
               </a:spcBef>
@@ -470,14 +483,16 @@
               <a:defRPr sz="1100"/>
             </a:lvl9pPr>
           </a:lstStyle>
-          <a:p/>
+          <a:p>
+            <a:endParaRPr/>
+          </a:p>
         </p:txBody>
       </p:sp>
     </p:spTree>
   </p:cSld>
-  <p:clrMap accent1="accent1" accent2="accent2" accent3="accent3" accent4="accent4" accent5="accent5" accent6="accent6" bg1="lt1" bg2="dk2" tx1="dk1" tx2="lt2" folHlink="folHlink" hlink="hlink"/>
+  <p:clrMap bg1="lt1" tx1="dk1" bg2="dk2" tx2="lt2" accent1="accent1" accent2="accent2" accent3="accent3" accent4="accent4" accent5="accent5" accent6="accent6" hlink="hlink" folHlink="folHlink"/>
   <p:notesStyle>
-    <a:defPPr lvl="0" marR="0" rtl="0" algn="l">
+    <a:defPPr marR="0" lvl="0" algn="l" rtl="0">
       <a:lnSpc>
         <a:spcPct val="100000"/>
       </a:lnSpc>
@@ -488,7 +503,7 @@
         <a:spcPts val="0"/>
       </a:spcAft>
     </a:defPPr>
-    <a:lvl1pPr lvl="0" marR="0" rtl="0" algn="l">
+    <a:lvl1pPr marR="0" lvl="0" algn="l" rtl="0">
       <a:lnSpc>
         <a:spcPct val="100000"/>
       </a:lnSpc>
@@ -502,7 +517,7 @@
         <a:srgbClr val="000000"/>
       </a:buClr>
       <a:buFont typeface="Arial"/>
-      <a:defRPr b="0" i="0" sz="1400" u="none" cap="none" strike="noStrike">
+      <a:defRPr sz="1400" b="0" i="0" u="none" strike="noStrike" cap="none">
         <a:solidFill>
           <a:srgbClr val="000000"/>
         </a:solidFill>
@@ -512,7 +527,7 @@
         <a:sym typeface="Arial"/>
       </a:defRPr>
     </a:lvl1pPr>
-    <a:lvl2pPr lvl="1" marR="0" rtl="0" algn="l">
+    <a:lvl2pPr marR="0" lvl="1" algn="l" rtl="0">
       <a:lnSpc>
         <a:spcPct val="100000"/>
       </a:lnSpc>
@@ -526,7 +541,7 @@
         <a:srgbClr val="000000"/>
       </a:buClr>
       <a:buFont typeface="Arial"/>
-      <a:defRPr b="0" i="0" sz="1400" u="none" cap="none" strike="noStrike">
+      <a:defRPr sz="1400" b="0" i="0" u="none" strike="noStrike" cap="none">
         <a:solidFill>
           <a:srgbClr val="000000"/>
         </a:solidFill>
@@ -536,7 +551,7 @@
         <a:sym typeface="Arial"/>
       </a:defRPr>
     </a:lvl2pPr>
-    <a:lvl3pPr lvl="2" marR="0" rtl="0" algn="l">
+    <a:lvl3pPr marR="0" lvl="2" algn="l" rtl="0">
       <a:lnSpc>
         <a:spcPct val="100000"/>
       </a:lnSpc>
@@ -550,7 +565,7 @@
         <a:srgbClr val="000000"/>
       </a:buClr>
       <a:buFont typeface="Arial"/>
-      <a:defRPr b="0" i="0" sz="1400" u="none" cap="none" strike="noStrike">
+      <a:defRPr sz="1400" b="0" i="0" u="none" strike="noStrike" cap="none">
         <a:solidFill>
           <a:srgbClr val="000000"/>
         </a:solidFill>
@@ -560,7 +575,7 @@
         <a:sym typeface="Arial"/>
       </a:defRPr>
     </a:lvl3pPr>
-    <a:lvl4pPr lvl="3" marR="0" rtl="0" algn="l">
+    <a:lvl4pPr marR="0" lvl="3" algn="l" rtl="0">
       <a:lnSpc>
         <a:spcPct val="100000"/>
       </a:lnSpc>
@@ -574,7 +589,7 @@
         <a:srgbClr val="000000"/>
       </a:buClr>
       <a:buFont typeface="Arial"/>
-      <a:defRPr b="0" i="0" sz="1400" u="none" cap="none" strike="noStrike">
+      <a:defRPr sz="1400" b="0" i="0" u="none" strike="noStrike" cap="none">
         <a:solidFill>
           <a:srgbClr val="000000"/>
         </a:solidFill>
@@ -584,7 +599,7 @@
         <a:sym typeface="Arial"/>
       </a:defRPr>
     </a:lvl4pPr>
-    <a:lvl5pPr lvl="4" marR="0" rtl="0" algn="l">
+    <a:lvl5pPr marR="0" lvl="4" algn="l" rtl="0">
       <a:lnSpc>
         <a:spcPct val="100000"/>
       </a:lnSpc>
@@ -598,7 +613,7 @@
         <a:srgbClr val="000000"/>
       </a:buClr>
       <a:buFont typeface="Arial"/>
-      <a:defRPr b="0" i="0" sz="1400" u="none" cap="none" strike="noStrike">
+      <a:defRPr sz="1400" b="0" i="0" u="none" strike="noStrike" cap="none">
         <a:solidFill>
           <a:srgbClr val="000000"/>
         </a:solidFill>
@@ -608,7 +623,7 @@
         <a:sym typeface="Arial"/>
       </a:defRPr>
     </a:lvl5pPr>
-    <a:lvl6pPr lvl="5" marR="0" rtl="0" algn="l">
+    <a:lvl6pPr marR="0" lvl="5" algn="l" rtl="0">
       <a:lnSpc>
         <a:spcPct val="100000"/>
       </a:lnSpc>
@@ -622,7 +637,7 @@
         <a:srgbClr val="000000"/>
       </a:buClr>
       <a:buFont typeface="Arial"/>
-      <a:defRPr b="0" i="0" sz="1400" u="none" cap="none" strike="noStrike">
+      <a:defRPr sz="1400" b="0" i="0" u="none" strike="noStrike" cap="none">
         <a:solidFill>
           <a:srgbClr val="000000"/>
         </a:solidFill>
@@ -632,7 +647,7 @@
         <a:sym typeface="Arial"/>
       </a:defRPr>
     </a:lvl6pPr>
-    <a:lvl7pPr lvl="6" marR="0" rtl="0" algn="l">
+    <a:lvl7pPr marR="0" lvl="6" algn="l" rtl="0">
       <a:lnSpc>
         <a:spcPct val="100000"/>
       </a:lnSpc>
@@ -646,7 +661,7 @@
         <a:srgbClr val="000000"/>
       </a:buClr>
       <a:buFont typeface="Arial"/>
-      <a:defRPr b="0" i="0" sz="1400" u="none" cap="none" strike="noStrike">
+      <a:defRPr sz="1400" b="0" i="0" u="none" strike="noStrike" cap="none">
         <a:solidFill>
           <a:srgbClr val="000000"/>
         </a:solidFill>
@@ -656,7 +671,7 @@
         <a:sym typeface="Arial"/>
       </a:defRPr>
     </a:lvl7pPr>
-    <a:lvl8pPr lvl="7" marR="0" rtl="0" algn="l">
+    <a:lvl8pPr marR="0" lvl="7" algn="l" rtl="0">
       <a:lnSpc>
         <a:spcPct val="100000"/>
       </a:lnSpc>
@@ -670,7 +685,7 @@
         <a:srgbClr val="000000"/>
       </a:buClr>
       <a:buFont typeface="Arial"/>
-      <a:defRPr b="0" i="0" sz="1400" u="none" cap="none" strike="noStrike">
+      <a:defRPr sz="1400" b="0" i="0" u="none" strike="noStrike" cap="none">
         <a:solidFill>
           <a:srgbClr val="000000"/>
         </a:solidFill>
@@ -680,7 +695,7 @@
         <a:sym typeface="Arial"/>
       </a:defRPr>
     </a:lvl8pPr>
-    <a:lvl9pPr lvl="8" marR="0" rtl="0" algn="l">
+    <a:lvl9pPr marR="0" lvl="8" algn="l" rtl="0">
       <a:lnSpc>
         <a:spcPct val="100000"/>
       </a:lnSpc>
@@ -694,7 +709,7 @@
         <a:srgbClr val="000000"/>
       </a:buClr>
       <a:buFont typeface="Arial"/>
-      <a:defRPr b="0" i="0" sz="1400" u="none" cap="none" strike="noStrike">
+      <a:defRPr sz="1400" b="0" i="0" u="none" strike="noStrike" cap="none">
         <a:solidFill>
           <a:srgbClr val="000000"/>
         </a:solidFill>
@@ -709,11 +724,11 @@
 </file>
 
 <file path=ppt/notesSlides/notesSlide1.xml><?xml version="1.0" encoding="utf-8"?>
-<p:notes xmlns:a="http://schemas.openxmlformats.org/drawingml/2006/main" xmlns:r="http://schemas.openxmlformats.org/officeDocument/2006/relationships" xmlns:mc="http://schemas.openxmlformats.org/markup-compatibility/2006" xmlns:mv="urn:schemas-microsoft-com:mac:vml" xmlns:p="http://schemas.openxmlformats.org/presentationml/2006/main" xmlns:c="http://schemas.openxmlformats.org/drawingml/2006/chart" xmlns:dgm="http://schemas.openxmlformats.org/drawingml/2006/diagram" xmlns:o="urn:schemas-microsoft-com:office:office" xmlns:v="urn:schemas-microsoft-com:vml" xmlns:pvml="urn:schemas-microsoft-com:office:powerpoint" xmlns:com="http://schemas.openxmlformats.org/drawingml/2006/compatibility" xmlns:p14="http://schemas.microsoft.com/office/powerpoint/2010/main" xmlns:p15="http://schemas.microsoft.com/office/powerpoint/2012/main" xmlns:ahyp="http://schemas.microsoft.com/office/drawing/2018/hyperlinkcolor" showMasterPhAnim="0" showMasterSp="0">
+<p:notes xmlns:a="http://schemas.openxmlformats.org/drawingml/2006/main" xmlns:r="http://schemas.openxmlformats.org/officeDocument/2006/relationships" xmlns:p="http://schemas.openxmlformats.org/presentationml/2006/main" showMasterSp="0" showMasterPhAnim="0">
   <p:cSld>
     <p:spTree>
       <p:nvGrpSpPr>
-        <p:cNvPr id="59" name="Shape 59"/>
+        <p:cNvPr id="1" name="Shape 59"/>
         <p:cNvGrpSpPr/>
         <p:nvPr/>
       </p:nvGrpSpPr>
@@ -728,20 +743,26 @@
       <p:sp>
         <p:nvSpPr>
           <p:cNvPr id="60" name="Google Shape;60;p:notes"/>
-          <p:cNvSpPr/>
+          <p:cNvSpPr>
+            <a:spLocks noGrp="1" noRot="1" noChangeAspect="1"/>
+          </p:cNvSpPr>
           <p:nvPr>
-            <p:ph idx="2" type="sldImg"/>
+            <p:ph type="sldImg" idx="2"/>
           </p:nvPr>
         </p:nvSpPr>
         <p:spPr>
           <a:xfrm>
-            <a:off x="381300" y="685800"/>
-            <a:ext cx="6096075" cy="3429000"/>
+            <a:off x="381000" y="685800"/>
+            <a:ext cx="6096000" cy="3429000"/>
           </a:xfrm>
           <a:custGeom>
-            <a:rect b="b" l="l" r="r" t="t"/>
+            <a:avLst/>
+            <a:gdLst/>
+            <a:ahLst/>
+            <a:cxnLst/>
+            <a:rect l="l" t="t" r="r" b="b"/>
             <a:pathLst>
-              <a:path extrusionOk="0" h="120000" w="120000">
+              <a:path w="120000" h="120000" extrusionOk="0">
                 <a:moveTo>
                   <a:pt x="0" y="0"/>
                 </a:moveTo>
@@ -763,9 +784,11 @@
       <p:sp>
         <p:nvSpPr>
           <p:cNvPr id="61" name="Google Shape;61;p:notes"/>
-          <p:cNvSpPr txBox="1"/>
+          <p:cNvSpPr txBox="1">
+            <a:spLocks noGrp="1"/>
+          </p:cNvSpPr>
           <p:nvPr>
-            <p:ph idx="1" type="body"/>
+            <p:ph type="body" idx="1"/>
           </p:nvPr>
         </p:nvSpPr>
         <p:spPr>
@@ -778,12 +801,12 @@
           </a:prstGeom>
         </p:spPr>
         <p:txBody>
-          <a:bodyPr anchorCtr="0" anchor="t" bIns="91425" lIns="91425" spcFirstLastPara="1" rIns="91425" wrap="square" tIns="91425">
+          <a:bodyPr spcFirstLastPara="1" wrap="square" lIns="91425" tIns="91425" rIns="91425" bIns="91425" anchor="t" anchorCtr="0">
             <a:noAutofit/>
           </a:bodyPr>
           <a:lstStyle/>
           <a:p>
-            <a:pPr indent="0" lvl="0" marL="0" rtl="0" algn="l">
+            <a:pPr marL="0" lvl="0" indent="0" algn="l" rtl="0">
               <a:spcBef>
                 <a:spcPts val="0"/>
               </a:spcBef>
@@ -792,9 +815,6 @@
               </a:spcAft>
               <a:buNone/>
             </a:pPr>
-            <a:r>
-              <a:t/>
-            </a:r>
             <a:endParaRPr/>
           </a:p>
         </p:txBody>
@@ -808,11 +828,11 @@
 </file>
 
 <file path=ppt/notesSlides/notesSlide2.xml><?xml version="1.0" encoding="utf-8"?>
-<p:notes xmlns:a="http://schemas.openxmlformats.org/drawingml/2006/main" xmlns:r="http://schemas.openxmlformats.org/officeDocument/2006/relationships" xmlns:mc="http://schemas.openxmlformats.org/markup-compatibility/2006" xmlns:mv="urn:schemas-microsoft-com:mac:vml" xmlns:p="http://schemas.openxmlformats.org/presentationml/2006/main" xmlns:c="http://schemas.openxmlformats.org/drawingml/2006/chart" xmlns:dgm="http://schemas.openxmlformats.org/drawingml/2006/diagram" xmlns:o="urn:schemas-microsoft-com:office:office" xmlns:v="urn:schemas-microsoft-com:vml" xmlns:pvml="urn:schemas-microsoft-com:office:powerpoint" xmlns:com="http://schemas.openxmlformats.org/drawingml/2006/compatibility" xmlns:p14="http://schemas.microsoft.com/office/powerpoint/2010/main" xmlns:p15="http://schemas.microsoft.com/office/powerpoint/2012/main" xmlns:ahyp="http://schemas.microsoft.com/office/drawing/2018/hyperlinkcolor" showMasterPhAnim="0" showMasterSp="0">
+<p:notes xmlns:a="http://schemas.openxmlformats.org/drawingml/2006/main" xmlns:r="http://schemas.openxmlformats.org/officeDocument/2006/relationships" xmlns:p="http://schemas.openxmlformats.org/presentationml/2006/main" showMasterSp="0" showMasterPhAnim="0">
   <p:cSld>
     <p:spTree>
       <p:nvGrpSpPr>
-        <p:cNvPr id="65" name="Shape 65"/>
+        <p:cNvPr id="1" name="Shape 65"/>
         <p:cNvGrpSpPr/>
         <p:nvPr/>
       </p:nvGrpSpPr>
@@ -827,20 +847,26 @@
       <p:sp>
         <p:nvSpPr>
           <p:cNvPr id="66" name="Google Shape;66;g35c6da09269_0_50:notes"/>
-          <p:cNvSpPr/>
+          <p:cNvSpPr>
+            <a:spLocks noGrp="1" noRot="1" noChangeAspect="1"/>
+          </p:cNvSpPr>
           <p:nvPr>
-            <p:ph idx="2" type="sldImg"/>
+            <p:ph type="sldImg" idx="2"/>
           </p:nvPr>
         </p:nvSpPr>
         <p:spPr>
           <a:xfrm>
-            <a:off x="381300" y="685800"/>
+            <a:off x="381000" y="685800"/>
             <a:ext cx="6096000" cy="3429000"/>
           </a:xfrm>
           <a:custGeom>
-            <a:rect b="b" l="l" r="r" t="t"/>
+            <a:avLst/>
+            <a:gdLst/>
+            <a:ahLst/>
+            <a:cxnLst/>
+            <a:rect l="l" t="t" r="r" b="b"/>
             <a:pathLst>
-              <a:path extrusionOk="0" h="120000" w="120000">
+              <a:path w="120000" h="120000" extrusionOk="0">
                 <a:moveTo>
                   <a:pt x="0" y="0"/>
                 </a:moveTo>
@@ -862,9 +888,11 @@
       <p:sp>
         <p:nvSpPr>
           <p:cNvPr id="67" name="Google Shape;67;g35c6da09269_0_50:notes"/>
-          <p:cNvSpPr txBox="1"/>
+          <p:cNvSpPr txBox="1">
+            <a:spLocks noGrp="1"/>
+          </p:cNvSpPr>
           <p:nvPr>
-            <p:ph idx="1" type="body"/>
+            <p:ph type="body" idx="1"/>
           </p:nvPr>
         </p:nvSpPr>
         <p:spPr>
@@ -877,12 +905,12 @@
           </a:prstGeom>
         </p:spPr>
         <p:txBody>
-          <a:bodyPr anchorCtr="0" anchor="t" bIns="91425" lIns="91425" spcFirstLastPara="1" rIns="91425" wrap="square" tIns="91425">
+          <a:bodyPr spcFirstLastPara="1" wrap="square" lIns="91425" tIns="91425" rIns="91425" bIns="91425" anchor="t" anchorCtr="0">
             <a:noAutofit/>
           </a:bodyPr>
           <a:lstStyle/>
           <a:p>
-            <a:pPr indent="0" lvl="0" marL="0" rtl="0" algn="l">
+            <a:pPr marL="0" lvl="0" indent="0" algn="l" rtl="0">
               <a:spcBef>
                 <a:spcPts val="0"/>
               </a:spcBef>
@@ -891,9 +919,6 @@
               </a:spcAft>
               <a:buNone/>
             </a:pPr>
-            <a:r>
-              <a:t/>
-            </a:r>
             <a:endParaRPr/>
           </a:p>
         </p:txBody>
@@ -907,11 +932,11 @@
 </file>
 
 <file path=ppt/notesSlides/notesSlide3.xml><?xml version="1.0" encoding="utf-8"?>
-<p:notes xmlns:a="http://schemas.openxmlformats.org/drawingml/2006/main" xmlns:r="http://schemas.openxmlformats.org/officeDocument/2006/relationships" xmlns:mc="http://schemas.openxmlformats.org/markup-compatibility/2006" xmlns:mv="urn:schemas-microsoft-com:mac:vml" xmlns:p="http://schemas.openxmlformats.org/presentationml/2006/main" xmlns:c="http://schemas.openxmlformats.org/drawingml/2006/chart" xmlns:dgm="http://schemas.openxmlformats.org/drawingml/2006/diagram" xmlns:o="urn:schemas-microsoft-com:office:office" xmlns:v="urn:schemas-microsoft-com:vml" xmlns:pvml="urn:schemas-microsoft-com:office:powerpoint" xmlns:com="http://schemas.openxmlformats.org/drawingml/2006/compatibility" xmlns:p14="http://schemas.microsoft.com/office/powerpoint/2010/main" xmlns:p15="http://schemas.microsoft.com/office/powerpoint/2012/main" xmlns:ahyp="http://schemas.microsoft.com/office/drawing/2018/hyperlinkcolor" showMasterPhAnim="0" showMasterSp="0">
+<p:notes xmlns:a="http://schemas.openxmlformats.org/drawingml/2006/main" xmlns:r="http://schemas.openxmlformats.org/officeDocument/2006/relationships" xmlns:p="http://schemas.openxmlformats.org/presentationml/2006/main" showMasterSp="0" showMasterPhAnim="0">
   <p:cSld>
     <p:spTree>
       <p:nvGrpSpPr>
-        <p:cNvPr id="71" name="Shape 71"/>
+        <p:cNvPr id="1" name="Shape 71"/>
         <p:cNvGrpSpPr/>
         <p:nvPr/>
       </p:nvGrpSpPr>
@@ -926,9 +951,11 @@
       <p:sp>
         <p:nvSpPr>
           <p:cNvPr id="72" name="Google Shape;72;g35c6da09269_0_164:notes"/>
-          <p:cNvSpPr/>
+          <p:cNvSpPr>
+            <a:spLocks noGrp="1" noRot="1" noChangeAspect="1"/>
+          </p:cNvSpPr>
           <p:nvPr>
-            <p:ph idx="2" type="sldImg"/>
+            <p:ph type="sldImg" idx="2"/>
           </p:nvPr>
         </p:nvSpPr>
         <p:spPr>
@@ -937,9 +964,13 @@
             <a:ext cx="6096000" cy="3429000"/>
           </a:xfrm>
           <a:custGeom>
-            <a:rect b="b" l="l" r="r" t="t"/>
+            <a:avLst/>
+            <a:gdLst/>
+            <a:ahLst/>
+            <a:cxnLst/>
+            <a:rect l="l" t="t" r="r" b="b"/>
             <a:pathLst>
-              <a:path extrusionOk="0" h="120000" w="120000">
+              <a:path w="120000" h="120000" extrusionOk="0">
                 <a:moveTo>
                   <a:pt x="0" y="0"/>
                 </a:moveTo>
@@ -961,9 +992,11 @@
       <p:sp>
         <p:nvSpPr>
           <p:cNvPr id="73" name="Google Shape;73;g35c6da09269_0_164:notes"/>
-          <p:cNvSpPr txBox="1"/>
+          <p:cNvSpPr txBox="1">
+            <a:spLocks noGrp="1"/>
+          </p:cNvSpPr>
           <p:nvPr>
-            <p:ph idx="1" type="body"/>
+            <p:ph type="body" idx="1"/>
           </p:nvPr>
         </p:nvSpPr>
         <p:spPr>
@@ -976,12 +1009,12 @@
           </a:prstGeom>
         </p:spPr>
         <p:txBody>
-          <a:bodyPr anchorCtr="0" anchor="t" bIns="91425" lIns="91425" spcFirstLastPara="1" rIns="91425" wrap="square" tIns="91425">
+          <a:bodyPr spcFirstLastPara="1" wrap="square" lIns="91425" tIns="91425" rIns="91425" bIns="91425" anchor="t" anchorCtr="0">
             <a:noAutofit/>
           </a:bodyPr>
           <a:lstStyle/>
           <a:p>
-            <a:pPr indent="0" lvl="0" marL="0" rtl="0" algn="l">
+            <a:pPr marL="0" lvl="0" indent="0" algn="l" rtl="0">
               <a:spcBef>
                 <a:spcPts val="0"/>
               </a:spcBef>
@@ -990,9 +1023,6 @@
               </a:spcAft>
               <a:buNone/>
             </a:pPr>
-            <a:r>
-              <a:t/>
-            </a:r>
             <a:endParaRPr/>
           </a:p>
         </p:txBody>
@@ -1006,11 +1036,11 @@
 </file>
 
 <file path=ppt/notesSlides/notesSlide4.xml><?xml version="1.0" encoding="utf-8"?>
-<p:notes xmlns:a="http://schemas.openxmlformats.org/drawingml/2006/main" xmlns:r="http://schemas.openxmlformats.org/officeDocument/2006/relationships" xmlns:mc="http://schemas.openxmlformats.org/markup-compatibility/2006" xmlns:mv="urn:schemas-microsoft-com:mac:vml" xmlns:p="http://schemas.openxmlformats.org/presentationml/2006/main" xmlns:c="http://schemas.openxmlformats.org/drawingml/2006/chart" xmlns:dgm="http://schemas.openxmlformats.org/drawingml/2006/diagram" xmlns:o="urn:schemas-microsoft-com:office:office" xmlns:v="urn:schemas-microsoft-com:vml" xmlns:pvml="urn:schemas-microsoft-com:office:powerpoint" xmlns:com="http://schemas.openxmlformats.org/drawingml/2006/compatibility" xmlns:p14="http://schemas.microsoft.com/office/powerpoint/2010/main" xmlns:p15="http://schemas.microsoft.com/office/powerpoint/2012/main" xmlns:ahyp="http://schemas.microsoft.com/office/drawing/2018/hyperlinkcolor" showMasterPhAnim="0" showMasterSp="0">
+<p:notes xmlns:a="http://schemas.openxmlformats.org/drawingml/2006/main" xmlns:r="http://schemas.openxmlformats.org/officeDocument/2006/relationships" xmlns:p="http://schemas.openxmlformats.org/presentationml/2006/main" showMasterSp="0" showMasterPhAnim="0">
   <p:cSld>
     <p:spTree>
       <p:nvGrpSpPr>
-        <p:cNvPr id="77" name="Shape 77"/>
+        <p:cNvPr id="1" name="Shape 77"/>
         <p:cNvGrpSpPr/>
         <p:nvPr/>
       </p:nvGrpSpPr>
@@ -1025,9 +1055,11 @@
       <p:sp>
         <p:nvSpPr>
           <p:cNvPr id="78" name="Google Shape;78;g35c6da09269_0_212:notes"/>
-          <p:cNvSpPr/>
+          <p:cNvSpPr>
+            <a:spLocks noGrp="1" noRot="1" noChangeAspect="1"/>
+          </p:cNvSpPr>
           <p:nvPr>
-            <p:ph idx="2" type="sldImg"/>
+            <p:ph type="sldImg" idx="2"/>
           </p:nvPr>
         </p:nvSpPr>
         <p:spPr>
@@ -1036,9 +1068,13 @@
             <a:ext cx="6096000" cy="3429000"/>
           </a:xfrm>
           <a:custGeom>
-            <a:rect b="b" l="l" r="r" t="t"/>
+            <a:avLst/>
+            <a:gdLst/>
+            <a:ahLst/>
+            <a:cxnLst/>
+            <a:rect l="l" t="t" r="r" b="b"/>
             <a:pathLst>
-              <a:path extrusionOk="0" h="120000" w="120000">
+              <a:path w="120000" h="120000" extrusionOk="0">
                 <a:moveTo>
                   <a:pt x="0" y="0"/>
                 </a:moveTo>
@@ -1060,9 +1096,11 @@
       <p:sp>
         <p:nvSpPr>
           <p:cNvPr id="79" name="Google Shape;79;g35c6da09269_0_212:notes"/>
-          <p:cNvSpPr txBox="1"/>
+          <p:cNvSpPr txBox="1">
+            <a:spLocks noGrp="1"/>
+          </p:cNvSpPr>
           <p:nvPr>
-            <p:ph idx="1" type="body"/>
+            <p:ph type="body" idx="1"/>
           </p:nvPr>
         </p:nvSpPr>
         <p:spPr>
@@ -1075,12 +1113,12 @@
           </a:prstGeom>
         </p:spPr>
         <p:txBody>
-          <a:bodyPr anchorCtr="0" anchor="t" bIns="91425" lIns="91425" spcFirstLastPara="1" rIns="91425" wrap="square" tIns="91425">
+          <a:bodyPr spcFirstLastPara="1" wrap="square" lIns="91425" tIns="91425" rIns="91425" bIns="91425" anchor="t" anchorCtr="0">
             <a:noAutofit/>
           </a:bodyPr>
           <a:lstStyle/>
           <a:p>
-            <a:pPr indent="0" lvl="0" marL="0" rtl="0" algn="l">
+            <a:pPr marL="0" lvl="0" indent="0" algn="l" rtl="0">
               <a:spcBef>
                 <a:spcPts val="0"/>
               </a:spcBef>
@@ -1089,9 +1127,6 @@
               </a:spcAft>
               <a:buNone/>
             </a:pPr>
-            <a:r>
-              <a:t/>
-            </a:r>
             <a:endParaRPr/>
           </a:p>
         </p:txBody>
@@ -1105,11 +1140,11 @@
 </file>
 
 <file path=ppt/notesSlides/notesSlide5.xml><?xml version="1.0" encoding="utf-8"?>
-<p:notes xmlns:a="http://schemas.openxmlformats.org/drawingml/2006/main" xmlns:r="http://schemas.openxmlformats.org/officeDocument/2006/relationships" xmlns:mc="http://schemas.openxmlformats.org/markup-compatibility/2006" xmlns:mv="urn:schemas-microsoft-com:mac:vml" xmlns:p="http://schemas.openxmlformats.org/presentationml/2006/main" xmlns:c="http://schemas.openxmlformats.org/drawingml/2006/chart" xmlns:dgm="http://schemas.openxmlformats.org/drawingml/2006/diagram" xmlns:o="urn:schemas-microsoft-com:office:office" xmlns:v="urn:schemas-microsoft-com:vml" xmlns:pvml="urn:schemas-microsoft-com:office:powerpoint" xmlns:com="http://schemas.openxmlformats.org/drawingml/2006/compatibility" xmlns:p14="http://schemas.microsoft.com/office/powerpoint/2010/main" xmlns:p15="http://schemas.microsoft.com/office/powerpoint/2012/main" xmlns:ahyp="http://schemas.microsoft.com/office/drawing/2018/hyperlinkcolor" showMasterPhAnim="0" showMasterSp="0">
+<p:notes xmlns:a="http://schemas.openxmlformats.org/drawingml/2006/main" xmlns:r="http://schemas.openxmlformats.org/officeDocument/2006/relationships" xmlns:p="http://schemas.openxmlformats.org/presentationml/2006/main" showMasterSp="0" showMasterPhAnim="0">
   <p:cSld>
     <p:spTree>
       <p:nvGrpSpPr>
-        <p:cNvPr id="84" name="Shape 84"/>
+        <p:cNvPr id="1" name="Shape 84"/>
         <p:cNvGrpSpPr/>
         <p:nvPr/>
       </p:nvGrpSpPr>
@@ -1124,9 +1159,11 @@
       <p:sp>
         <p:nvSpPr>
           <p:cNvPr id="85" name="Google Shape;85;g35c6da09269_0_170:notes"/>
-          <p:cNvSpPr/>
+          <p:cNvSpPr>
+            <a:spLocks noGrp="1" noRot="1" noChangeAspect="1"/>
+          </p:cNvSpPr>
           <p:nvPr>
-            <p:ph idx="2" type="sldImg"/>
+            <p:ph type="sldImg" idx="2"/>
           </p:nvPr>
         </p:nvSpPr>
         <p:spPr>
@@ -1135,9 +1172,13 @@
             <a:ext cx="6096000" cy="3429000"/>
           </a:xfrm>
           <a:custGeom>
-            <a:rect b="b" l="l" r="r" t="t"/>
+            <a:avLst/>
+            <a:gdLst/>
+            <a:ahLst/>
+            <a:cxnLst/>
+            <a:rect l="l" t="t" r="r" b="b"/>
             <a:pathLst>
-              <a:path extrusionOk="0" h="120000" w="120000">
+              <a:path w="120000" h="120000" extrusionOk="0">
                 <a:moveTo>
                   <a:pt x="0" y="0"/>
                 </a:moveTo>
@@ -1159,9 +1200,11 @@
       <p:sp>
         <p:nvSpPr>
           <p:cNvPr id="86" name="Google Shape;86;g35c6da09269_0_170:notes"/>
-          <p:cNvSpPr txBox="1"/>
+          <p:cNvSpPr txBox="1">
+            <a:spLocks noGrp="1"/>
+          </p:cNvSpPr>
           <p:nvPr>
-            <p:ph idx="1" type="body"/>
+            <p:ph type="body" idx="1"/>
           </p:nvPr>
         </p:nvSpPr>
         <p:spPr>
@@ -1174,12 +1217,12 @@
           </a:prstGeom>
         </p:spPr>
         <p:txBody>
-          <a:bodyPr anchorCtr="0" anchor="t" bIns="91425" lIns="91425" spcFirstLastPara="1" rIns="91425" wrap="square" tIns="91425">
+          <a:bodyPr spcFirstLastPara="1" wrap="square" lIns="91425" tIns="91425" rIns="91425" bIns="91425" anchor="t" anchorCtr="0">
             <a:noAutofit/>
           </a:bodyPr>
           <a:lstStyle/>
           <a:p>
-            <a:pPr indent="0" lvl="0" marL="0" rtl="0" algn="l">
+            <a:pPr marL="0" lvl="0" indent="0" algn="l" rtl="0">
               <a:spcBef>
                 <a:spcPts val="0"/>
               </a:spcBef>
@@ -1188,9 +1231,6 @@
               </a:spcAft>
               <a:buNone/>
             </a:pPr>
-            <a:r>
-              <a:t/>
-            </a:r>
             <a:endParaRPr/>
           </a:p>
         </p:txBody>
@@ -1204,11 +1244,11 @@
 </file>
 
 <file path=ppt/notesSlides/notesSlide6.xml><?xml version="1.0" encoding="utf-8"?>
-<p:notes xmlns:a="http://schemas.openxmlformats.org/drawingml/2006/main" xmlns:r="http://schemas.openxmlformats.org/officeDocument/2006/relationships" xmlns:mc="http://schemas.openxmlformats.org/markup-compatibility/2006" xmlns:mv="urn:schemas-microsoft-com:mac:vml" xmlns:p="http://schemas.openxmlformats.org/presentationml/2006/main" xmlns:c="http://schemas.openxmlformats.org/drawingml/2006/chart" xmlns:dgm="http://schemas.openxmlformats.org/drawingml/2006/diagram" xmlns:o="urn:schemas-microsoft-com:office:office" xmlns:v="urn:schemas-microsoft-com:vml" xmlns:pvml="urn:schemas-microsoft-com:office:powerpoint" xmlns:com="http://schemas.openxmlformats.org/drawingml/2006/compatibility" xmlns:p14="http://schemas.microsoft.com/office/powerpoint/2010/main" xmlns:p15="http://schemas.microsoft.com/office/powerpoint/2012/main" xmlns:ahyp="http://schemas.microsoft.com/office/drawing/2018/hyperlinkcolor" showMasterPhAnim="0" showMasterSp="0">
+<p:notes xmlns:a="http://schemas.openxmlformats.org/drawingml/2006/main" xmlns:r="http://schemas.openxmlformats.org/officeDocument/2006/relationships" xmlns:p="http://schemas.openxmlformats.org/presentationml/2006/main" showMasterSp="0" showMasterPhAnim="0">
   <p:cSld>
     <p:spTree>
       <p:nvGrpSpPr>
-        <p:cNvPr id="91" name="Shape 91"/>
+        <p:cNvPr id="1" name="Shape 91"/>
         <p:cNvGrpSpPr/>
         <p:nvPr/>
       </p:nvGrpSpPr>
@@ -1223,20 +1263,26 @@
       <p:sp>
         <p:nvSpPr>
           <p:cNvPr id="92" name="Google Shape;92;g35c6da09269_0_203:notes"/>
-          <p:cNvSpPr/>
+          <p:cNvSpPr>
+            <a:spLocks noGrp="1" noRot="1" noChangeAspect="1"/>
+          </p:cNvSpPr>
           <p:nvPr>
-            <p:ph idx="2" type="sldImg"/>
+            <p:ph type="sldImg" idx="2"/>
           </p:nvPr>
         </p:nvSpPr>
         <p:spPr>
           <a:xfrm>
-            <a:off x="381300" y="685800"/>
+            <a:off x="381000" y="685800"/>
             <a:ext cx="6096000" cy="3429000"/>
           </a:xfrm>
           <a:custGeom>
-            <a:rect b="b" l="l" r="r" t="t"/>
+            <a:avLst/>
+            <a:gdLst/>
+            <a:ahLst/>
+            <a:cxnLst/>
+            <a:rect l="l" t="t" r="r" b="b"/>
             <a:pathLst>
-              <a:path extrusionOk="0" h="120000" w="120000">
+              <a:path w="120000" h="120000" extrusionOk="0">
                 <a:moveTo>
                   <a:pt x="0" y="0"/>
                 </a:moveTo>
@@ -1258,9 +1304,11 @@
       <p:sp>
         <p:nvSpPr>
           <p:cNvPr id="93" name="Google Shape;93;g35c6da09269_0_203:notes"/>
-          <p:cNvSpPr txBox="1"/>
+          <p:cNvSpPr txBox="1">
+            <a:spLocks noGrp="1"/>
+          </p:cNvSpPr>
           <p:nvPr>
-            <p:ph idx="1" type="body"/>
+            <p:ph type="body" idx="1"/>
           </p:nvPr>
         </p:nvSpPr>
         <p:spPr>
@@ -1273,12 +1321,12 @@
           </a:prstGeom>
         </p:spPr>
         <p:txBody>
-          <a:bodyPr anchorCtr="0" anchor="t" bIns="91425" lIns="91425" spcFirstLastPara="1" rIns="91425" wrap="square" tIns="91425">
+          <a:bodyPr spcFirstLastPara="1" wrap="square" lIns="91425" tIns="91425" rIns="91425" bIns="91425" anchor="t" anchorCtr="0">
             <a:noAutofit/>
           </a:bodyPr>
           <a:lstStyle/>
           <a:p>
-            <a:pPr indent="0" lvl="0" marL="0" rtl="0" algn="l">
+            <a:pPr marL="0" lvl="0" indent="0" algn="l" rtl="0">
               <a:spcBef>
                 <a:spcPts val="0"/>
               </a:spcBef>
@@ -1287,9 +1335,6 @@
               </a:spcAft>
               <a:buNone/>
             </a:pPr>
-            <a:r>
-              <a:t/>
-            </a:r>
             <a:endParaRPr/>
           </a:p>
         </p:txBody>
@@ -1303,11 +1348,11 @@
 </file>
 
 <file path=ppt/notesSlides/notesSlide7.xml><?xml version="1.0" encoding="utf-8"?>
-<p:notes xmlns:a="http://schemas.openxmlformats.org/drawingml/2006/main" xmlns:r="http://schemas.openxmlformats.org/officeDocument/2006/relationships" xmlns:mc="http://schemas.openxmlformats.org/markup-compatibility/2006" xmlns:mv="urn:schemas-microsoft-com:mac:vml" xmlns:p="http://schemas.openxmlformats.org/presentationml/2006/main" xmlns:c="http://schemas.openxmlformats.org/drawingml/2006/chart" xmlns:dgm="http://schemas.openxmlformats.org/drawingml/2006/diagram" xmlns:o="urn:schemas-microsoft-com:office:office" xmlns:v="urn:schemas-microsoft-com:vml" xmlns:pvml="urn:schemas-microsoft-com:office:powerpoint" xmlns:com="http://schemas.openxmlformats.org/drawingml/2006/compatibility" xmlns:p14="http://schemas.microsoft.com/office/powerpoint/2010/main" xmlns:p15="http://schemas.microsoft.com/office/powerpoint/2012/main" xmlns:ahyp="http://schemas.microsoft.com/office/drawing/2018/hyperlinkcolor" showMasterPhAnim="0" showMasterSp="0">
+<p:notes xmlns:a="http://schemas.openxmlformats.org/drawingml/2006/main" xmlns:r="http://schemas.openxmlformats.org/officeDocument/2006/relationships" xmlns:p="http://schemas.openxmlformats.org/presentationml/2006/main" showMasterSp="0" showMasterPhAnim="0">
   <p:cSld>
     <p:spTree>
       <p:nvGrpSpPr>
-        <p:cNvPr id="98" name="Shape 98"/>
+        <p:cNvPr id="1" name="Shape 98"/>
         <p:cNvGrpSpPr/>
         <p:nvPr/>
       </p:nvGrpSpPr>
@@ -1322,9 +1367,11 @@
       <p:sp>
         <p:nvSpPr>
           <p:cNvPr id="99" name="Google Shape;99;g35c6da09269_0_179:notes"/>
-          <p:cNvSpPr/>
+          <p:cNvSpPr>
+            <a:spLocks noGrp="1" noRot="1" noChangeAspect="1"/>
+          </p:cNvSpPr>
           <p:nvPr>
-            <p:ph idx="2" type="sldImg"/>
+            <p:ph type="sldImg" idx="2"/>
           </p:nvPr>
         </p:nvSpPr>
         <p:spPr>
@@ -1333,9 +1380,13 @@
             <a:ext cx="6096000" cy="3429000"/>
           </a:xfrm>
           <a:custGeom>
-            <a:rect b="b" l="l" r="r" t="t"/>
+            <a:avLst/>
+            <a:gdLst/>
+            <a:ahLst/>
+            <a:cxnLst/>
+            <a:rect l="l" t="t" r="r" b="b"/>
             <a:pathLst>
-              <a:path extrusionOk="0" h="120000" w="120000">
+              <a:path w="120000" h="120000" extrusionOk="0">
                 <a:moveTo>
                   <a:pt x="0" y="0"/>
                 </a:moveTo>
@@ -1357,9 +1408,11 @@
       <p:sp>
         <p:nvSpPr>
           <p:cNvPr id="100" name="Google Shape;100;g35c6da09269_0_179:notes"/>
-          <p:cNvSpPr txBox="1"/>
+          <p:cNvSpPr txBox="1">
+            <a:spLocks noGrp="1"/>
+          </p:cNvSpPr>
           <p:nvPr>
-            <p:ph idx="1" type="body"/>
+            <p:ph type="body" idx="1"/>
           </p:nvPr>
         </p:nvSpPr>
         <p:spPr>
@@ -1372,12 +1425,12 @@
           </a:prstGeom>
         </p:spPr>
         <p:txBody>
-          <a:bodyPr anchorCtr="0" anchor="t" bIns="91425" lIns="91425" spcFirstLastPara="1" rIns="91425" wrap="square" tIns="91425">
+          <a:bodyPr spcFirstLastPara="1" wrap="square" lIns="91425" tIns="91425" rIns="91425" bIns="91425" anchor="t" anchorCtr="0">
             <a:noAutofit/>
           </a:bodyPr>
           <a:lstStyle/>
           <a:p>
-            <a:pPr indent="0" lvl="0" marL="0" rtl="0" algn="l">
+            <a:pPr marL="0" lvl="0" indent="0" algn="l" rtl="0">
               <a:spcBef>
                 <a:spcPts val="0"/>
               </a:spcBef>
@@ -1386,9 +1439,6 @@
               </a:spcAft>
               <a:buNone/>
             </a:pPr>
-            <a:r>
-              <a:t/>
-            </a:r>
             <a:endParaRPr/>
           </a:p>
         </p:txBody>
@@ -1402,11 +1452,11 @@
 </file>
 
 <file path=ppt/notesSlides/notesSlide8.xml><?xml version="1.0" encoding="utf-8"?>
-<p:notes xmlns:a="http://schemas.openxmlformats.org/drawingml/2006/main" xmlns:r="http://schemas.openxmlformats.org/officeDocument/2006/relationships" xmlns:mc="http://schemas.openxmlformats.org/markup-compatibility/2006" xmlns:mv="urn:schemas-microsoft-com:mac:vml" xmlns:p="http://schemas.openxmlformats.org/presentationml/2006/main" xmlns:c="http://schemas.openxmlformats.org/drawingml/2006/chart" xmlns:dgm="http://schemas.openxmlformats.org/drawingml/2006/diagram" xmlns:o="urn:schemas-microsoft-com:office:office" xmlns:v="urn:schemas-microsoft-com:vml" xmlns:pvml="urn:schemas-microsoft-com:office:powerpoint" xmlns:com="http://schemas.openxmlformats.org/drawingml/2006/compatibility" xmlns:p14="http://schemas.microsoft.com/office/powerpoint/2010/main" xmlns:p15="http://schemas.microsoft.com/office/powerpoint/2012/main" xmlns:ahyp="http://schemas.microsoft.com/office/drawing/2018/hyperlinkcolor" showMasterPhAnim="0" showMasterSp="0">
+<p:notes xmlns:a="http://schemas.openxmlformats.org/drawingml/2006/main" xmlns:r="http://schemas.openxmlformats.org/officeDocument/2006/relationships" xmlns:p="http://schemas.openxmlformats.org/presentationml/2006/main" showMasterSp="0" showMasterPhAnim="0">
   <p:cSld>
     <p:spTree>
       <p:nvGrpSpPr>
-        <p:cNvPr id="107" name="Shape 107"/>
+        <p:cNvPr id="1" name="Shape 107"/>
         <p:cNvGrpSpPr/>
         <p:nvPr/>
       </p:nvGrpSpPr>
@@ -1421,20 +1471,26 @@
       <p:sp>
         <p:nvSpPr>
           <p:cNvPr id="108" name="Google Shape;108;g35c6da09269_0_192:notes"/>
-          <p:cNvSpPr/>
+          <p:cNvSpPr>
+            <a:spLocks noGrp="1" noRot="1" noChangeAspect="1"/>
+          </p:cNvSpPr>
           <p:nvPr>
-            <p:ph idx="2" type="sldImg"/>
+            <p:ph type="sldImg" idx="2"/>
           </p:nvPr>
         </p:nvSpPr>
         <p:spPr>
           <a:xfrm>
-            <a:off x="381300" y="685800"/>
+            <a:off x="381000" y="685800"/>
             <a:ext cx="6096000" cy="3429000"/>
           </a:xfrm>
           <a:custGeom>
-            <a:rect b="b" l="l" r="r" t="t"/>
+            <a:avLst/>
+            <a:gdLst/>
+            <a:ahLst/>
+            <a:cxnLst/>
+            <a:rect l="l" t="t" r="r" b="b"/>
             <a:pathLst>
-              <a:path extrusionOk="0" h="120000" w="120000">
+              <a:path w="120000" h="120000" extrusionOk="0">
                 <a:moveTo>
                   <a:pt x="0" y="0"/>
                 </a:moveTo>
@@ -1456,9 +1512,11 @@
       <p:sp>
         <p:nvSpPr>
           <p:cNvPr id="109" name="Google Shape;109;g35c6da09269_0_192:notes"/>
-          <p:cNvSpPr txBox="1"/>
+          <p:cNvSpPr txBox="1">
+            <a:spLocks noGrp="1"/>
+          </p:cNvSpPr>
           <p:nvPr>
-            <p:ph idx="1" type="body"/>
+            <p:ph type="body" idx="1"/>
           </p:nvPr>
         </p:nvSpPr>
         <p:spPr>
@@ -1471,12 +1529,12 @@
           </a:prstGeom>
         </p:spPr>
         <p:txBody>
-          <a:bodyPr anchorCtr="0" anchor="t" bIns="91425" lIns="91425" spcFirstLastPara="1" rIns="91425" wrap="square" tIns="91425">
+          <a:bodyPr spcFirstLastPara="1" wrap="square" lIns="91425" tIns="91425" rIns="91425" bIns="91425" anchor="t" anchorCtr="0">
             <a:noAutofit/>
           </a:bodyPr>
           <a:lstStyle/>
           <a:p>
-            <a:pPr indent="0" lvl="0" marL="0" rtl="0" algn="l">
+            <a:pPr marL="0" lvl="0" indent="0" algn="l" rtl="0">
               <a:spcBef>
                 <a:spcPts val="0"/>
               </a:spcBef>
@@ -1485,10 +1543,7 @@
               </a:spcAft>
               <a:buNone/>
             </a:pPr>
-            <a:r>
-              <a:t/>
-            </a:r>
-            <a:endParaRPr/>
+            <a:endParaRPr dirty="0"/>
           </a:p>
         </p:txBody>
       </p:sp>
@@ -1501,11 +1556,11 @@
 </file>
 
 <file path=ppt/notesSlides/notesSlide9.xml><?xml version="1.0" encoding="utf-8"?>
-<p:notes xmlns:a="http://schemas.openxmlformats.org/drawingml/2006/main" xmlns:r="http://schemas.openxmlformats.org/officeDocument/2006/relationships" xmlns:mc="http://schemas.openxmlformats.org/markup-compatibility/2006" xmlns:mv="urn:schemas-microsoft-com:mac:vml" xmlns:p="http://schemas.openxmlformats.org/presentationml/2006/main" xmlns:c="http://schemas.openxmlformats.org/drawingml/2006/chart" xmlns:dgm="http://schemas.openxmlformats.org/drawingml/2006/diagram" xmlns:o="urn:schemas-microsoft-com:office:office" xmlns:v="urn:schemas-microsoft-com:vml" xmlns:pvml="urn:schemas-microsoft-com:office:powerpoint" xmlns:com="http://schemas.openxmlformats.org/drawingml/2006/compatibility" xmlns:p14="http://schemas.microsoft.com/office/powerpoint/2010/main" xmlns:p15="http://schemas.microsoft.com/office/powerpoint/2012/main" xmlns:ahyp="http://schemas.microsoft.com/office/drawing/2018/hyperlinkcolor" showMasterPhAnim="0" showMasterSp="0">
+<p:notes xmlns:a="http://schemas.openxmlformats.org/drawingml/2006/main" xmlns:r="http://schemas.openxmlformats.org/officeDocument/2006/relationships" xmlns:p="http://schemas.openxmlformats.org/presentationml/2006/main" showMasterSp="0" showMasterPhAnim="0">
   <p:cSld>
     <p:spTree>
       <p:nvGrpSpPr>
-        <p:cNvPr id="116" name="Shape 116"/>
+        <p:cNvPr id="1" name="Shape 116"/>
         <p:cNvGrpSpPr/>
         <p:nvPr/>
       </p:nvGrpSpPr>
@@ -1520,9 +1575,11 @@
       <p:sp>
         <p:nvSpPr>
           <p:cNvPr id="117" name="Google Shape;117;g35c6da09269_0_222:notes"/>
-          <p:cNvSpPr/>
+          <p:cNvSpPr>
+            <a:spLocks noGrp="1" noRot="1" noChangeAspect="1"/>
+          </p:cNvSpPr>
           <p:nvPr>
-            <p:ph idx="2" type="sldImg"/>
+            <p:ph type="sldImg" idx="2"/>
           </p:nvPr>
         </p:nvSpPr>
         <p:spPr>
@@ -1531,9 +1588,13 @@
             <a:ext cx="6096000" cy="3429000"/>
           </a:xfrm>
           <a:custGeom>
-            <a:rect b="b" l="l" r="r" t="t"/>
+            <a:avLst/>
+            <a:gdLst/>
+            <a:ahLst/>
+            <a:cxnLst/>
+            <a:rect l="l" t="t" r="r" b="b"/>
             <a:pathLst>
-              <a:path extrusionOk="0" h="120000" w="120000">
+              <a:path w="120000" h="120000" extrusionOk="0">
                 <a:moveTo>
                   <a:pt x="0" y="0"/>
                 </a:moveTo>
@@ -1555,9 +1616,11 @@
       <p:sp>
         <p:nvSpPr>
           <p:cNvPr id="118" name="Google Shape;118;g35c6da09269_0_222:notes"/>
-          <p:cNvSpPr txBox="1"/>
+          <p:cNvSpPr txBox="1">
+            <a:spLocks noGrp="1"/>
+          </p:cNvSpPr>
           <p:nvPr>
-            <p:ph idx="1" type="body"/>
+            <p:ph type="body" idx="1"/>
           </p:nvPr>
         </p:nvSpPr>
         <p:spPr>
@@ -1570,12 +1633,12 @@
           </a:prstGeom>
         </p:spPr>
         <p:txBody>
-          <a:bodyPr anchorCtr="0" anchor="t" bIns="91425" lIns="91425" spcFirstLastPara="1" rIns="91425" wrap="square" tIns="91425">
+          <a:bodyPr spcFirstLastPara="1" wrap="square" lIns="91425" tIns="91425" rIns="91425" bIns="91425" anchor="t" anchorCtr="0">
             <a:noAutofit/>
           </a:bodyPr>
           <a:lstStyle/>
           <a:p>
-            <a:pPr indent="0" lvl="0" marL="0" rtl="0" algn="l">
+            <a:pPr marL="0" lvl="0" indent="0" algn="l" rtl="0">
               <a:spcBef>
                 <a:spcPts val="0"/>
               </a:spcBef>
@@ -1584,9 +1647,6 @@
               </a:spcAft>
               <a:buNone/>
             </a:pPr>
-            <a:r>
-              <a:t/>
-            </a:r>
             <a:endParaRPr/>
           </a:p>
         </p:txBody>
@@ -1600,11 +1660,11 @@
 </file>
 
 <file path=ppt/slideLayouts/slideLayout1.xml><?xml version="1.0" encoding="utf-8"?>
-<p:sldLayout xmlns:a="http://schemas.openxmlformats.org/drawingml/2006/main" xmlns:r="http://schemas.openxmlformats.org/officeDocument/2006/relationships" xmlns:mc="http://schemas.openxmlformats.org/markup-compatibility/2006" xmlns:mv="urn:schemas-microsoft-com:mac:vml" xmlns:p="http://schemas.openxmlformats.org/presentationml/2006/main" xmlns:c="http://schemas.openxmlformats.org/drawingml/2006/chart" xmlns:dgm="http://schemas.openxmlformats.org/drawingml/2006/diagram" xmlns:o="urn:schemas-microsoft-com:office:office" xmlns:v="urn:schemas-microsoft-com:vml" xmlns:pvml="urn:schemas-microsoft-com:office:powerpoint" xmlns:com="http://schemas.openxmlformats.org/drawingml/2006/compatibility" xmlns:p14="http://schemas.microsoft.com/office/powerpoint/2010/main" xmlns:p15="http://schemas.microsoft.com/office/powerpoint/2012/main" xmlns:ahyp="http://schemas.microsoft.com/office/drawing/2018/hyperlinkcolor" matchingName="Title slide" type="title">
+<p:sldLayout xmlns:a="http://schemas.openxmlformats.org/drawingml/2006/main" xmlns:r="http://schemas.openxmlformats.org/officeDocument/2006/relationships" xmlns:p="http://schemas.openxmlformats.org/presentationml/2006/main" matchingName="Title slide" type="title">
   <p:cSld name="TITLE">
     <p:spTree>
       <p:nvGrpSpPr>
-        <p:cNvPr id="9" name="Shape 9"/>
+        <p:cNvPr id="1" name="Shape 9"/>
         <p:cNvGrpSpPr/>
         <p:nvPr/>
       </p:nvGrpSpPr>
@@ -1628,9 +1688,13 @@
             <a:ext cx="1081625" cy="1124950"/>
           </a:xfrm>
           <a:custGeom>
-            <a:rect b="b" l="l" r="r" t="t"/>
+            <a:avLst/>
+            <a:gdLst/>
+            <a:ahLst/>
+            <a:cxnLst/>
+            <a:rect l="l" t="t" r="r" b="b"/>
             <a:pathLst>
-              <a:path extrusionOk="0" h="44998" w="43265">
+              <a:path w="43265" h="44998" extrusionOk="0">
                 <a:moveTo>
                   <a:pt x="0" y="44998"/>
                 </a:moveTo>
@@ -1644,14 +1708,14 @@
             </a:pathLst>
           </a:custGeom>
           <a:noFill/>
-          <a:ln cap="flat" cmpd="sng" w="28575">
+          <a:ln w="28575" cap="flat" cmpd="sng">
             <a:solidFill>
               <a:schemeClr val="accent5"/>
             </a:solidFill>
             <a:prstDash val="solid"/>
             <a:miter lim="8000"/>
-            <a:headEnd len="sm" w="sm" type="none"/>
-            <a:tailEnd len="sm" w="sm" type="none"/>
+            <a:headEnd type="none" w="sm" len="sm"/>
+            <a:tailEnd type="none" w="sm" len="sm"/>
           </a:ln>
         </p:spPr>
       </p:sp>
@@ -1667,9 +1731,13 @@
             <a:ext cx="1081625" cy="1124950"/>
           </a:xfrm>
           <a:custGeom>
-            <a:rect b="b" l="l" r="r" t="t"/>
+            <a:avLst/>
+            <a:gdLst/>
+            <a:ahLst/>
+            <a:cxnLst/>
+            <a:rect l="l" t="t" r="r" b="b"/>
             <a:pathLst>
-              <a:path extrusionOk="0" h="44998" w="43265">
+              <a:path w="43265" h="44998" extrusionOk="0">
                 <a:moveTo>
                   <a:pt x="0" y="44998"/>
                 </a:moveTo>
@@ -1683,14 +1751,14 @@
             </a:pathLst>
           </a:custGeom>
           <a:noFill/>
-          <a:ln cap="flat" cmpd="sng" w="28575">
+          <a:ln w="28575" cap="flat" cmpd="sng">
             <a:solidFill>
               <a:schemeClr val="accent5"/>
             </a:solidFill>
             <a:prstDash val="solid"/>
             <a:miter lim="8000"/>
-            <a:headEnd len="sm" w="sm" type="none"/>
-            <a:tailEnd len="sm" w="sm" type="none"/>
+            <a:headEnd type="none" w="sm" len="sm"/>
+            <a:tailEnd type="none" w="sm" len="sm"/>
           </a:ln>
         </p:spPr>
       </p:sp>
@@ -1709,21 +1777,23 @@
             <a:avLst/>
           </a:prstGeom>
           <a:noFill/>
-          <a:ln cap="flat" cmpd="sng" w="38100">
+          <a:ln w="38100" cap="flat" cmpd="sng">
             <a:solidFill>
               <a:schemeClr val="accent4"/>
             </a:solidFill>
             <a:prstDash val="solid"/>
             <a:round/>
-            <a:headEnd len="sm" w="sm" type="none"/>
-            <a:tailEnd len="sm" w="sm" type="none"/>
+            <a:headEnd type="none" w="sm" len="sm"/>
+            <a:tailEnd type="none" w="sm" len="sm"/>
           </a:ln>
         </p:spPr>
       </p:cxnSp>
       <p:sp>
         <p:nvSpPr>
           <p:cNvPr id="13" name="Google Shape;13;p2"/>
-          <p:cNvSpPr txBox="1"/>
+          <p:cNvSpPr txBox="1">
+            <a:spLocks noGrp="1"/>
+          </p:cNvSpPr>
           <p:nvPr>
             <p:ph type="ctrTitle"/>
           </p:nvPr>
@@ -1738,7 +1808,7 @@
           </a:prstGeom>
         </p:spPr>
         <p:txBody>
-          <a:bodyPr anchorCtr="0" anchor="b" bIns="91425" lIns="91425" spcFirstLastPara="1" rIns="91425" wrap="square" tIns="91425">
+          <a:bodyPr spcFirstLastPara="1" wrap="square" lIns="91425" tIns="91425" rIns="91425" bIns="91425" anchor="b" anchorCtr="0">
             <a:normAutofit/>
           </a:bodyPr>
           <a:lstStyle>
@@ -1842,15 +1912,19 @@
               <a:defRPr sz="4000"/>
             </a:lvl9pPr>
           </a:lstStyle>
-          <a:p/>
+          <a:p>
+            <a:endParaRPr/>
+          </a:p>
         </p:txBody>
       </p:sp>
       <p:sp>
         <p:nvSpPr>
           <p:cNvPr id="14" name="Google Shape;14;p2"/>
-          <p:cNvSpPr txBox="1"/>
+          <p:cNvSpPr txBox="1">
+            <a:spLocks noGrp="1"/>
+          </p:cNvSpPr>
           <p:nvPr>
-            <p:ph idx="1" type="subTitle"/>
+            <p:ph type="subTitle" idx="1"/>
           </p:nvPr>
         </p:nvSpPr>
         <p:spPr>
@@ -1863,7 +1937,7 @@
           </a:prstGeom>
         </p:spPr>
         <p:txBody>
-          <a:bodyPr anchorCtr="0" anchor="t" bIns="91425" lIns="91425" spcFirstLastPara="1" rIns="91425" wrap="square" tIns="91425">
+          <a:bodyPr spcFirstLastPara="1" wrap="square" lIns="91425" tIns="91425" rIns="91425" bIns="91425" anchor="t" anchorCtr="0">
             <a:normAutofit/>
           </a:bodyPr>
           <a:lstStyle>
@@ -2102,15 +2176,19 @@
               </a:defRPr>
             </a:lvl9pPr>
           </a:lstStyle>
-          <a:p/>
+          <a:p>
+            <a:endParaRPr/>
+          </a:p>
         </p:txBody>
       </p:sp>
       <p:sp>
         <p:nvSpPr>
           <p:cNvPr id="15" name="Google Shape;15;p2"/>
-          <p:cNvSpPr txBox="1"/>
+          <p:cNvSpPr txBox="1">
+            <a:spLocks noGrp="1"/>
+          </p:cNvSpPr>
           <p:nvPr>
-            <p:ph idx="12" type="sldNum"/>
+            <p:ph type="sldNum" idx="12"/>
           </p:nvPr>
         </p:nvSpPr>
         <p:spPr>
@@ -2123,7 +2201,7 @@
           </a:prstGeom>
         </p:spPr>
         <p:txBody>
-          <a:bodyPr anchorCtr="0" anchor="ctr" bIns="91425" lIns="91425" spcFirstLastPara="1" rIns="91425" wrap="square" tIns="91425">
+          <a:bodyPr spcFirstLastPara="1" wrap="square" lIns="91425" tIns="91425" rIns="91425" bIns="91425" anchor="ctr" anchorCtr="0">
             <a:normAutofit/>
           </a:bodyPr>
           <a:lstStyle>
@@ -2165,7 +2243,7 @@
             </a:lvl9pPr>
           </a:lstStyle>
           <a:p>
-            <a:pPr indent="0" lvl="0" marL="0" rtl="0" algn="r">
+            <a:pPr marL="0" lvl="0" indent="0" algn="r" rtl="0">
               <a:spcBef>
                 <a:spcPts val="0"/>
               </a:spcBef>
@@ -2176,7 +2254,7 @@
             </a:pPr>
             <a:fld id="{00000000-1234-1234-1234-123412341234}" type="slidenum">
               <a:rPr lang="es"/>
-              <a:t>‹#›</a:t>
+              <a:t>‹Nº›</a:t>
             </a:fld>
             <a:endParaRPr/>
           </a:p>
@@ -2191,11 +2269,11 @@
 </file>
 
 <file path=ppt/slideLayouts/slideLayout10.xml><?xml version="1.0" encoding="utf-8"?>
-<p:sldLayout xmlns:a="http://schemas.openxmlformats.org/drawingml/2006/main" xmlns:r="http://schemas.openxmlformats.org/officeDocument/2006/relationships" xmlns:mc="http://schemas.openxmlformats.org/markup-compatibility/2006" xmlns:mv="urn:schemas-microsoft-com:mac:vml" xmlns:p="http://schemas.openxmlformats.org/presentationml/2006/main" xmlns:c="http://schemas.openxmlformats.org/drawingml/2006/chart" xmlns:dgm="http://schemas.openxmlformats.org/drawingml/2006/diagram" xmlns:o="urn:schemas-microsoft-com:office:office" xmlns:v="urn:schemas-microsoft-com:vml" xmlns:pvml="urn:schemas-microsoft-com:office:powerpoint" xmlns:com="http://schemas.openxmlformats.org/drawingml/2006/compatibility" xmlns:p14="http://schemas.microsoft.com/office/powerpoint/2010/main" xmlns:p15="http://schemas.microsoft.com/office/powerpoint/2012/main" xmlns:ahyp="http://schemas.microsoft.com/office/drawing/2018/hyperlinkcolor" matchingName="Big number">
+<p:sldLayout xmlns:a="http://schemas.openxmlformats.org/drawingml/2006/main" xmlns:r="http://schemas.openxmlformats.org/officeDocument/2006/relationships" xmlns:p="http://schemas.openxmlformats.org/presentationml/2006/main" matchingName="Big number">
   <p:cSld name="BIG_NUMBER">
     <p:spTree>
       <p:nvGrpSpPr>
-        <p:cNvPr id="52" name="Shape 52"/>
+        <p:cNvPr id="1" name="Shape 52"/>
         <p:cNvGrpSpPr/>
         <p:nvPr/>
       </p:nvGrpSpPr>
@@ -2229,12 +2307,12 @@
           </a:ln>
         </p:spPr>
         <p:txBody>
-          <a:bodyPr anchorCtr="0" anchor="ctr" bIns="91425" lIns="91425" spcFirstLastPara="1" rIns="91425" wrap="square" tIns="91425">
+          <a:bodyPr spcFirstLastPara="1" wrap="square" lIns="91425" tIns="91425" rIns="91425" bIns="91425" anchor="ctr" anchorCtr="0">
             <a:noAutofit/>
           </a:bodyPr>
           <a:lstStyle/>
           <a:p>
-            <a:pPr indent="0" lvl="0" marL="0" rtl="0" algn="l">
+            <a:pPr marL="0" lvl="0" indent="0" algn="l" rtl="0">
               <a:spcBef>
                 <a:spcPts val="0"/>
               </a:spcBef>
@@ -2243,9 +2321,6 @@
               </a:spcAft>
               <a:buNone/>
             </a:pPr>
-            <a:r>
-              <a:t/>
-            </a:r>
             <a:endParaRPr/>
           </a:p>
         </p:txBody>
@@ -2253,9 +2328,11 @@
       <p:sp>
         <p:nvSpPr>
           <p:cNvPr id="54" name="Google Shape;54;p11"/>
-          <p:cNvSpPr txBox="1"/>
+          <p:cNvSpPr txBox="1">
+            <a:spLocks noGrp="1"/>
+          </p:cNvSpPr>
           <p:nvPr>
-            <p:ph hasCustomPrompt="1" type="title"/>
+            <p:ph type="title" hasCustomPrompt="1"/>
           </p:nvPr>
         </p:nvSpPr>
         <p:spPr>
@@ -2268,7 +2345,7 @@
           </a:prstGeom>
         </p:spPr>
         <p:txBody>
-          <a:bodyPr anchorCtr="0" anchor="ctr" bIns="91425" lIns="91425" spcFirstLastPara="1" rIns="91425" wrap="square" tIns="91425">
+          <a:bodyPr spcFirstLastPara="1" wrap="square" lIns="91425" tIns="91425" rIns="91425" bIns="91425" anchor="ctr" anchorCtr="0">
             <a:normAutofit/>
           </a:bodyPr>
           <a:lstStyle>
@@ -2445,9 +2522,11 @@
       <p:sp>
         <p:nvSpPr>
           <p:cNvPr id="55" name="Google Shape;55;p11"/>
-          <p:cNvSpPr txBox="1"/>
+          <p:cNvSpPr txBox="1">
+            <a:spLocks noGrp="1"/>
+          </p:cNvSpPr>
           <p:nvPr>
-            <p:ph idx="1" type="body"/>
+            <p:ph type="body" idx="1"/>
           </p:nvPr>
         </p:nvSpPr>
         <p:spPr>
@@ -2460,11 +2539,11 @@
           </a:prstGeom>
         </p:spPr>
         <p:txBody>
-          <a:bodyPr anchorCtr="0" anchor="t" bIns="91425" lIns="91425" spcFirstLastPara="1" rIns="91425" wrap="square" tIns="91425">
+          <a:bodyPr spcFirstLastPara="1" wrap="square" lIns="91425" tIns="91425" rIns="91425" bIns="91425" anchor="t" anchorCtr="0">
             <a:normAutofit/>
           </a:bodyPr>
           <a:lstStyle>
-            <a:lvl1pPr indent="-342900" lvl="0" marL="457200" algn="ctr">
+            <a:lvl1pPr marL="457200" lvl="0" indent="-342900" algn="ctr">
               <a:spcBef>
                 <a:spcPts val="0"/>
               </a:spcBef>
@@ -2475,7 +2554,7 @@
               <a:buChar char="●"/>
               <a:defRPr/>
             </a:lvl1pPr>
-            <a:lvl2pPr indent="-317500" lvl="1" marL="914400" algn="ctr">
+            <a:lvl2pPr marL="914400" lvl="1" indent="-317500" algn="ctr">
               <a:spcBef>
                 <a:spcPts val="0"/>
               </a:spcBef>
@@ -2486,7 +2565,7 @@
               <a:buChar char="○"/>
               <a:defRPr/>
             </a:lvl2pPr>
-            <a:lvl3pPr indent="-317500" lvl="2" marL="1371600" algn="ctr">
+            <a:lvl3pPr marL="1371600" lvl="2" indent="-317500" algn="ctr">
               <a:spcBef>
                 <a:spcPts val="0"/>
               </a:spcBef>
@@ -2497,7 +2576,7 @@
               <a:buChar char="■"/>
               <a:defRPr/>
             </a:lvl3pPr>
-            <a:lvl4pPr indent="-317500" lvl="3" marL="1828800" algn="ctr">
+            <a:lvl4pPr marL="1828800" lvl="3" indent="-317500" algn="ctr">
               <a:spcBef>
                 <a:spcPts val="0"/>
               </a:spcBef>
@@ -2508,7 +2587,7 @@
               <a:buChar char="●"/>
               <a:defRPr/>
             </a:lvl4pPr>
-            <a:lvl5pPr indent="-317500" lvl="4" marL="2286000" algn="ctr">
+            <a:lvl5pPr marL="2286000" lvl="4" indent="-317500" algn="ctr">
               <a:spcBef>
                 <a:spcPts val="0"/>
               </a:spcBef>
@@ -2519,7 +2598,7 @@
               <a:buChar char="○"/>
               <a:defRPr/>
             </a:lvl5pPr>
-            <a:lvl6pPr indent="-317500" lvl="5" marL="2743200" algn="ctr">
+            <a:lvl6pPr marL="2743200" lvl="5" indent="-317500" algn="ctr">
               <a:spcBef>
                 <a:spcPts val="0"/>
               </a:spcBef>
@@ -2530,7 +2609,7 @@
               <a:buChar char="■"/>
               <a:defRPr/>
             </a:lvl6pPr>
-            <a:lvl7pPr indent="-317500" lvl="6" marL="3200400" algn="ctr">
+            <a:lvl7pPr marL="3200400" lvl="6" indent="-317500" algn="ctr">
               <a:spcBef>
                 <a:spcPts val="0"/>
               </a:spcBef>
@@ -2541,7 +2620,7 @@
               <a:buChar char="●"/>
               <a:defRPr/>
             </a:lvl7pPr>
-            <a:lvl8pPr indent="-317500" lvl="7" marL="3657600" algn="ctr">
+            <a:lvl8pPr marL="3657600" lvl="7" indent="-317500" algn="ctr">
               <a:spcBef>
                 <a:spcPts val="0"/>
               </a:spcBef>
@@ -2552,7 +2631,7 @@
               <a:buChar char="○"/>
               <a:defRPr/>
             </a:lvl8pPr>
-            <a:lvl9pPr indent="-317500" lvl="8" marL="4114800" algn="ctr">
+            <a:lvl9pPr marL="4114800" lvl="8" indent="-317500" algn="ctr">
               <a:spcBef>
                 <a:spcPts val="0"/>
               </a:spcBef>
@@ -2564,15 +2643,19 @@
               <a:defRPr/>
             </a:lvl9pPr>
           </a:lstStyle>
-          <a:p/>
+          <a:p>
+            <a:endParaRPr/>
+          </a:p>
         </p:txBody>
       </p:sp>
       <p:sp>
         <p:nvSpPr>
           <p:cNvPr id="56" name="Google Shape;56;p11"/>
-          <p:cNvSpPr txBox="1"/>
+          <p:cNvSpPr txBox="1">
+            <a:spLocks noGrp="1"/>
+          </p:cNvSpPr>
           <p:nvPr>
-            <p:ph idx="12" type="sldNum"/>
+            <p:ph type="sldNum" idx="12"/>
           </p:nvPr>
         </p:nvSpPr>
         <p:spPr>
@@ -2585,7 +2668,7 @@
           </a:prstGeom>
         </p:spPr>
         <p:txBody>
-          <a:bodyPr anchorCtr="0" anchor="ctr" bIns="91425" lIns="91425" spcFirstLastPara="1" rIns="91425" wrap="square" tIns="91425">
+          <a:bodyPr spcFirstLastPara="1" wrap="square" lIns="91425" tIns="91425" rIns="91425" bIns="91425" anchor="ctr" anchorCtr="0">
             <a:normAutofit/>
           </a:bodyPr>
           <a:lstStyle>
@@ -2627,7 +2710,7 @@
             </a:lvl9pPr>
           </a:lstStyle>
           <a:p>
-            <a:pPr indent="0" lvl="0" marL="0" rtl="0" algn="r">
+            <a:pPr marL="0" lvl="0" indent="0" algn="r" rtl="0">
               <a:spcBef>
                 <a:spcPts val="0"/>
               </a:spcBef>
@@ -2638,7 +2721,7 @@
             </a:pPr>
             <a:fld id="{00000000-1234-1234-1234-123412341234}" type="slidenum">
               <a:rPr lang="es"/>
-              <a:t>‹#›</a:t>
+              <a:t>‹Nº›</a:t>
             </a:fld>
             <a:endParaRPr/>
           </a:p>
@@ -2653,11 +2736,11 @@
 </file>
 
 <file path=ppt/slideLayouts/slideLayout11.xml><?xml version="1.0" encoding="utf-8"?>
-<p:sldLayout xmlns:a="http://schemas.openxmlformats.org/drawingml/2006/main" xmlns:r="http://schemas.openxmlformats.org/officeDocument/2006/relationships" xmlns:mc="http://schemas.openxmlformats.org/markup-compatibility/2006" xmlns:mv="urn:schemas-microsoft-com:mac:vml" xmlns:p="http://schemas.openxmlformats.org/presentationml/2006/main" xmlns:c="http://schemas.openxmlformats.org/drawingml/2006/chart" xmlns:dgm="http://schemas.openxmlformats.org/drawingml/2006/diagram" xmlns:o="urn:schemas-microsoft-com:office:office" xmlns:v="urn:schemas-microsoft-com:vml" xmlns:pvml="urn:schemas-microsoft-com:office:powerpoint" xmlns:com="http://schemas.openxmlformats.org/drawingml/2006/compatibility" xmlns:p14="http://schemas.microsoft.com/office/powerpoint/2010/main" xmlns:p15="http://schemas.microsoft.com/office/powerpoint/2012/main" xmlns:ahyp="http://schemas.microsoft.com/office/drawing/2018/hyperlinkcolor" matchingName="Blank" type="blank">
+<p:sldLayout xmlns:a="http://schemas.openxmlformats.org/drawingml/2006/main" xmlns:r="http://schemas.openxmlformats.org/officeDocument/2006/relationships" xmlns:p="http://schemas.openxmlformats.org/presentationml/2006/main" matchingName="Blank" type="blank">
   <p:cSld name="BLANK">
     <p:spTree>
       <p:nvGrpSpPr>
-        <p:cNvPr id="57" name="Shape 57"/>
+        <p:cNvPr id="1" name="Shape 57"/>
         <p:cNvGrpSpPr/>
         <p:nvPr/>
       </p:nvGrpSpPr>
@@ -2672,9 +2755,11 @@
       <p:sp>
         <p:nvSpPr>
           <p:cNvPr id="58" name="Google Shape;58;p12"/>
-          <p:cNvSpPr txBox="1"/>
+          <p:cNvSpPr txBox="1">
+            <a:spLocks noGrp="1"/>
+          </p:cNvSpPr>
           <p:nvPr>
-            <p:ph idx="12" type="sldNum"/>
+            <p:ph type="sldNum" idx="12"/>
           </p:nvPr>
         </p:nvSpPr>
         <p:spPr>
@@ -2687,7 +2772,7 @@
           </a:prstGeom>
         </p:spPr>
         <p:txBody>
-          <a:bodyPr anchorCtr="0" anchor="ctr" bIns="91425" lIns="91425" spcFirstLastPara="1" rIns="91425" wrap="square" tIns="91425">
+          <a:bodyPr spcFirstLastPara="1" wrap="square" lIns="91425" tIns="91425" rIns="91425" bIns="91425" anchor="ctr" anchorCtr="0">
             <a:normAutofit/>
           </a:bodyPr>
           <a:lstStyle>
@@ -2729,7 +2814,7 @@
             </a:lvl9pPr>
           </a:lstStyle>
           <a:p>
-            <a:pPr indent="0" lvl="0" marL="0" rtl="0" algn="r">
+            <a:pPr marL="0" lvl="0" indent="0" algn="r" rtl="0">
               <a:spcBef>
                 <a:spcPts val="0"/>
               </a:spcBef>
@@ -2740,7 +2825,7 @@
             </a:pPr>
             <a:fld id="{00000000-1234-1234-1234-123412341234}" type="slidenum">
               <a:rPr lang="es"/>
-              <a:t>‹#›</a:t>
+              <a:t>‹Nº›</a:t>
             </a:fld>
             <a:endParaRPr/>
           </a:p>
@@ -2755,11 +2840,11 @@
 </file>
 
 <file path=ppt/slideLayouts/slideLayout2.xml><?xml version="1.0" encoding="utf-8"?>
-<p:sldLayout xmlns:a="http://schemas.openxmlformats.org/drawingml/2006/main" xmlns:r="http://schemas.openxmlformats.org/officeDocument/2006/relationships" xmlns:mc="http://schemas.openxmlformats.org/markup-compatibility/2006" xmlns:mv="urn:schemas-microsoft-com:mac:vml" xmlns:p="http://schemas.openxmlformats.org/presentationml/2006/main" xmlns:c="http://schemas.openxmlformats.org/drawingml/2006/chart" xmlns:dgm="http://schemas.openxmlformats.org/drawingml/2006/diagram" xmlns:o="urn:schemas-microsoft-com:office:office" xmlns:v="urn:schemas-microsoft-com:vml" xmlns:pvml="urn:schemas-microsoft-com:office:powerpoint" xmlns:com="http://schemas.openxmlformats.org/drawingml/2006/compatibility" xmlns:p14="http://schemas.microsoft.com/office/powerpoint/2010/main" xmlns:p15="http://schemas.microsoft.com/office/powerpoint/2012/main" xmlns:ahyp="http://schemas.microsoft.com/office/drawing/2018/hyperlinkcolor" matchingName="Section header" type="secHead">
+<p:sldLayout xmlns:a="http://schemas.openxmlformats.org/drawingml/2006/main" xmlns:r="http://schemas.openxmlformats.org/officeDocument/2006/relationships" xmlns:p="http://schemas.openxmlformats.org/presentationml/2006/main" matchingName="Section header" type="secHead">
   <p:cSld name="SECTION_HEADER">
     <p:spTree>
       <p:nvGrpSpPr>
-        <p:cNvPr id="16" name="Shape 16"/>
+        <p:cNvPr id="1" name="Shape 16"/>
         <p:cNvGrpSpPr/>
         <p:nvPr/>
       </p:nvGrpSpPr>
@@ -2786,21 +2871,23 @@
             <a:avLst/>
           </a:prstGeom>
           <a:noFill/>
-          <a:ln cap="flat" cmpd="sng" w="38100">
+          <a:ln w="38100" cap="flat" cmpd="sng">
             <a:solidFill>
               <a:schemeClr val="accent4"/>
             </a:solidFill>
             <a:prstDash val="solid"/>
             <a:round/>
-            <a:headEnd len="sm" w="sm" type="none"/>
-            <a:tailEnd len="sm" w="sm" type="none"/>
+            <a:headEnd type="none" w="sm" len="sm"/>
+            <a:tailEnd type="none" w="sm" len="sm"/>
           </a:ln>
         </p:spPr>
       </p:cxnSp>
       <p:sp>
         <p:nvSpPr>
           <p:cNvPr id="18" name="Google Shape;18;p3"/>
-          <p:cNvSpPr txBox="1"/>
+          <p:cNvSpPr txBox="1">
+            <a:spLocks noGrp="1"/>
+          </p:cNvSpPr>
           <p:nvPr>
             <p:ph type="title"/>
           </p:nvPr>
@@ -2815,7 +2902,7 @@
           </a:prstGeom>
         </p:spPr>
         <p:txBody>
-          <a:bodyPr anchorCtr="0" anchor="b" bIns="91425" lIns="91425" spcFirstLastPara="1" rIns="91425" wrap="square" tIns="91425">
+          <a:bodyPr spcFirstLastPara="1" wrap="square" lIns="91425" tIns="91425" rIns="91425" bIns="91425" anchor="b" anchorCtr="0">
             <a:normAutofit/>
           </a:bodyPr>
           <a:lstStyle>
@@ -2919,15 +3006,19 @@
               <a:defRPr sz="4800"/>
             </a:lvl9pPr>
           </a:lstStyle>
-          <a:p/>
+          <a:p>
+            <a:endParaRPr/>
+          </a:p>
         </p:txBody>
       </p:sp>
       <p:sp>
         <p:nvSpPr>
           <p:cNvPr id="19" name="Google Shape;19;p3"/>
-          <p:cNvSpPr txBox="1"/>
+          <p:cNvSpPr txBox="1">
+            <a:spLocks noGrp="1"/>
+          </p:cNvSpPr>
           <p:nvPr>
-            <p:ph idx="12" type="sldNum"/>
+            <p:ph type="sldNum" idx="12"/>
           </p:nvPr>
         </p:nvSpPr>
         <p:spPr>
@@ -2940,7 +3031,7 @@
           </a:prstGeom>
         </p:spPr>
         <p:txBody>
-          <a:bodyPr anchorCtr="0" anchor="ctr" bIns="91425" lIns="91425" spcFirstLastPara="1" rIns="91425" wrap="square" tIns="91425">
+          <a:bodyPr spcFirstLastPara="1" wrap="square" lIns="91425" tIns="91425" rIns="91425" bIns="91425" anchor="ctr" anchorCtr="0">
             <a:normAutofit/>
           </a:bodyPr>
           <a:lstStyle>
@@ -2982,7 +3073,7 @@
             </a:lvl9pPr>
           </a:lstStyle>
           <a:p>
-            <a:pPr indent="0" lvl="0" marL="0" rtl="0" algn="r">
+            <a:pPr marL="0" lvl="0" indent="0" algn="r" rtl="0">
               <a:spcBef>
                 <a:spcPts val="0"/>
               </a:spcBef>
@@ -2993,7 +3084,7 @@
             </a:pPr>
             <a:fld id="{00000000-1234-1234-1234-123412341234}" type="slidenum">
               <a:rPr lang="es"/>
-              <a:t>‹#›</a:t>
+              <a:t>‹Nº›</a:t>
             </a:fld>
             <a:endParaRPr/>
           </a:p>
@@ -3008,11 +3099,11 @@
 </file>
 
 <file path=ppt/slideLayouts/slideLayout3.xml><?xml version="1.0" encoding="utf-8"?>
-<p:sldLayout xmlns:a="http://schemas.openxmlformats.org/drawingml/2006/main" xmlns:r="http://schemas.openxmlformats.org/officeDocument/2006/relationships" xmlns:mc="http://schemas.openxmlformats.org/markup-compatibility/2006" xmlns:mv="urn:schemas-microsoft-com:mac:vml" xmlns:p="http://schemas.openxmlformats.org/presentationml/2006/main" xmlns:c="http://schemas.openxmlformats.org/drawingml/2006/chart" xmlns:dgm="http://schemas.openxmlformats.org/drawingml/2006/diagram" xmlns:o="urn:schemas-microsoft-com:office:office" xmlns:v="urn:schemas-microsoft-com:vml" xmlns:pvml="urn:schemas-microsoft-com:office:powerpoint" xmlns:com="http://schemas.openxmlformats.org/drawingml/2006/compatibility" xmlns:p14="http://schemas.microsoft.com/office/powerpoint/2010/main" xmlns:p15="http://schemas.microsoft.com/office/powerpoint/2012/main" xmlns:ahyp="http://schemas.microsoft.com/office/drawing/2018/hyperlinkcolor" matchingName="Title and body" type="tx">
+<p:sldLayout xmlns:a="http://schemas.openxmlformats.org/drawingml/2006/main" xmlns:r="http://schemas.openxmlformats.org/officeDocument/2006/relationships" xmlns:p="http://schemas.openxmlformats.org/presentationml/2006/main" matchingName="Title and body" type="tx">
   <p:cSld name="TITLE_AND_BODY">
     <p:spTree>
       <p:nvGrpSpPr>
-        <p:cNvPr id="20" name="Shape 20"/>
+        <p:cNvPr id="1" name="Shape 20"/>
         <p:cNvGrpSpPr/>
         <p:nvPr/>
       </p:nvGrpSpPr>
@@ -3039,21 +3130,23 @@
             <a:avLst/>
           </a:prstGeom>
           <a:noFill/>
-          <a:ln cap="flat" cmpd="sng" w="38100">
+          <a:ln w="38100" cap="flat" cmpd="sng">
             <a:solidFill>
               <a:schemeClr val="accent4"/>
             </a:solidFill>
             <a:prstDash val="solid"/>
             <a:round/>
-            <a:headEnd len="sm" w="sm" type="none"/>
-            <a:tailEnd len="sm" w="sm" type="none"/>
+            <a:headEnd type="none" w="sm" len="sm"/>
+            <a:tailEnd type="none" w="sm" len="sm"/>
           </a:ln>
         </p:spPr>
       </p:cxnSp>
       <p:sp>
         <p:nvSpPr>
           <p:cNvPr id="22" name="Google Shape;22;p4"/>
-          <p:cNvSpPr txBox="1"/>
+          <p:cNvSpPr txBox="1">
+            <a:spLocks noGrp="1"/>
+          </p:cNvSpPr>
           <p:nvPr>
             <p:ph type="title"/>
           </p:nvPr>
@@ -3068,7 +3161,7 @@
           </a:prstGeom>
         </p:spPr>
         <p:txBody>
-          <a:bodyPr anchorCtr="0" anchor="b" bIns="91425" lIns="91425" spcFirstLastPara="1" rIns="91425" wrap="square" tIns="91425">
+          <a:bodyPr spcFirstLastPara="1" wrap="square" lIns="91425" tIns="91425" rIns="91425" bIns="91425" anchor="b" anchorCtr="0">
             <a:normAutofit/>
           </a:bodyPr>
           <a:lstStyle>
@@ -3172,15 +3265,19 @@
               <a:defRPr/>
             </a:lvl9pPr>
           </a:lstStyle>
-          <a:p/>
+          <a:p>
+            <a:endParaRPr/>
+          </a:p>
         </p:txBody>
       </p:sp>
       <p:sp>
         <p:nvSpPr>
           <p:cNvPr id="23" name="Google Shape;23;p4"/>
-          <p:cNvSpPr txBox="1"/>
+          <p:cNvSpPr txBox="1">
+            <a:spLocks noGrp="1"/>
+          </p:cNvSpPr>
           <p:nvPr>
-            <p:ph idx="1" type="body"/>
+            <p:ph type="body" idx="1"/>
           </p:nvPr>
         </p:nvSpPr>
         <p:spPr>
@@ -3193,11 +3290,11 @@
           </a:prstGeom>
         </p:spPr>
         <p:txBody>
-          <a:bodyPr anchorCtr="0" anchor="t" bIns="91425" lIns="91425" spcFirstLastPara="1" rIns="91425" wrap="square" tIns="91425">
+          <a:bodyPr spcFirstLastPara="1" wrap="square" lIns="91425" tIns="91425" rIns="91425" bIns="91425" anchor="t" anchorCtr="0">
             <a:normAutofit/>
           </a:bodyPr>
           <a:lstStyle>
-            <a:lvl1pPr indent="-342900" lvl="0" marL="457200">
+            <a:lvl1pPr marL="457200" lvl="0" indent="-342900">
               <a:spcBef>
                 <a:spcPts val="0"/>
               </a:spcBef>
@@ -3208,7 +3305,7 @@
               <a:buChar char="●"/>
               <a:defRPr/>
             </a:lvl1pPr>
-            <a:lvl2pPr indent="-317500" lvl="1" marL="914400">
+            <a:lvl2pPr marL="914400" lvl="1" indent="-317500">
               <a:spcBef>
                 <a:spcPts val="0"/>
               </a:spcBef>
@@ -3219,7 +3316,7 @@
               <a:buChar char="○"/>
               <a:defRPr/>
             </a:lvl2pPr>
-            <a:lvl3pPr indent="-317500" lvl="2" marL="1371600">
+            <a:lvl3pPr marL="1371600" lvl="2" indent="-317500">
               <a:spcBef>
                 <a:spcPts val="0"/>
               </a:spcBef>
@@ -3230,7 +3327,7 @@
               <a:buChar char="■"/>
               <a:defRPr/>
             </a:lvl3pPr>
-            <a:lvl4pPr indent="-317500" lvl="3" marL="1828800">
+            <a:lvl4pPr marL="1828800" lvl="3" indent="-317500">
               <a:spcBef>
                 <a:spcPts val="0"/>
               </a:spcBef>
@@ -3241,7 +3338,7 @@
               <a:buChar char="●"/>
               <a:defRPr/>
             </a:lvl4pPr>
-            <a:lvl5pPr indent="-317500" lvl="4" marL="2286000">
+            <a:lvl5pPr marL="2286000" lvl="4" indent="-317500">
               <a:spcBef>
                 <a:spcPts val="0"/>
               </a:spcBef>
@@ -3252,7 +3349,7 @@
               <a:buChar char="○"/>
               <a:defRPr/>
             </a:lvl5pPr>
-            <a:lvl6pPr indent="-317500" lvl="5" marL="2743200">
+            <a:lvl6pPr marL="2743200" lvl="5" indent="-317500">
               <a:spcBef>
                 <a:spcPts val="0"/>
               </a:spcBef>
@@ -3263,7 +3360,7 @@
               <a:buChar char="■"/>
               <a:defRPr/>
             </a:lvl6pPr>
-            <a:lvl7pPr indent="-317500" lvl="6" marL="3200400">
+            <a:lvl7pPr marL="3200400" lvl="6" indent="-317500">
               <a:spcBef>
                 <a:spcPts val="0"/>
               </a:spcBef>
@@ -3274,7 +3371,7 @@
               <a:buChar char="●"/>
               <a:defRPr/>
             </a:lvl7pPr>
-            <a:lvl8pPr indent="-317500" lvl="7" marL="3657600">
+            <a:lvl8pPr marL="3657600" lvl="7" indent="-317500">
               <a:spcBef>
                 <a:spcPts val="0"/>
               </a:spcBef>
@@ -3285,7 +3382,7 @@
               <a:buChar char="○"/>
               <a:defRPr/>
             </a:lvl8pPr>
-            <a:lvl9pPr indent="-317500" lvl="8" marL="4114800">
+            <a:lvl9pPr marL="4114800" lvl="8" indent="-317500">
               <a:spcBef>
                 <a:spcPts val="0"/>
               </a:spcBef>
@@ -3297,15 +3394,19 @@
               <a:defRPr/>
             </a:lvl9pPr>
           </a:lstStyle>
-          <a:p/>
+          <a:p>
+            <a:endParaRPr/>
+          </a:p>
         </p:txBody>
       </p:sp>
       <p:sp>
         <p:nvSpPr>
           <p:cNvPr id="24" name="Google Shape;24;p4"/>
-          <p:cNvSpPr txBox="1"/>
+          <p:cNvSpPr txBox="1">
+            <a:spLocks noGrp="1"/>
+          </p:cNvSpPr>
           <p:nvPr>
-            <p:ph idx="12" type="sldNum"/>
+            <p:ph type="sldNum" idx="12"/>
           </p:nvPr>
         </p:nvSpPr>
         <p:spPr>
@@ -3318,7 +3419,7 @@
           </a:prstGeom>
         </p:spPr>
         <p:txBody>
-          <a:bodyPr anchorCtr="0" anchor="ctr" bIns="91425" lIns="91425" spcFirstLastPara="1" rIns="91425" wrap="square" tIns="91425">
+          <a:bodyPr spcFirstLastPara="1" wrap="square" lIns="91425" tIns="91425" rIns="91425" bIns="91425" anchor="ctr" anchorCtr="0">
             <a:normAutofit/>
           </a:bodyPr>
           <a:lstStyle>
@@ -3360,7 +3461,7 @@
             </a:lvl9pPr>
           </a:lstStyle>
           <a:p>
-            <a:pPr indent="0" lvl="0" marL="0" rtl="0" algn="r">
+            <a:pPr marL="0" lvl="0" indent="0" algn="r" rtl="0">
               <a:spcBef>
                 <a:spcPts val="0"/>
               </a:spcBef>
@@ -3371,7 +3472,7 @@
             </a:pPr>
             <a:fld id="{00000000-1234-1234-1234-123412341234}" type="slidenum">
               <a:rPr lang="es"/>
-              <a:t>‹#›</a:t>
+              <a:t>‹Nº›</a:t>
             </a:fld>
             <a:endParaRPr/>
           </a:p>
@@ -3386,11 +3487,11 @@
 </file>
 
 <file path=ppt/slideLayouts/slideLayout4.xml><?xml version="1.0" encoding="utf-8"?>
-<p:sldLayout xmlns:a="http://schemas.openxmlformats.org/drawingml/2006/main" xmlns:r="http://schemas.openxmlformats.org/officeDocument/2006/relationships" xmlns:mc="http://schemas.openxmlformats.org/markup-compatibility/2006" xmlns:mv="urn:schemas-microsoft-com:mac:vml" xmlns:p="http://schemas.openxmlformats.org/presentationml/2006/main" xmlns:c="http://schemas.openxmlformats.org/drawingml/2006/chart" xmlns:dgm="http://schemas.openxmlformats.org/drawingml/2006/diagram" xmlns:o="urn:schemas-microsoft-com:office:office" xmlns:v="urn:schemas-microsoft-com:vml" xmlns:pvml="urn:schemas-microsoft-com:office:powerpoint" xmlns:com="http://schemas.openxmlformats.org/drawingml/2006/compatibility" xmlns:p14="http://schemas.microsoft.com/office/powerpoint/2010/main" xmlns:p15="http://schemas.microsoft.com/office/powerpoint/2012/main" xmlns:ahyp="http://schemas.microsoft.com/office/drawing/2018/hyperlinkcolor" matchingName="Title and two columns" type="twoColTx">
+<p:sldLayout xmlns:a="http://schemas.openxmlformats.org/drawingml/2006/main" xmlns:r="http://schemas.openxmlformats.org/officeDocument/2006/relationships" xmlns:p="http://schemas.openxmlformats.org/presentationml/2006/main" matchingName="Title and two columns" type="twoColTx">
   <p:cSld name="TITLE_AND_TWO_COLUMNS">
     <p:spTree>
       <p:nvGrpSpPr>
-        <p:cNvPr id="25" name="Shape 25"/>
+        <p:cNvPr id="1" name="Shape 25"/>
         <p:cNvGrpSpPr/>
         <p:nvPr/>
       </p:nvGrpSpPr>
@@ -3417,21 +3518,23 @@
             <a:avLst/>
           </a:prstGeom>
           <a:noFill/>
-          <a:ln cap="flat" cmpd="sng" w="38100">
+          <a:ln w="38100" cap="flat" cmpd="sng">
             <a:solidFill>
               <a:schemeClr val="accent4"/>
             </a:solidFill>
             <a:prstDash val="solid"/>
             <a:round/>
-            <a:headEnd len="sm" w="sm" type="none"/>
-            <a:tailEnd len="sm" w="sm" type="none"/>
+            <a:headEnd type="none" w="sm" len="sm"/>
+            <a:tailEnd type="none" w="sm" len="sm"/>
           </a:ln>
         </p:spPr>
       </p:cxnSp>
       <p:sp>
         <p:nvSpPr>
           <p:cNvPr id="27" name="Google Shape;27;p5"/>
-          <p:cNvSpPr txBox="1"/>
+          <p:cNvSpPr txBox="1">
+            <a:spLocks noGrp="1"/>
+          </p:cNvSpPr>
           <p:nvPr>
             <p:ph type="title"/>
           </p:nvPr>
@@ -3446,7 +3549,7 @@
           </a:prstGeom>
         </p:spPr>
         <p:txBody>
-          <a:bodyPr anchorCtr="0" anchor="b" bIns="91425" lIns="91425" spcFirstLastPara="1" rIns="91425" wrap="square" tIns="91425">
+          <a:bodyPr spcFirstLastPara="1" wrap="square" lIns="91425" tIns="91425" rIns="91425" bIns="91425" anchor="b" anchorCtr="0">
             <a:normAutofit/>
           </a:bodyPr>
           <a:lstStyle>
@@ -3550,15 +3653,19 @@
               <a:defRPr/>
             </a:lvl9pPr>
           </a:lstStyle>
-          <a:p/>
+          <a:p>
+            <a:endParaRPr/>
+          </a:p>
         </p:txBody>
       </p:sp>
       <p:sp>
         <p:nvSpPr>
           <p:cNvPr id="28" name="Google Shape;28;p5"/>
-          <p:cNvSpPr txBox="1"/>
+          <p:cNvSpPr txBox="1">
+            <a:spLocks noGrp="1"/>
+          </p:cNvSpPr>
           <p:nvPr>
-            <p:ph idx="1" type="body"/>
+            <p:ph type="body" idx="1"/>
           </p:nvPr>
         </p:nvSpPr>
         <p:spPr>
@@ -3571,11 +3678,11 @@
           </a:prstGeom>
         </p:spPr>
         <p:txBody>
-          <a:bodyPr anchorCtr="0" anchor="t" bIns="91425" lIns="91425" spcFirstLastPara="1" rIns="91425" wrap="square" tIns="91425">
+          <a:bodyPr spcFirstLastPara="1" wrap="square" lIns="91425" tIns="91425" rIns="91425" bIns="91425" anchor="t" anchorCtr="0">
             <a:normAutofit/>
           </a:bodyPr>
           <a:lstStyle>
-            <a:lvl1pPr indent="-317500" lvl="0" marL="457200">
+            <a:lvl1pPr marL="457200" lvl="0" indent="-317500">
               <a:spcBef>
                 <a:spcPts val="0"/>
               </a:spcBef>
@@ -3586,7 +3693,7 @@
               <a:buChar char="●"/>
               <a:defRPr sz="1400"/>
             </a:lvl1pPr>
-            <a:lvl2pPr indent="-304800" lvl="1" marL="914400">
+            <a:lvl2pPr marL="914400" lvl="1" indent="-304800">
               <a:spcBef>
                 <a:spcPts val="0"/>
               </a:spcBef>
@@ -3597,7 +3704,7 @@
               <a:buChar char="○"/>
               <a:defRPr sz="1200"/>
             </a:lvl2pPr>
-            <a:lvl3pPr indent="-304800" lvl="2" marL="1371600">
+            <a:lvl3pPr marL="1371600" lvl="2" indent="-304800">
               <a:spcBef>
                 <a:spcPts val="0"/>
               </a:spcBef>
@@ -3608,7 +3715,7 @@
               <a:buChar char="■"/>
               <a:defRPr sz="1200"/>
             </a:lvl3pPr>
-            <a:lvl4pPr indent="-304800" lvl="3" marL="1828800">
+            <a:lvl4pPr marL="1828800" lvl="3" indent="-304800">
               <a:spcBef>
                 <a:spcPts val="0"/>
               </a:spcBef>
@@ -3619,7 +3726,7 @@
               <a:buChar char="●"/>
               <a:defRPr sz="1200"/>
             </a:lvl4pPr>
-            <a:lvl5pPr indent="-304800" lvl="4" marL="2286000">
+            <a:lvl5pPr marL="2286000" lvl="4" indent="-304800">
               <a:spcBef>
                 <a:spcPts val="0"/>
               </a:spcBef>
@@ -3630,7 +3737,7 @@
               <a:buChar char="○"/>
               <a:defRPr sz="1200"/>
             </a:lvl5pPr>
-            <a:lvl6pPr indent="-304800" lvl="5" marL="2743200">
+            <a:lvl6pPr marL="2743200" lvl="5" indent="-304800">
               <a:spcBef>
                 <a:spcPts val="0"/>
               </a:spcBef>
@@ -3641,7 +3748,7 @@
               <a:buChar char="■"/>
               <a:defRPr sz="1200"/>
             </a:lvl6pPr>
-            <a:lvl7pPr indent="-304800" lvl="6" marL="3200400">
+            <a:lvl7pPr marL="3200400" lvl="6" indent="-304800">
               <a:spcBef>
                 <a:spcPts val="0"/>
               </a:spcBef>
@@ -3652,7 +3759,7 @@
               <a:buChar char="●"/>
               <a:defRPr sz="1200"/>
             </a:lvl7pPr>
-            <a:lvl8pPr indent="-304800" lvl="7" marL="3657600">
+            <a:lvl8pPr marL="3657600" lvl="7" indent="-304800">
               <a:spcBef>
                 <a:spcPts val="0"/>
               </a:spcBef>
@@ -3663,7 +3770,7 @@
               <a:buChar char="○"/>
               <a:defRPr sz="1200"/>
             </a:lvl8pPr>
-            <a:lvl9pPr indent="-304800" lvl="8" marL="4114800">
+            <a:lvl9pPr marL="4114800" lvl="8" indent="-304800">
               <a:spcBef>
                 <a:spcPts val="0"/>
               </a:spcBef>
@@ -3675,15 +3782,19 @@
               <a:defRPr sz="1200"/>
             </a:lvl9pPr>
           </a:lstStyle>
-          <a:p/>
+          <a:p>
+            <a:endParaRPr/>
+          </a:p>
         </p:txBody>
       </p:sp>
       <p:sp>
         <p:nvSpPr>
           <p:cNvPr id="29" name="Google Shape;29;p5"/>
-          <p:cNvSpPr txBox="1"/>
+          <p:cNvSpPr txBox="1">
+            <a:spLocks noGrp="1"/>
+          </p:cNvSpPr>
           <p:nvPr>
-            <p:ph idx="2" type="body"/>
+            <p:ph type="body" idx="2"/>
           </p:nvPr>
         </p:nvSpPr>
         <p:spPr>
@@ -3696,11 +3807,11 @@
           </a:prstGeom>
         </p:spPr>
         <p:txBody>
-          <a:bodyPr anchorCtr="0" anchor="t" bIns="91425" lIns="91425" spcFirstLastPara="1" rIns="91425" wrap="square" tIns="91425">
+          <a:bodyPr spcFirstLastPara="1" wrap="square" lIns="91425" tIns="91425" rIns="91425" bIns="91425" anchor="t" anchorCtr="0">
             <a:normAutofit/>
           </a:bodyPr>
           <a:lstStyle>
-            <a:lvl1pPr indent="-317500" lvl="0" marL="457200">
+            <a:lvl1pPr marL="457200" lvl="0" indent="-317500">
               <a:spcBef>
                 <a:spcPts val="0"/>
               </a:spcBef>
@@ -3711,7 +3822,7 @@
               <a:buChar char="●"/>
               <a:defRPr sz="1400"/>
             </a:lvl1pPr>
-            <a:lvl2pPr indent="-304800" lvl="1" marL="914400">
+            <a:lvl2pPr marL="914400" lvl="1" indent="-304800">
               <a:spcBef>
                 <a:spcPts val="0"/>
               </a:spcBef>
@@ -3722,7 +3833,7 @@
               <a:buChar char="○"/>
               <a:defRPr sz="1200"/>
             </a:lvl2pPr>
-            <a:lvl3pPr indent="-304800" lvl="2" marL="1371600">
+            <a:lvl3pPr marL="1371600" lvl="2" indent="-304800">
               <a:spcBef>
                 <a:spcPts val="0"/>
               </a:spcBef>
@@ -3733,7 +3844,7 @@
               <a:buChar char="■"/>
               <a:defRPr sz="1200"/>
             </a:lvl3pPr>
-            <a:lvl4pPr indent="-304800" lvl="3" marL="1828800">
+            <a:lvl4pPr marL="1828800" lvl="3" indent="-304800">
               <a:spcBef>
                 <a:spcPts val="0"/>
               </a:spcBef>
@@ -3744,7 +3855,7 @@
               <a:buChar char="●"/>
               <a:defRPr sz="1200"/>
             </a:lvl4pPr>
-            <a:lvl5pPr indent="-304800" lvl="4" marL="2286000">
+            <a:lvl5pPr marL="2286000" lvl="4" indent="-304800">
               <a:spcBef>
                 <a:spcPts val="0"/>
               </a:spcBef>
@@ -3755,7 +3866,7 @@
               <a:buChar char="○"/>
               <a:defRPr sz="1200"/>
             </a:lvl5pPr>
-            <a:lvl6pPr indent="-304800" lvl="5" marL="2743200">
+            <a:lvl6pPr marL="2743200" lvl="5" indent="-304800">
               <a:spcBef>
                 <a:spcPts val="0"/>
               </a:spcBef>
@@ -3766,7 +3877,7 @@
               <a:buChar char="■"/>
               <a:defRPr sz="1200"/>
             </a:lvl6pPr>
-            <a:lvl7pPr indent="-304800" lvl="6" marL="3200400">
+            <a:lvl7pPr marL="3200400" lvl="6" indent="-304800">
               <a:spcBef>
                 <a:spcPts val="0"/>
               </a:spcBef>
@@ -3777,7 +3888,7 @@
               <a:buChar char="●"/>
               <a:defRPr sz="1200"/>
             </a:lvl7pPr>
-            <a:lvl8pPr indent="-304800" lvl="7" marL="3657600">
+            <a:lvl8pPr marL="3657600" lvl="7" indent="-304800">
               <a:spcBef>
                 <a:spcPts val="0"/>
               </a:spcBef>
@@ -3788,7 +3899,7 @@
               <a:buChar char="○"/>
               <a:defRPr sz="1200"/>
             </a:lvl8pPr>
-            <a:lvl9pPr indent="-304800" lvl="8" marL="4114800">
+            <a:lvl9pPr marL="4114800" lvl="8" indent="-304800">
               <a:spcBef>
                 <a:spcPts val="0"/>
               </a:spcBef>
@@ -3800,15 +3911,19 @@
               <a:defRPr sz="1200"/>
             </a:lvl9pPr>
           </a:lstStyle>
-          <a:p/>
+          <a:p>
+            <a:endParaRPr/>
+          </a:p>
         </p:txBody>
       </p:sp>
       <p:sp>
         <p:nvSpPr>
           <p:cNvPr id="30" name="Google Shape;30;p5"/>
-          <p:cNvSpPr txBox="1"/>
+          <p:cNvSpPr txBox="1">
+            <a:spLocks noGrp="1"/>
+          </p:cNvSpPr>
           <p:nvPr>
-            <p:ph idx="12" type="sldNum"/>
+            <p:ph type="sldNum" idx="12"/>
           </p:nvPr>
         </p:nvSpPr>
         <p:spPr>
@@ -3821,7 +3936,7 @@
           </a:prstGeom>
         </p:spPr>
         <p:txBody>
-          <a:bodyPr anchorCtr="0" anchor="ctr" bIns="91425" lIns="91425" spcFirstLastPara="1" rIns="91425" wrap="square" tIns="91425">
+          <a:bodyPr spcFirstLastPara="1" wrap="square" lIns="91425" tIns="91425" rIns="91425" bIns="91425" anchor="ctr" anchorCtr="0">
             <a:normAutofit/>
           </a:bodyPr>
           <a:lstStyle>
@@ -3863,7 +3978,7 @@
             </a:lvl9pPr>
           </a:lstStyle>
           <a:p>
-            <a:pPr indent="0" lvl="0" marL="0" rtl="0" algn="r">
+            <a:pPr marL="0" lvl="0" indent="0" algn="r" rtl="0">
               <a:spcBef>
                 <a:spcPts val="0"/>
               </a:spcBef>
@@ -3874,7 +3989,7 @@
             </a:pPr>
             <a:fld id="{00000000-1234-1234-1234-123412341234}" type="slidenum">
               <a:rPr lang="es"/>
-              <a:t>‹#›</a:t>
+              <a:t>‹Nº›</a:t>
             </a:fld>
             <a:endParaRPr/>
           </a:p>
@@ -3889,11 +4004,11 @@
 </file>
 
 <file path=ppt/slideLayouts/slideLayout5.xml><?xml version="1.0" encoding="utf-8"?>
-<p:sldLayout xmlns:a="http://schemas.openxmlformats.org/drawingml/2006/main" xmlns:r="http://schemas.openxmlformats.org/officeDocument/2006/relationships" xmlns:mc="http://schemas.openxmlformats.org/markup-compatibility/2006" xmlns:mv="urn:schemas-microsoft-com:mac:vml" xmlns:p="http://schemas.openxmlformats.org/presentationml/2006/main" xmlns:c="http://schemas.openxmlformats.org/drawingml/2006/chart" xmlns:dgm="http://schemas.openxmlformats.org/drawingml/2006/diagram" xmlns:o="urn:schemas-microsoft-com:office:office" xmlns:v="urn:schemas-microsoft-com:vml" xmlns:pvml="urn:schemas-microsoft-com:office:powerpoint" xmlns:com="http://schemas.openxmlformats.org/drawingml/2006/compatibility" xmlns:p14="http://schemas.microsoft.com/office/powerpoint/2010/main" xmlns:p15="http://schemas.microsoft.com/office/powerpoint/2012/main" xmlns:ahyp="http://schemas.microsoft.com/office/drawing/2018/hyperlinkcolor" matchingName="Title only" type="titleOnly">
+<p:sldLayout xmlns:a="http://schemas.openxmlformats.org/drawingml/2006/main" xmlns:r="http://schemas.openxmlformats.org/officeDocument/2006/relationships" xmlns:p="http://schemas.openxmlformats.org/presentationml/2006/main" matchingName="Title only" type="titleOnly">
   <p:cSld name="TITLE_ONLY">
     <p:spTree>
       <p:nvGrpSpPr>
-        <p:cNvPr id="31" name="Shape 31"/>
+        <p:cNvPr id="1" name="Shape 31"/>
         <p:cNvGrpSpPr/>
         <p:nvPr/>
       </p:nvGrpSpPr>
@@ -3908,7 +4023,9 @@
       <p:sp>
         <p:nvSpPr>
           <p:cNvPr id="32" name="Google Shape;32;p6"/>
-          <p:cNvSpPr txBox="1"/>
+          <p:cNvSpPr txBox="1">
+            <a:spLocks noGrp="1"/>
+          </p:cNvSpPr>
           <p:nvPr>
             <p:ph type="title"/>
           </p:nvPr>
@@ -3923,7 +4040,7 @@
           </a:prstGeom>
         </p:spPr>
         <p:txBody>
-          <a:bodyPr anchorCtr="0" anchor="b" bIns="91425" lIns="91425" spcFirstLastPara="1" rIns="91425" wrap="square" tIns="91425">
+          <a:bodyPr spcFirstLastPara="1" wrap="square" lIns="91425" tIns="91425" rIns="91425" bIns="91425" anchor="b" anchorCtr="0">
             <a:normAutofit/>
           </a:bodyPr>
           <a:lstStyle>
@@ -4027,15 +4144,19 @@
               <a:defRPr/>
             </a:lvl9pPr>
           </a:lstStyle>
-          <a:p/>
+          <a:p>
+            <a:endParaRPr/>
+          </a:p>
         </p:txBody>
       </p:sp>
       <p:sp>
         <p:nvSpPr>
           <p:cNvPr id="33" name="Google Shape;33;p6"/>
-          <p:cNvSpPr txBox="1"/>
+          <p:cNvSpPr txBox="1">
+            <a:spLocks noGrp="1"/>
+          </p:cNvSpPr>
           <p:nvPr>
-            <p:ph idx="12" type="sldNum"/>
+            <p:ph type="sldNum" idx="12"/>
           </p:nvPr>
         </p:nvSpPr>
         <p:spPr>
@@ -4048,7 +4169,7 @@
           </a:prstGeom>
         </p:spPr>
         <p:txBody>
-          <a:bodyPr anchorCtr="0" anchor="ctr" bIns="91425" lIns="91425" spcFirstLastPara="1" rIns="91425" wrap="square" tIns="91425">
+          <a:bodyPr spcFirstLastPara="1" wrap="square" lIns="91425" tIns="91425" rIns="91425" bIns="91425" anchor="ctr" anchorCtr="0">
             <a:normAutofit/>
           </a:bodyPr>
           <a:lstStyle>
@@ -4090,7 +4211,7 @@
             </a:lvl9pPr>
           </a:lstStyle>
           <a:p>
-            <a:pPr indent="0" lvl="0" marL="0" rtl="0" algn="r">
+            <a:pPr marL="0" lvl="0" indent="0" algn="r" rtl="0">
               <a:spcBef>
                 <a:spcPts val="0"/>
               </a:spcBef>
@@ -4101,7 +4222,7 @@
             </a:pPr>
             <a:fld id="{00000000-1234-1234-1234-123412341234}" type="slidenum">
               <a:rPr lang="es"/>
-              <a:t>‹#›</a:t>
+              <a:t>‹Nº›</a:t>
             </a:fld>
             <a:endParaRPr/>
           </a:p>
@@ -4116,11 +4237,11 @@
 </file>
 
 <file path=ppt/slideLayouts/slideLayout6.xml><?xml version="1.0" encoding="utf-8"?>
-<p:sldLayout xmlns:a="http://schemas.openxmlformats.org/drawingml/2006/main" xmlns:r="http://schemas.openxmlformats.org/officeDocument/2006/relationships" xmlns:mc="http://schemas.openxmlformats.org/markup-compatibility/2006" xmlns:mv="urn:schemas-microsoft-com:mac:vml" xmlns:p="http://schemas.openxmlformats.org/presentationml/2006/main" xmlns:c="http://schemas.openxmlformats.org/drawingml/2006/chart" xmlns:dgm="http://schemas.openxmlformats.org/drawingml/2006/diagram" xmlns:o="urn:schemas-microsoft-com:office:office" xmlns:v="urn:schemas-microsoft-com:vml" xmlns:pvml="urn:schemas-microsoft-com:office:powerpoint" xmlns:com="http://schemas.openxmlformats.org/drawingml/2006/compatibility" xmlns:p14="http://schemas.microsoft.com/office/powerpoint/2010/main" xmlns:p15="http://schemas.microsoft.com/office/powerpoint/2012/main" xmlns:ahyp="http://schemas.microsoft.com/office/drawing/2018/hyperlinkcolor" matchingName="One column text">
+<p:sldLayout xmlns:a="http://schemas.openxmlformats.org/drawingml/2006/main" xmlns:r="http://schemas.openxmlformats.org/officeDocument/2006/relationships" xmlns:p="http://schemas.openxmlformats.org/presentationml/2006/main" matchingName="One column text">
   <p:cSld name="ONE_COLUMN_TEXT">
     <p:spTree>
       <p:nvGrpSpPr>
-        <p:cNvPr id="34" name="Shape 34"/>
+        <p:cNvPr id="1" name="Shape 34"/>
         <p:cNvGrpSpPr/>
         <p:nvPr/>
       </p:nvGrpSpPr>
@@ -4147,21 +4268,23 @@
             <a:avLst/>
           </a:prstGeom>
           <a:noFill/>
-          <a:ln cap="flat" cmpd="sng" w="38100">
+          <a:ln w="38100" cap="flat" cmpd="sng">
             <a:solidFill>
               <a:schemeClr val="accent4"/>
             </a:solidFill>
             <a:prstDash val="solid"/>
             <a:round/>
-            <a:headEnd len="sm" w="sm" type="none"/>
-            <a:tailEnd len="sm" w="sm" type="none"/>
+            <a:headEnd type="none" w="sm" len="sm"/>
+            <a:tailEnd type="none" w="sm" len="sm"/>
           </a:ln>
         </p:spPr>
       </p:cxnSp>
       <p:sp>
         <p:nvSpPr>
           <p:cNvPr id="36" name="Google Shape;36;p7"/>
-          <p:cNvSpPr txBox="1"/>
+          <p:cNvSpPr txBox="1">
+            <a:spLocks noGrp="1"/>
+          </p:cNvSpPr>
           <p:nvPr>
             <p:ph type="title"/>
           </p:nvPr>
@@ -4176,7 +4299,7 @@
           </a:prstGeom>
         </p:spPr>
         <p:txBody>
-          <a:bodyPr anchorCtr="0" anchor="b" bIns="91425" lIns="91425" spcFirstLastPara="1" rIns="91425" wrap="square" tIns="91425">
+          <a:bodyPr spcFirstLastPara="1" wrap="square" lIns="91425" tIns="91425" rIns="91425" bIns="91425" anchor="b" anchorCtr="0">
             <a:normAutofit/>
           </a:bodyPr>
           <a:lstStyle>
@@ -4280,15 +4403,19 @@
               <a:defRPr sz="2400"/>
             </a:lvl9pPr>
           </a:lstStyle>
-          <a:p/>
+          <a:p>
+            <a:endParaRPr/>
+          </a:p>
         </p:txBody>
       </p:sp>
       <p:sp>
         <p:nvSpPr>
           <p:cNvPr id="37" name="Google Shape;37;p7"/>
-          <p:cNvSpPr txBox="1"/>
+          <p:cNvSpPr txBox="1">
+            <a:spLocks noGrp="1"/>
+          </p:cNvSpPr>
           <p:nvPr>
-            <p:ph idx="1" type="body"/>
+            <p:ph type="body" idx="1"/>
           </p:nvPr>
         </p:nvSpPr>
         <p:spPr>
@@ -4301,11 +4428,11 @@
           </a:prstGeom>
         </p:spPr>
         <p:txBody>
-          <a:bodyPr anchorCtr="0" anchor="t" bIns="91425" lIns="91425" spcFirstLastPara="1" rIns="91425" wrap="square" tIns="91425">
+          <a:bodyPr spcFirstLastPara="1" wrap="square" lIns="91425" tIns="91425" rIns="91425" bIns="91425" anchor="t" anchorCtr="0">
             <a:normAutofit/>
           </a:bodyPr>
           <a:lstStyle>
-            <a:lvl1pPr indent="-304800" lvl="0" marL="457200">
+            <a:lvl1pPr marL="457200" lvl="0" indent="-304800">
               <a:spcBef>
                 <a:spcPts val="0"/>
               </a:spcBef>
@@ -4316,7 +4443,7 @@
               <a:buChar char="●"/>
               <a:defRPr sz="1200"/>
             </a:lvl1pPr>
-            <a:lvl2pPr indent="-304800" lvl="1" marL="914400">
+            <a:lvl2pPr marL="914400" lvl="1" indent="-304800">
               <a:spcBef>
                 <a:spcPts val="0"/>
               </a:spcBef>
@@ -4327,7 +4454,7 @@
               <a:buChar char="○"/>
               <a:defRPr sz="1200"/>
             </a:lvl2pPr>
-            <a:lvl3pPr indent="-304800" lvl="2" marL="1371600">
+            <a:lvl3pPr marL="1371600" lvl="2" indent="-304800">
               <a:spcBef>
                 <a:spcPts val="0"/>
               </a:spcBef>
@@ -4338,7 +4465,7 @@
               <a:buChar char="■"/>
               <a:defRPr sz="1200"/>
             </a:lvl3pPr>
-            <a:lvl4pPr indent="-304800" lvl="3" marL="1828800">
+            <a:lvl4pPr marL="1828800" lvl="3" indent="-304800">
               <a:spcBef>
                 <a:spcPts val="0"/>
               </a:spcBef>
@@ -4349,7 +4476,7 @@
               <a:buChar char="●"/>
               <a:defRPr sz="1200"/>
             </a:lvl4pPr>
-            <a:lvl5pPr indent="-304800" lvl="4" marL="2286000">
+            <a:lvl5pPr marL="2286000" lvl="4" indent="-304800">
               <a:spcBef>
                 <a:spcPts val="0"/>
               </a:spcBef>
@@ -4360,7 +4487,7 @@
               <a:buChar char="○"/>
               <a:defRPr sz="1200"/>
             </a:lvl5pPr>
-            <a:lvl6pPr indent="-304800" lvl="5" marL="2743200">
+            <a:lvl6pPr marL="2743200" lvl="5" indent="-304800">
               <a:spcBef>
                 <a:spcPts val="0"/>
               </a:spcBef>
@@ -4371,7 +4498,7 @@
               <a:buChar char="■"/>
               <a:defRPr sz="1200"/>
             </a:lvl6pPr>
-            <a:lvl7pPr indent="-304800" lvl="6" marL="3200400">
+            <a:lvl7pPr marL="3200400" lvl="6" indent="-304800">
               <a:spcBef>
                 <a:spcPts val="0"/>
               </a:spcBef>
@@ -4382,7 +4509,7 @@
               <a:buChar char="●"/>
               <a:defRPr sz="1200"/>
             </a:lvl7pPr>
-            <a:lvl8pPr indent="-304800" lvl="7" marL="3657600">
+            <a:lvl8pPr marL="3657600" lvl="7" indent="-304800">
               <a:spcBef>
                 <a:spcPts val="0"/>
               </a:spcBef>
@@ -4393,7 +4520,7 @@
               <a:buChar char="○"/>
               <a:defRPr sz="1200"/>
             </a:lvl8pPr>
-            <a:lvl9pPr indent="-304800" lvl="8" marL="4114800">
+            <a:lvl9pPr marL="4114800" lvl="8" indent="-304800">
               <a:spcBef>
                 <a:spcPts val="0"/>
               </a:spcBef>
@@ -4405,15 +4532,19 @@
               <a:defRPr sz="1200"/>
             </a:lvl9pPr>
           </a:lstStyle>
-          <a:p/>
+          <a:p>
+            <a:endParaRPr/>
+          </a:p>
         </p:txBody>
       </p:sp>
       <p:sp>
         <p:nvSpPr>
           <p:cNvPr id="38" name="Google Shape;38;p7"/>
-          <p:cNvSpPr txBox="1"/>
+          <p:cNvSpPr txBox="1">
+            <a:spLocks noGrp="1"/>
+          </p:cNvSpPr>
           <p:nvPr>
-            <p:ph idx="12" type="sldNum"/>
+            <p:ph type="sldNum" idx="12"/>
           </p:nvPr>
         </p:nvSpPr>
         <p:spPr>
@@ -4426,7 +4557,7 @@
           </a:prstGeom>
         </p:spPr>
         <p:txBody>
-          <a:bodyPr anchorCtr="0" anchor="ctr" bIns="91425" lIns="91425" spcFirstLastPara="1" rIns="91425" wrap="square" tIns="91425">
+          <a:bodyPr spcFirstLastPara="1" wrap="square" lIns="91425" tIns="91425" rIns="91425" bIns="91425" anchor="ctr" anchorCtr="0">
             <a:normAutofit/>
           </a:bodyPr>
           <a:lstStyle>
@@ -4468,7 +4599,7 @@
             </a:lvl9pPr>
           </a:lstStyle>
           <a:p>
-            <a:pPr indent="0" lvl="0" marL="0" rtl="0" algn="r">
+            <a:pPr marL="0" lvl="0" indent="0" algn="r" rtl="0">
               <a:spcBef>
                 <a:spcPts val="0"/>
               </a:spcBef>
@@ -4479,7 +4610,7 @@
             </a:pPr>
             <a:fld id="{00000000-1234-1234-1234-123412341234}" type="slidenum">
               <a:rPr lang="es"/>
-              <a:t>‹#›</a:t>
+              <a:t>‹Nº›</a:t>
             </a:fld>
             <a:endParaRPr/>
           </a:p>
@@ -4494,11 +4625,11 @@
 </file>
 
 <file path=ppt/slideLayouts/slideLayout7.xml><?xml version="1.0" encoding="utf-8"?>
-<p:sldLayout xmlns:a="http://schemas.openxmlformats.org/drawingml/2006/main" xmlns:r="http://schemas.openxmlformats.org/officeDocument/2006/relationships" xmlns:mc="http://schemas.openxmlformats.org/markup-compatibility/2006" xmlns:mv="urn:schemas-microsoft-com:mac:vml" xmlns:p="http://schemas.openxmlformats.org/presentationml/2006/main" xmlns:c="http://schemas.openxmlformats.org/drawingml/2006/chart" xmlns:dgm="http://schemas.openxmlformats.org/drawingml/2006/diagram" xmlns:o="urn:schemas-microsoft-com:office:office" xmlns:v="urn:schemas-microsoft-com:vml" xmlns:pvml="urn:schemas-microsoft-com:office:powerpoint" xmlns:com="http://schemas.openxmlformats.org/drawingml/2006/compatibility" xmlns:p14="http://schemas.microsoft.com/office/powerpoint/2010/main" xmlns:p15="http://schemas.microsoft.com/office/powerpoint/2012/main" xmlns:ahyp="http://schemas.microsoft.com/office/drawing/2018/hyperlinkcolor" matchingName="Main point">
+<p:sldLayout xmlns:a="http://schemas.openxmlformats.org/drawingml/2006/main" xmlns:r="http://schemas.openxmlformats.org/officeDocument/2006/relationships" xmlns:p="http://schemas.openxmlformats.org/presentationml/2006/main" matchingName="Main point">
   <p:cSld name="MAIN_POINT">
     <p:spTree>
       <p:nvGrpSpPr>
-        <p:cNvPr id="39" name="Shape 39"/>
+        <p:cNvPr id="1" name="Shape 39"/>
         <p:cNvGrpSpPr/>
         <p:nvPr/>
       </p:nvGrpSpPr>
@@ -4513,7 +4644,9 @@
       <p:sp>
         <p:nvSpPr>
           <p:cNvPr id="40" name="Google Shape;40;p8"/>
-          <p:cNvSpPr txBox="1"/>
+          <p:cNvSpPr txBox="1">
+            <a:spLocks noGrp="1"/>
+          </p:cNvSpPr>
           <p:nvPr>
             <p:ph type="title"/>
           </p:nvPr>
@@ -4528,7 +4661,7 @@
           </a:prstGeom>
         </p:spPr>
         <p:txBody>
-          <a:bodyPr anchorCtr="0" anchor="ctr" bIns="91425" lIns="91425" spcFirstLastPara="1" rIns="91425" wrap="square" tIns="91425">
+          <a:bodyPr spcFirstLastPara="1" wrap="square" lIns="91425" tIns="91425" rIns="91425" bIns="91425" anchor="ctr" anchorCtr="0">
             <a:normAutofit/>
           </a:bodyPr>
           <a:lstStyle>
@@ -4632,15 +4765,19 @@
               <a:defRPr sz="4800"/>
             </a:lvl9pPr>
           </a:lstStyle>
-          <a:p/>
+          <a:p>
+            <a:endParaRPr/>
+          </a:p>
         </p:txBody>
       </p:sp>
       <p:sp>
         <p:nvSpPr>
           <p:cNvPr id="41" name="Google Shape;41;p8"/>
-          <p:cNvSpPr txBox="1"/>
+          <p:cNvSpPr txBox="1">
+            <a:spLocks noGrp="1"/>
+          </p:cNvSpPr>
           <p:nvPr>
-            <p:ph idx="12" type="sldNum"/>
+            <p:ph type="sldNum" idx="12"/>
           </p:nvPr>
         </p:nvSpPr>
         <p:spPr>
@@ -4653,7 +4790,7 @@
           </a:prstGeom>
         </p:spPr>
         <p:txBody>
-          <a:bodyPr anchorCtr="0" anchor="ctr" bIns="91425" lIns="91425" spcFirstLastPara="1" rIns="91425" wrap="square" tIns="91425">
+          <a:bodyPr spcFirstLastPara="1" wrap="square" lIns="91425" tIns="91425" rIns="91425" bIns="91425" anchor="ctr" anchorCtr="0">
             <a:normAutofit/>
           </a:bodyPr>
           <a:lstStyle>
@@ -4695,7 +4832,7 @@
             </a:lvl9pPr>
           </a:lstStyle>
           <a:p>
-            <a:pPr indent="0" lvl="0" marL="0" rtl="0" algn="r">
+            <a:pPr marL="0" lvl="0" indent="0" algn="r" rtl="0">
               <a:spcBef>
                 <a:spcPts val="0"/>
               </a:spcBef>
@@ -4706,7 +4843,7 @@
             </a:pPr>
             <a:fld id="{00000000-1234-1234-1234-123412341234}" type="slidenum">
               <a:rPr lang="es"/>
-              <a:t>‹#›</a:t>
+              <a:t>‹Nº›</a:t>
             </a:fld>
             <a:endParaRPr/>
           </a:p>
@@ -4721,11 +4858,11 @@
 </file>
 
 <file path=ppt/slideLayouts/slideLayout8.xml><?xml version="1.0" encoding="utf-8"?>
-<p:sldLayout xmlns:a="http://schemas.openxmlformats.org/drawingml/2006/main" xmlns:r="http://schemas.openxmlformats.org/officeDocument/2006/relationships" xmlns:mc="http://schemas.openxmlformats.org/markup-compatibility/2006" xmlns:mv="urn:schemas-microsoft-com:mac:vml" xmlns:p="http://schemas.openxmlformats.org/presentationml/2006/main" xmlns:c="http://schemas.openxmlformats.org/drawingml/2006/chart" xmlns:dgm="http://schemas.openxmlformats.org/drawingml/2006/diagram" xmlns:o="urn:schemas-microsoft-com:office:office" xmlns:v="urn:schemas-microsoft-com:vml" xmlns:pvml="urn:schemas-microsoft-com:office:powerpoint" xmlns:com="http://schemas.openxmlformats.org/drawingml/2006/compatibility" xmlns:p14="http://schemas.microsoft.com/office/powerpoint/2010/main" xmlns:p15="http://schemas.microsoft.com/office/powerpoint/2012/main" xmlns:ahyp="http://schemas.microsoft.com/office/drawing/2018/hyperlinkcolor" matchingName="Section title and description">
+<p:sldLayout xmlns:a="http://schemas.openxmlformats.org/drawingml/2006/main" xmlns:r="http://schemas.openxmlformats.org/officeDocument/2006/relationships" xmlns:p="http://schemas.openxmlformats.org/presentationml/2006/main" matchingName="Section title and description">
   <p:cSld name="SECTION_TITLE_AND_DESCRIPTION">
     <p:spTree>
       <p:nvGrpSpPr>
-        <p:cNvPr id="42" name="Shape 42"/>
+        <p:cNvPr id="1" name="Shape 42"/>
         <p:cNvGrpSpPr/>
         <p:nvPr/>
       </p:nvGrpSpPr>
@@ -4759,12 +4896,12 @@
           </a:ln>
         </p:spPr>
         <p:txBody>
-          <a:bodyPr anchorCtr="0" anchor="ctr" bIns="91425" lIns="91425" spcFirstLastPara="1" rIns="91425" wrap="square" tIns="91425">
+          <a:bodyPr spcFirstLastPara="1" wrap="square" lIns="91425" tIns="91425" rIns="91425" bIns="91425" anchor="ctr" anchorCtr="0">
             <a:noAutofit/>
           </a:bodyPr>
           <a:lstStyle/>
           <a:p>
-            <a:pPr indent="0" lvl="0" marL="0" rtl="0" algn="l">
+            <a:pPr marL="0" lvl="0" indent="0" algn="l" rtl="0">
               <a:spcBef>
                 <a:spcPts val="0"/>
               </a:spcBef>
@@ -4773,9 +4910,6 @@
               </a:spcAft>
               <a:buNone/>
             </a:pPr>
-            <a:r>
-              <a:t/>
-            </a:r>
             <a:endParaRPr/>
           </a:p>
         </p:txBody>
@@ -4795,21 +4929,23 @@
             <a:avLst/>
           </a:prstGeom>
           <a:noFill/>
-          <a:ln cap="flat" cmpd="sng" w="38100">
+          <a:ln w="38100" cap="flat" cmpd="sng">
             <a:solidFill>
               <a:schemeClr val="accent5"/>
             </a:solidFill>
             <a:prstDash val="solid"/>
             <a:round/>
-            <a:headEnd len="sm" w="sm" type="none"/>
-            <a:tailEnd len="sm" w="sm" type="none"/>
+            <a:headEnd type="none" w="sm" len="sm"/>
+            <a:tailEnd type="none" w="sm" len="sm"/>
           </a:ln>
         </p:spPr>
       </p:cxnSp>
       <p:sp>
         <p:nvSpPr>
           <p:cNvPr id="45" name="Google Shape;45;p9"/>
-          <p:cNvSpPr txBox="1"/>
+          <p:cNvSpPr txBox="1">
+            <a:spLocks noGrp="1"/>
+          </p:cNvSpPr>
           <p:nvPr>
             <p:ph type="title"/>
           </p:nvPr>
@@ -4824,7 +4960,7 @@
           </a:prstGeom>
         </p:spPr>
         <p:txBody>
-          <a:bodyPr anchorCtr="0" anchor="b" bIns="91425" lIns="91425" spcFirstLastPara="1" rIns="91425" wrap="square" tIns="91425">
+          <a:bodyPr spcFirstLastPara="1" wrap="square" lIns="91425" tIns="91425" rIns="91425" bIns="91425" anchor="b" anchorCtr="0">
             <a:normAutofit/>
           </a:bodyPr>
           <a:lstStyle>
@@ -4928,15 +5064,19 @@
               <a:defRPr sz="3800"/>
             </a:lvl9pPr>
           </a:lstStyle>
-          <a:p/>
+          <a:p>
+            <a:endParaRPr/>
+          </a:p>
         </p:txBody>
       </p:sp>
       <p:sp>
         <p:nvSpPr>
           <p:cNvPr id="46" name="Google Shape;46;p9"/>
-          <p:cNvSpPr txBox="1"/>
+          <p:cNvSpPr txBox="1">
+            <a:spLocks noGrp="1"/>
+          </p:cNvSpPr>
           <p:nvPr>
-            <p:ph idx="1" type="subTitle"/>
+            <p:ph type="subTitle" idx="1"/>
           </p:nvPr>
         </p:nvSpPr>
         <p:spPr>
@@ -4949,7 +5089,7 @@
           </a:prstGeom>
         </p:spPr>
         <p:txBody>
-          <a:bodyPr anchorCtr="0" anchor="t" bIns="91425" lIns="91425" spcFirstLastPara="1" rIns="91425" wrap="square" tIns="91425">
+          <a:bodyPr spcFirstLastPara="1" wrap="square" lIns="91425" tIns="91425" rIns="91425" bIns="91425" anchor="t" anchorCtr="0">
             <a:normAutofit/>
           </a:bodyPr>
           <a:lstStyle>
@@ -5143,15 +5283,19 @@
               </a:defRPr>
             </a:lvl9pPr>
           </a:lstStyle>
-          <a:p/>
+          <a:p>
+            <a:endParaRPr/>
+          </a:p>
         </p:txBody>
       </p:sp>
       <p:sp>
         <p:nvSpPr>
           <p:cNvPr id="47" name="Google Shape;47;p9"/>
-          <p:cNvSpPr txBox="1"/>
+          <p:cNvSpPr txBox="1">
+            <a:spLocks noGrp="1"/>
+          </p:cNvSpPr>
           <p:nvPr>
-            <p:ph idx="2" type="body"/>
+            <p:ph type="body" idx="2"/>
           </p:nvPr>
         </p:nvSpPr>
         <p:spPr>
@@ -5164,11 +5308,11 @@
           </a:prstGeom>
         </p:spPr>
         <p:txBody>
-          <a:bodyPr anchorCtr="0" anchor="ctr" bIns="91425" lIns="91425" spcFirstLastPara="1" rIns="91425" wrap="square" tIns="91425">
+          <a:bodyPr spcFirstLastPara="1" wrap="square" lIns="91425" tIns="91425" rIns="91425" bIns="91425" anchor="ctr" anchorCtr="0">
             <a:normAutofit/>
           </a:bodyPr>
           <a:lstStyle>
-            <a:lvl1pPr indent="-342900" lvl="0" marL="457200">
+            <a:lvl1pPr marL="457200" lvl="0" indent="-342900">
               <a:spcBef>
                 <a:spcPts val="0"/>
               </a:spcBef>
@@ -5179,7 +5323,7 @@
               <a:buChar char="●"/>
               <a:defRPr/>
             </a:lvl1pPr>
-            <a:lvl2pPr indent="-317500" lvl="1" marL="914400">
+            <a:lvl2pPr marL="914400" lvl="1" indent="-317500">
               <a:spcBef>
                 <a:spcPts val="0"/>
               </a:spcBef>
@@ -5190,7 +5334,7 @@
               <a:buChar char="○"/>
               <a:defRPr/>
             </a:lvl2pPr>
-            <a:lvl3pPr indent="-317500" lvl="2" marL="1371600">
+            <a:lvl3pPr marL="1371600" lvl="2" indent="-317500">
               <a:spcBef>
                 <a:spcPts val="0"/>
               </a:spcBef>
@@ -5201,7 +5345,7 @@
               <a:buChar char="■"/>
               <a:defRPr/>
             </a:lvl3pPr>
-            <a:lvl4pPr indent="-317500" lvl="3" marL="1828800">
+            <a:lvl4pPr marL="1828800" lvl="3" indent="-317500">
               <a:spcBef>
                 <a:spcPts val="0"/>
               </a:spcBef>
@@ -5212,7 +5356,7 @@
               <a:buChar char="●"/>
               <a:defRPr/>
             </a:lvl4pPr>
-            <a:lvl5pPr indent="-317500" lvl="4" marL="2286000">
+            <a:lvl5pPr marL="2286000" lvl="4" indent="-317500">
               <a:spcBef>
                 <a:spcPts val="0"/>
               </a:spcBef>
@@ -5223,7 +5367,7 @@
               <a:buChar char="○"/>
               <a:defRPr/>
             </a:lvl5pPr>
-            <a:lvl6pPr indent="-317500" lvl="5" marL="2743200">
+            <a:lvl6pPr marL="2743200" lvl="5" indent="-317500">
               <a:spcBef>
                 <a:spcPts val="0"/>
               </a:spcBef>
@@ -5234,7 +5378,7 @@
               <a:buChar char="■"/>
               <a:defRPr/>
             </a:lvl6pPr>
-            <a:lvl7pPr indent="-317500" lvl="6" marL="3200400">
+            <a:lvl7pPr marL="3200400" lvl="6" indent="-317500">
               <a:spcBef>
                 <a:spcPts val="0"/>
               </a:spcBef>
@@ -5245,7 +5389,7 @@
               <a:buChar char="●"/>
               <a:defRPr/>
             </a:lvl7pPr>
-            <a:lvl8pPr indent="-317500" lvl="7" marL="3657600">
+            <a:lvl8pPr marL="3657600" lvl="7" indent="-317500">
               <a:spcBef>
                 <a:spcPts val="0"/>
               </a:spcBef>
@@ -5256,7 +5400,7 @@
               <a:buChar char="○"/>
               <a:defRPr/>
             </a:lvl8pPr>
-            <a:lvl9pPr indent="-317500" lvl="8" marL="4114800">
+            <a:lvl9pPr marL="4114800" lvl="8" indent="-317500">
               <a:spcBef>
                 <a:spcPts val="0"/>
               </a:spcBef>
@@ -5268,15 +5412,19 @@
               <a:defRPr/>
             </a:lvl9pPr>
           </a:lstStyle>
-          <a:p/>
+          <a:p>
+            <a:endParaRPr/>
+          </a:p>
         </p:txBody>
       </p:sp>
       <p:sp>
         <p:nvSpPr>
           <p:cNvPr id="48" name="Google Shape;48;p9"/>
-          <p:cNvSpPr txBox="1"/>
+          <p:cNvSpPr txBox="1">
+            <a:spLocks noGrp="1"/>
+          </p:cNvSpPr>
           <p:nvPr>
-            <p:ph idx="12" type="sldNum"/>
+            <p:ph type="sldNum" idx="12"/>
           </p:nvPr>
         </p:nvSpPr>
         <p:spPr>
@@ -5289,7 +5437,7 @@
           </a:prstGeom>
         </p:spPr>
         <p:txBody>
-          <a:bodyPr anchorCtr="0" anchor="ctr" bIns="91425" lIns="91425" spcFirstLastPara="1" rIns="91425" wrap="square" tIns="91425">
+          <a:bodyPr spcFirstLastPara="1" wrap="square" lIns="91425" tIns="91425" rIns="91425" bIns="91425" anchor="ctr" anchorCtr="0">
             <a:normAutofit/>
           </a:bodyPr>
           <a:lstStyle>
@@ -5331,7 +5479,7 @@
             </a:lvl9pPr>
           </a:lstStyle>
           <a:p>
-            <a:pPr indent="0" lvl="0" marL="0" rtl="0" algn="r">
+            <a:pPr marL="0" lvl="0" indent="0" algn="r" rtl="0">
               <a:spcBef>
                 <a:spcPts val="0"/>
               </a:spcBef>
@@ -5342,7 +5490,7 @@
             </a:pPr>
             <a:fld id="{00000000-1234-1234-1234-123412341234}" type="slidenum">
               <a:rPr lang="es"/>
-              <a:t>‹#›</a:t>
+              <a:t>‹Nº›</a:t>
             </a:fld>
             <a:endParaRPr/>
           </a:p>
@@ -5357,11 +5505,11 @@
 </file>
 
 <file path=ppt/slideLayouts/slideLayout9.xml><?xml version="1.0" encoding="utf-8"?>
-<p:sldLayout xmlns:a="http://schemas.openxmlformats.org/drawingml/2006/main" xmlns:r="http://schemas.openxmlformats.org/officeDocument/2006/relationships" xmlns:mc="http://schemas.openxmlformats.org/markup-compatibility/2006" xmlns:mv="urn:schemas-microsoft-com:mac:vml" xmlns:p="http://schemas.openxmlformats.org/presentationml/2006/main" xmlns:c="http://schemas.openxmlformats.org/drawingml/2006/chart" xmlns:dgm="http://schemas.openxmlformats.org/drawingml/2006/diagram" xmlns:o="urn:schemas-microsoft-com:office:office" xmlns:v="urn:schemas-microsoft-com:vml" xmlns:pvml="urn:schemas-microsoft-com:office:powerpoint" xmlns:com="http://schemas.openxmlformats.org/drawingml/2006/compatibility" xmlns:p14="http://schemas.microsoft.com/office/powerpoint/2010/main" xmlns:p15="http://schemas.microsoft.com/office/powerpoint/2012/main" xmlns:ahyp="http://schemas.microsoft.com/office/drawing/2018/hyperlinkcolor" matchingName="Caption">
+<p:sldLayout xmlns:a="http://schemas.openxmlformats.org/drawingml/2006/main" xmlns:r="http://schemas.openxmlformats.org/officeDocument/2006/relationships" xmlns:p="http://schemas.openxmlformats.org/presentationml/2006/main" matchingName="Caption">
   <p:cSld name="CAPTION_ONLY">
     <p:spTree>
       <p:nvGrpSpPr>
-        <p:cNvPr id="49" name="Shape 49"/>
+        <p:cNvPr id="1" name="Shape 49"/>
         <p:cNvGrpSpPr/>
         <p:nvPr/>
       </p:nvGrpSpPr>
@@ -5376,9 +5524,11 @@
       <p:sp>
         <p:nvSpPr>
           <p:cNvPr id="50" name="Google Shape;50;p10"/>
-          <p:cNvSpPr txBox="1"/>
+          <p:cNvSpPr txBox="1">
+            <a:spLocks noGrp="1"/>
+          </p:cNvSpPr>
           <p:nvPr>
-            <p:ph idx="1" type="body"/>
+            <p:ph type="body" idx="1"/>
           </p:nvPr>
         </p:nvSpPr>
         <p:spPr>
@@ -5391,11 +5541,11 @@
           </a:prstGeom>
         </p:spPr>
         <p:txBody>
-          <a:bodyPr anchorCtr="0" anchor="ctr" bIns="91425" lIns="91425" spcFirstLastPara="1" rIns="91425" wrap="square" tIns="91425">
+          <a:bodyPr spcFirstLastPara="1" wrap="square" lIns="91425" tIns="91425" rIns="91425" bIns="91425" anchor="ctr" anchorCtr="0">
             <a:normAutofit/>
           </a:bodyPr>
           <a:lstStyle>
-            <a:lvl1pPr indent="-228600" lvl="0" marL="457200">
+            <a:lvl1pPr marL="457200" lvl="0" indent="-228600">
               <a:lnSpc>
                 <a:spcPct val="100000"/>
               </a:lnSpc>
@@ -5416,15 +5566,19 @@
               </a:defRPr>
             </a:lvl1pPr>
           </a:lstStyle>
-          <a:p/>
+          <a:p>
+            <a:endParaRPr/>
+          </a:p>
         </p:txBody>
       </p:sp>
       <p:sp>
         <p:nvSpPr>
           <p:cNvPr id="51" name="Google Shape;51;p10"/>
-          <p:cNvSpPr txBox="1"/>
+          <p:cNvSpPr txBox="1">
+            <a:spLocks noGrp="1"/>
+          </p:cNvSpPr>
           <p:nvPr>
-            <p:ph idx="12" type="sldNum"/>
+            <p:ph type="sldNum" idx="12"/>
           </p:nvPr>
         </p:nvSpPr>
         <p:spPr>
@@ -5437,7 +5591,7 @@
           </a:prstGeom>
         </p:spPr>
         <p:txBody>
-          <a:bodyPr anchorCtr="0" anchor="ctr" bIns="91425" lIns="91425" spcFirstLastPara="1" rIns="91425" wrap="square" tIns="91425">
+          <a:bodyPr spcFirstLastPara="1" wrap="square" lIns="91425" tIns="91425" rIns="91425" bIns="91425" anchor="ctr" anchorCtr="0">
             <a:normAutofit/>
           </a:bodyPr>
           <a:lstStyle>
@@ -5479,7 +5633,7 @@
             </a:lvl9pPr>
           </a:lstStyle>
           <a:p>
-            <a:pPr indent="0" lvl="0" marL="0" rtl="0" algn="r">
+            <a:pPr marL="0" lvl="0" indent="0" algn="r" rtl="0">
               <a:spcBef>
                 <a:spcPts val="0"/>
               </a:spcBef>
@@ -5490,7 +5644,7 @@
             </a:pPr>
             <a:fld id="{00000000-1234-1234-1234-123412341234}" type="slidenum">
               <a:rPr lang="es"/>
-              <a:t>‹#›</a:t>
+              <a:t>‹Nº›</a:t>
             </a:fld>
             <a:endParaRPr/>
           </a:p>
@@ -5505,18 +5659,19 @@
 </file>
 
 <file path=ppt/slideMasters/slideMaster1.xml><?xml version="1.0" encoding="utf-8"?>
-<p:sldMaster xmlns:a="http://schemas.openxmlformats.org/drawingml/2006/main" xmlns:r="http://schemas.openxmlformats.org/officeDocument/2006/relationships" xmlns:mc="http://schemas.openxmlformats.org/markup-compatibility/2006" xmlns:mv="urn:schemas-microsoft-com:mac:vml" xmlns:p="http://schemas.openxmlformats.org/presentationml/2006/main" xmlns:c="http://schemas.openxmlformats.org/drawingml/2006/chart" xmlns:dgm="http://schemas.openxmlformats.org/drawingml/2006/diagram" xmlns:o="urn:schemas-microsoft-com:office:office" xmlns:v="urn:schemas-microsoft-com:vml" xmlns:pvml="urn:schemas-microsoft-com:office:powerpoint" xmlns:com="http://schemas.openxmlformats.org/drawingml/2006/compatibility" xmlns:p14="http://schemas.microsoft.com/office/powerpoint/2010/main" xmlns:p15="http://schemas.microsoft.com/office/powerpoint/2012/main" xmlns:ahyp="http://schemas.microsoft.com/office/drawing/2018/hyperlinkcolor">
+<p:sldMaster xmlns:a="http://schemas.openxmlformats.org/drawingml/2006/main" xmlns:r="http://schemas.openxmlformats.org/officeDocument/2006/relationships" xmlns:p="http://schemas.openxmlformats.org/presentationml/2006/main">
   <p:cSld name="marina">
     <p:bg>
       <p:bgPr>
         <a:solidFill>
           <a:schemeClr val="lt1"/>
         </a:solidFill>
+        <a:effectLst/>
       </p:bgPr>
     </p:bg>
     <p:spTree>
       <p:nvGrpSpPr>
-        <p:cNvPr id="5" name="Shape 5"/>
+        <p:cNvPr id="1" name="Shape 5"/>
         <p:cNvGrpSpPr/>
         <p:nvPr/>
       </p:nvGrpSpPr>
@@ -5531,7 +5686,9 @@
       <p:sp>
         <p:nvSpPr>
           <p:cNvPr id="6" name="Google Shape;6;p1"/>
-          <p:cNvSpPr txBox="1"/>
+          <p:cNvSpPr txBox="1">
+            <a:spLocks noGrp="1"/>
+          </p:cNvSpPr>
           <p:nvPr>
             <p:ph type="title"/>
           </p:nvPr>
@@ -5550,7 +5707,7 @@
           </a:ln>
         </p:spPr>
         <p:txBody>
-          <a:bodyPr anchorCtr="0" anchor="b" bIns="91425" lIns="91425" spcFirstLastPara="1" rIns="91425" wrap="square" tIns="91425">
+          <a:bodyPr spcFirstLastPara="1" wrap="square" lIns="91425" tIns="91425" rIns="91425" bIns="91425" anchor="b" anchorCtr="0">
             <a:normAutofit/>
           </a:bodyPr>
           <a:lstStyle>
@@ -5762,15 +5919,19 @@
               </a:defRPr>
             </a:lvl9pPr>
           </a:lstStyle>
-          <a:p/>
+          <a:p>
+            <a:endParaRPr/>
+          </a:p>
         </p:txBody>
       </p:sp>
       <p:sp>
         <p:nvSpPr>
           <p:cNvPr id="7" name="Google Shape;7;p1"/>
-          <p:cNvSpPr txBox="1"/>
+          <p:cNvSpPr txBox="1">
+            <a:spLocks noGrp="1"/>
+          </p:cNvSpPr>
           <p:nvPr>
-            <p:ph idx="1" type="body"/>
+            <p:ph type="body" idx="1"/>
           </p:nvPr>
         </p:nvSpPr>
         <p:spPr>
@@ -5787,11 +5948,11 @@
           </a:ln>
         </p:spPr>
         <p:txBody>
-          <a:bodyPr anchorCtr="0" anchor="t" bIns="91425" lIns="91425" spcFirstLastPara="1" rIns="91425" wrap="square" tIns="91425">
+          <a:bodyPr spcFirstLastPara="1" wrap="square" lIns="91425" tIns="91425" rIns="91425" bIns="91425" anchor="t" anchorCtr="0">
             <a:normAutofit/>
           </a:bodyPr>
           <a:lstStyle>
-            <a:lvl1pPr indent="-342900" lvl="0" marL="457200">
+            <a:lvl1pPr marL="457200" lvl="0" indent="-342900">
               <a:lnSpc>
                 <a:spcPct val="115000"/>
               </a:lnSpc>
@@ -5817,7 +5978,7 @@
                 <a:sym typeface="Roboto"/>
               </a:defRPr>
             </a:lvl1pPr>
-            <a:lvl2pPr indent="-317500" lvl="1" marL="914400">
+            <a:lvl2pPr marL="914400" lvl="1" indent="-317500">
               <a:lnSpc>
                 <a:spcPct val="115000"/>
               </a:lnSpc>
@@ -5843,7 +6004,7 @@
                 <a:sym typeface="Roboto"/>
               </a:defRPr>
             </a:lvl2pPr>
-            <a:lvl3pPr indent="-317500" lvl="2" marL="1371600">
+            <a:lvl3pPr marL="1371600" lvl="2" indent="-317500">
               <a:lnSpc>
                 <a:spcPct val="115000"/>
               </a:lnSpc>
@@ -5869,7 +6030,7 @@
                 <a:sym typeface="Roboto"/>
               </a:defRPr>
             </a:lvl3pPr>
-            <a:lvl4pPr indent="-317500" lvl="3" marL="1828800">
+            <a:lvl4pPr marL="1828800" lvl="3" indent="-317500">
               <a:lnSpc>
                 <a:spcPct val="115000"/>
               </a:lnSpc>
@@ -5895,7 +6056,7 @@
                 <a:sym typeface="Roboto"/>
               </a:defRPr>
             </a:lvl4pPr>
-            <a:lvl5pPr indent="-317500" lvl="4" marL="2286000">
+            <a:lvl5pPr marL="2286000" lvl="4" indent="-317500">
               <a:lnSpc>
                 <a:spcPct val="115000"/>
               </a:lnSpc>
@@ -5921,7 +6082,7 @@
                 <a:sym typeface="Roboto"/>
               </a:defRPr>
             </a:lvl5pPr>
-            <a:lvl6pPr indent="-317500" lvl="5" marL="2743200">
+            <a:lvl6pPr marL="2743200" lvl="5" indent="-317500">
               <a:lnSpc>
                 <a:spcPct val="115000"/>
               </a:lnSpc>
@@ -5947,7 +6108,7 @@
                 <a:sym typeface="Roboto"/>
               </a:defRPr>
             </a:lvl6pPr>
-            <a:lvl7pPr indent="-317500" lvl="6" marL="3200400">
+            <a:lvl7pPr marL="3200400" lvl="6" indent="-317500">
               <a:lnSpc>
                 <a:spcPct val="115000"/>
               </a:lnSpc>
@@ -5973,7 +6134,7 @@
                 <a:sym typeface="Roboto"/>
               </a:defRPr>
             </a:lvl7pPr>
-            <a:lvl8pPr indent="-317500" lvl="7" marL="3657600">
+            <a:lvl8pPr marL="3657600" lvl="7" indent="-317500">
               <a:lnSpc>
                 <a:spcPct val="115000"/>
               </a:lnSpc>
@@ -5999,7 +6160,7 @@
                 <a:sym typeface="Roboto"/>
               </a:defRPr>
             </a:lvl8pPr>
-            <a:lvl9pPr indent="-317500" lvl="8" marL="4114800">
+            <a:lvl9pPr marL="4114800" lvl="8" indent="-317500">
               <a:lnSpc>
                 <a:spcPct val="115000"/>
               </a:lnSpc>
@@ -6026,15 +6187,19 @@
               </a:defRPr>
             </a:lvl9pPr>
           </a:lstStyle>
-          <a:p/>
+          <a:p>
+            <a:endParaRPr/>
+          </a:p>
         </p:txBody>
       </p:sp>
       <p:sp>
         <p:nvSpPr>
           <p:cNvPr id="8" name="Google Shape;8;p1"/>
-          <p:cNvSpPr txBox="1"/>
+          <p:cNvSpPr txBox="1">
+            <a:spLocks noGrp="1"/>
+          </p:cNvSpPr>
           <p:nvPr>
-            <p:ph idx="12" type="sldNum"/>
+            <p:ph type="sldNum" idx="12"/>
           </p:nvPr>
         </p:nvSpPr>
         <p:spPr>
@@ -6051,7 +6216,7 @@
           </a:ln>
         </p:spPr>
         <p:txBody>
-          <a:bodyPr anchorCtr="0" anchor="ctr" bIns="91425" lIns="91425" spcFirstLastPara="1" rIns="91425" wrap="square" tIns="91425">
+          <a:bodyPr spcFirstLastPara="1" wrap="square" lIns="91425" tIns="91425" rIns="91425" bIns="91425" anchor="ctr" anchorCtr="0">
             <a:normAutofit/>
           </a:bodyPr>
           <a:lstStyle>
@@ -6165,7 +6330,7 @@
             </a:lvl9pPr>
           </a:lstStyle>
           <a:p>
-            <a:pPr indent="0" lvl="0" marL="0" rtl="0" algn="r">
+            <a:pPr marL="0" lvl="0" indent="0" algn="r" rtl="0">
               <a:spcBef>
                 <a:spcPts val="0"/>
               </a:spcBef>
@@ -6176,7 +6341,7 @@
             </a:pPr>
             <a:fld id="{00000000-1234-1234-1234-123412341234}" type="slidenum">
               <a:rPr lang="es"/>
-              <a:t>‹#›</a:t>
+              <a:t>‹Nº›</a:t>
             </a:fld>
             <a:endParaRPr/>
           </a:p>
@@ -6184,7 +6349,7 @@
       </p:sp>
     </p:spTree>
   </p:cSld>
-  <p:clrMap accent1="accent1" accent2="accent2" accent3="accent3" accent4="accent4" accent5="accent5" accent6="accent6" bg1="lt1" bg2="dk2" tx1="dk1" tx2="lt2" folHlink="folHlink" hlink="hlink"/>
+  <p:clrMap bg1="lt1" tx1="dk1" bg2="dk2" tx2="lt2" accent1="accent1" accent2="accent2" accent3="accent3" accent4="accent4" accent5="accent5" accent6="accent6" hlink="hlink" folHlink="folHlink"/>
   <p:sldLayoutIdLst>
     <p:sldLayoutId id="2147483648" r:id="rId1"/>
     <p:sldLayoutId id="2147483649" r:id="rId2"/>
@@ -6198,10 +6363,10 @@
     <p:sldLayoutId id="2147483657" r:id="rId10"/>
     <p:sldLayoutId id="2147483658" r:id="rId11"/>
   </p:sldLayoutIdLst>
-  <p:hf dt="0" ftr="0" hdr="0" sldNum="0"/>
+  <p:hf sldNum="0" hdr="0" ftr="0" dt="0"/>
   <p:txStyles>
     <p:titleStyle>
-      <a:defPPr lvl="0" marR="0" rtl="0" algn="l">
+      <a:defPPr marR="0" lvl="0" algn="l" rtl="0">
         <a:lnSpc>
           <a:spcPct val="100000"/>
         </a:lnSpc>
@@ -6212,7 +6377,7 @@
           <a:spcPts val="0"/>
         </a:spcAft>
       </a:defPPr>
-      <a:lvl1pPr lvl="0" marR="0" rtl="0" algn="l">
+      <a:lvl1pPr marR="0" lvl="0" algn="l" rtl="0">
         <a:lnSpc>
           <a:spcPct val="100000"/>
         </a:lnSpc>
@@ -6226,7 +6391,7 @@
           <a:srgbClr val="000000"/>
         </a:buClr>
         <a:buFont typeface="Arial"/>
-        <a:defRPr b="0" i="0" sz="1400" u="none" cap="none" strike="noStrike">
+        <a:defRPr sz="1400" b="0" i="0" u="none" strike="noStrike" cap="none">
           <a:solidFill>
             <a:srgbClr val="000000"/>
           </a:solidFill>
@@ -6236,7 +6401,7 @@
           <a:sym typeface="Arial"/>
         </a:defRPr>
       </a:lvl1pPr>
-      <a:lvl2pPr lvl="1" marR="0" rtl="0" algn="l">
+      <a:lvl2pPr marR="0" lvl="1" algn="l" rtl="0">
         <a:lnSpc>
           <a:spcPct val="100000"/>
         </a:lnSpc>
@@ -6250,7 +6415,7 @@
           <a:srgbClr val="000000"/>
         </a:buClr>
         <a:buFont typeface="Arial"/>
-        <a:defRPr b="0" i="0" sz="1400" u="none" cap="none" strike="noStrike">
+        <a:defRPr sz="1400" b="0" i="0" u="none" strike="noStrike" cap="none">
           <a:solidFill>
             <a:srgbClr val="000000"/>
           </a:solidFill>
@@ -6260,7 +6425,7 @@
           <a:sym typeface="Arial"/>
         </a:defRPr>
       </a:lvl2pPr>
-      <a:lvl3pPr lvl="2" marR="0" rtl="0" algn="l">
+      <a:lvl3pPr marR="0" lvl="2" algn="l" rtl="0">
         <a:lnSpc>
           <a:spcPct val="100000"/>
         </a:lnSpc>
@@ -6274,7 +6439,7 @@
           <a:srgbClr val="000000"/>
         </a:buClr>
         <a:buFont typeface="Arial"/>
-        <a:defRPr b="0" i="0" sz="1400" u="none" cap="none" strike="noStrike">
+        <a:defRPr sz="1400" b="0" i="0" u="none" strike="noStrike" cap="none">
           <a:solidFill>
             <a:srgbClr val="000000"/>
           </a:solidFill>
@@ -6284,7 +6449,7 @@
           <a:sym typeface="Arial"/>
         </a:defRPr>
       </a:lvl3pPr>
-      <a:lvl4pPr lvl="3" marR="0" rtl="0" algn="l">
+      <a:lvl4pPr marR="0" lvl="3" algn="l" rtl="0">
         <a:lnSpc>
           <a:spcPct val="100000"/>
         </a:lnSpc>
@@ -6298,7 +6463,7 @@
           <a:srgbClr val="000000"/>
         </a:buClr>
         <a:buFont typeface="Arial"/>
-        <a:defRPr b="0" i="0" sz="1400" u="none" cap="none" strike="noStrike">
+        <a:defRPr sz="1400" b="0" i="0" u="none" strike="noStrike" cap="none">
           <a:solidFill>
             <a:srgbClr val="000000"/>
           </a:solidFill>
@@ -6308,7 +6473,7 @@
           <a:sym typeface="Arial"/>
         </a:defRPr>
       </a:lvl4pPr>
-      <a:lvl5pPr lvl="4" marR="0" rtl="0" algn="l">
+      <a:lvl5pPr marR="0" lvl="4" algn="l" rtl="0">
         <a:lnSpc>
           <a:spcPct val="100000"/>
         </a:lnSpc>
@@ -6322,7 +6487,7 @@
           <a:srgbClr val="000000"/>
         </a:buClr>
         <a:buFont typeface="Arial"/>
-        <a:defRPr b="0" i="0" sz="1400" u="none" cap="none" strike="noStrike">
+        <a:defRPr sz="1400" b="0" i="0" u="none" strike="noStrike" cap="none">
           <a:solidFill>
             <a:srgbClr val="000000"/>
           </a:solidFill>
@@ -6332,7 +6497,7 @@
           <a:sym typeface="Arial"/>
         </a:defRPr>
       </a:lvl5pPr>
-      <a:lvl6pPr lvl="5" marR="0" rtl="0" algn="l">
+      <a:lvl6pPr marR="0" lvl="5" algn="l" rtl="0">
         <a:lnSpc>
           <a:spcPct val="100000"/>
         </a:lnSpc>
@@ -6346,7 +6511,7 @@
           <a:srgbClr val="000000"/>
         </a:buClr>
         <a:buFont typeface="Arial"/>
-        <a:defRPr b="0" i="0" sz="1400" u="none" cap="none" strike="noStrike">
+        <a:defRPr sz="1400" b="0" i="0" u="none" strike="noStrike" cap="none">
           <a:solidFill>
             <a:srgbClr val="000000"/>
           </a:solidFill>
@@ -6356,7 +6521,7 @@
           <a:sym typeface="Arial"/>
         </a:defRPr>
       </a:lvl6pPr>
-      <a:lvl7pPr lvl="6" marR="0" rtl="0" algn="l">
+      <a:lvl7pPr marR="0" lvl="6" algn="l" rtl="0">
         <a:lnSpc>
           <a:spcPct val="100000"/>
         </a:lnSpc>
@@ -6370,7 +6535,7 @@
           <a:srgbClr val="000000"/>
         </a:buClr>
         <a:buFont typeface="Arial"/>
-        <a:defRPr b="0" i="0" sz="1400" u="none" cap="none" strike="noStrike">
+        <a:defRPr sz="1400" b="0" i="0" u="none" strike="noStrike" cap="none">
           <a:solidFill>
             <a:srgbClr val="000000"/>
           </a:solidFill>
@@ -6380,7 +6545,7 @@
           <a:sym typeface="Arial"/>
         </a:defRPr>
       </a:lvl7pPr>
-      <a:lvl8pPr lvl="7" marR="0" rtl="0" algn="l">
+      <a:lvl8pPr marR="0" lvl="7" algn="l" rtl="0">
         <a:lnSpc>
           <a:spcPct val="100000"/>
         </a:lnSpc>
@@ -6394,7 +6559,7 @@
           <a:srgbClr val="000000"/>
         </a:buClr>
         <a:buFont typeface="Arial"/>
-        <a:defRPr b="0" i="0" sz="1400" u="none" cap="none" strike="noStrike">
+        <a:defRPr sz="1400" b="0" i="0" u="none" strike="noStrike" cap="none">
           <a:solidFill>
             <a:srgbClr val="000000"/>
           </a:solidFill>
@@ -6404,7 +6569,7 @@
           <a:sym typeface="Arial"/>
         </a:defRPr>
       </a:lvl8pPr>
-      <a:lvl9pPr lvl="8" marR="0" rtl="0" algn="l">
+      <a:lvl9pPr marR="0" lvl="8" algn="l" rtl="0">
         <a:lnSpc>
           <a:spcPct val="100000"/>
         </a:lnSpc>
@@ -6418,7 +6583,7 @@
           <a:srgbClr val="000000"/>
         </a:buClr>
         <a:buFont typeface="Arial"/>
-        <a:defRPr b="0" i="0" sz="1400" u="none" cap="none" strike="noStrike">
+        <a:defRPr sz="1400" b="0" i="0" u="none" strike="noStrike" cap="none">
           <a:solidFill>
             <a:srgbClr val="000000"/>
           </a:solidFill>
@@ -6430,7 +6595,7 @@
       </a:lvl9pPr>
     </p:titleStyle>
     <p:bodyStyle>
-      <a:defPPr lvl="0" marR="0" rtl="0" algn="l">
+      <a:defPPr marR="0" lvl="0" algn="l" rtl="0">
         <a:lnSpc>
           <a:spcPct val="100000"/>
         </a:lnSpc>
@@ -6441,7 +6606,7 @@
           <a:spcPts val="0"/>
         </a:spcAft>
       </a:defPPr>
-      <a:lvl1pPr lvl="0" marR="0" rtl="0" algn="l">
+      <a:lvl1pPr marR="0" lvl="0" algn="l" rtl="0">
         <a:lnSpc>
           <a:spcPct val="100000"/>
         </a:lnSpc>
@@ -6455,7 +6620,7 @@
           <a:srgbClr val="000000"/>
         </a:buClr>
         <a:buFont typeface="Arial"/>
-        <a:defRPr b="0" i="0" sz="1400" u="none" cap="none" strike="noStrike">
+        <a:defRPr sz="1400" b="0" i="0" u="none" strike="noStrike" cap="none">
           <a:solidFill>
             <a:srgbClr val="000000"/>
           </a:solidFill>
@@ -6465,7 +6630,7 @@
           <a:sym typeface="Arial"/>
         </a:defRPr>
       </a:lvl1pPr>
-      <a:lvl2pPr lvl="1" marR="0" rtl="0" algn="l">
+      <a:lvl2pPr marR="0" lvl="1" algn="l" rtl="0">
         <a:lnSpc>
           <a:spcPct val="100000"/>
         </a:lnSpc>
@@ -6479,7 +6644,7 @@
           <a:srgbClr val="000000"/>
         </a:buClr>
         <a:buFont typeface="Arial"/>
-        <a:defRPr b="0" i="0" sz="1400" u="none" cap="none" strike="noStrike">
+        <a:defRPr sz="1400" b="0" i="0" u="none" strike="noStrike" cap="none">
           <a:solidFill>
             <a:srgbClr val="000000"/>
           </a:solidFill>
@@ -6489,7 +6654,7 @@
           <a:sym typeface="Arial"/>
         </a:defRPr>
       </a:lvl2pPr>
-      <a:lvl3pPr lvl="2" marR="0" rtl="0" algn="l">
+      <a:lvl3pPr marR="0" lvl="2" algn="l" rtl="0">
         <a:lnSpc>
           <a:spcPct val="100000"/>
         </a:lnSpc>
@@ -6503,7 +6668,7 @@
           <a:srgbClr val="000000"/>
         </a:buClr>
         <a:buFont typeface="Arial"/>
-        <a:defRPr b="0" i="0" sz="1400" u="none" cap="none" strike="noStrike">
+        <a:defRPr sz="1400" b="0" i="0" u="none" strike="noStrike" cap="none">
           <a:solidFill>
             <a:srgbClr val="000000"/>
           </a:solidFill>
@@ -6513,7 +6678,7 @@
           <a:sym typeface="Arial"/>
         </a:defRPr>
       </a:lvl3pPr>
-      <a:lvl4pPr lvl="3" marR="0" rtl="0" algn="l">
+      <a:lvl4pPr marR="0" lvl="3" algn="l" rtl="0">
         <a:lnSpc>
           <a:spcPct val="100000"/>
         </a:lnSpc>
@@ -6527,7 +6692,7 @@
           <a:srgbClr val="000000"/>
         </a:buClr>
         <a:buFont typeface="Arial"/>
-        <a:defRPr b="0" i="0" sz="1400" u="none" cap="none" strike="noStrike">
+        <a:defRPr sz="1400" b="0" i="0" u="none" strike="noStrike" cap="none">
           <a:solidFill>
             <a:srgbClr val="000000"/>
           </a:solidFill>
@@ -6537,7 +6702,7 @@
           <a:sym typeface="Arial"/>
         </a:defRPr>
       </a:lvl4pPr>
-      <a:lvl5pPr lvl="4" marR="0" rtl="0" algn="l">
+      <a:lvl5pPr marR="0" lvl="4" algn="l" rtl="0">
         <a:lnSpc>
           <a:spcPct val="100000"/>
         </a:lnSpc>
@@ -6551,7 +6716,7 @@
           <a:srgbClr val="000000"/>
         </a:buClr>
         <a:buFont typeface="Arial"/>
-        <a:defRPr b="0" i="0" sz="1400" u="none" cap="none" strike="noStrike">
+        <a:defRPr sz="1400" b="0" i="0" u="none" strike="noStrike" cap="none">
           <a:solidFill>
             <a:srgbClr val="000000"/>
           </a:solidFill>
@@ -6561,7 +6726,7 @@
           <a:sym typeface="Arial"/>
         </a:defRPr>
       </a:lvl5pPr>
-      <a:lvl6pPr lvl="5" marR="0" rtl="0" algn="l">
+      <a:lvl6pPr marR="0" lvl="5" algn="l" rtl="0">
         <a:lnSpc>
           <a:spcPct val="100000"/>
         </a:lnSpc>
@@ -6575,7 +6740,7 @@
           <a:srgbClr val="000000"/>
         </a:buClr>
         <a:buFont typeface="Arial"/>
-        <a:defRPr b="0" i="0" sz="1400" u="none" cap="none" strike="noStrike">
+        <a:defRPr sz="1400" b="0" i="0" u="none" strike="noStrike" cap="none">
           <a:solidFill>
             <a:srgbClr val="000000"/>
           </a:solidFill>
@@ -6585,7 +6750,7 @@
           <a:sym typeface="Arial"/>
         </a:defRPr>
       </a:lvl6pPr>
-      <a:lvl7pPr lvl="6" marR="0" rtl="0" algn="l">
+      <a:lvl7pPr marR="0" lvl="6" algn="l" rtl="0">
         <a:lnSpc>
           <a:spcPct val="100000"/>
         </a:lnSpc>
@@ -6599,7 +6764,7 @@
           <a:srgbClr val="000000"/>
         </a:buClr>
         <a:buFont typeface="Arial"/>
-        <a:defRPr b="0" i="0" sz="1400" u="none" cap="none" strike="noStrike">
+        <a:defRPr sz="1400" b="0" i="0" u="none" strike="noStrike" cap="none">
           <a:solidFill>
             <a:srgbClr val="000000"/>
           </a:solidFill>
@@ -6609,7 +6774,7 @@
           <a:sym typeface="Arial"/>
         </a:defRPr>
       </a:lvl7pPr>
-      <a:lvl8pPr lvl="7" marR="0" rtl="0" algn="l">
+      <a:lvl8pPr marR="0" lvl="7" algn="l" rtl="0">
         <a:lnSpc>
           <a:spcPct val="100000"/>
         </a:lnSpc>
@@ -6623,7 +6788,7 @@
           <a:srgbClr val="000000"/>
         </a:buClr>
         <a:buFont typeface="Arial"/>
-        <a:defRPr b="0" i="0" sz="1400" u="none" cap="none" strike="noStrike">
+        <a:defRPr sz="1400" b="0" i="0" u="none" strike="noStrike" cap="none">
           <a:solidFill>
             <a:srgbClr val="000000"/>
           </a:solidFill>
@@ -6633,7 +6798,7 @@
           <a:sym typeface="Arial"/>
         </a:defRPr>
       </a:lvl8pPr>
-      <a:lvl9pPr lvl="8" marR="0" rtl="0" algn="l">
+      <a:lvl9pPr marR="0" lvl="8" algn="l" rtl="0">
         <a:lnSpc>
           <a:spcPct val="100000"/>
         </a:lnSpc>
@@ -6647,7 +6812,7 @@
           <a:srgbClr val="000000"/>
         </a:buClr>
         <a:buFont typeface="Arial"/>
-        <a:defRPr b="0" i="0" sz="1400" u="none" cap="none" strike="noStrike">
+        <a:defRPr sz="1400" b="0" i="0" u="none" strike="noStrike" cap="none">
           <a:solidFill>
             <a:srgbClr val="000000"/>
           </a:solidFill>
@@ -6659,7 +6824,7 @@
       </a:lvl9pPr>
     </p:bodyStyle>
     <p:otherStyle>
-      <a:defPPr lvl="0" marR="0" rtl="0" algn="l">
+      <a:defPPr marR="0" lvl="0" algn="l" rtl="0">
         <a:lnSpc>
           <a:spcPct val="100000"/>
         </a:lnSpc>
@@ -6670,7 +6835,7 @@
           <a:spcPts val="0"/>
         </a:spcAft>
       </a:defPPr>
-      <a:lvl1pPr lvl="0" marR="0" rtl="0" algn="l">
+      <a:lvl1pPr marR="0" lvl="0" algn="l" rtl="0">
         <a:lnSpc>
           <a:spcPct val="100000"/>
         </a:lnSpc>
@@ -6684,7 +6849,7 @@
           <a:srgbClr val="000000"/>
         </a:buClr>
         <a:buFont typeface="Arial"/>
-        <a:defRPr b="0" i="0" sz="1400" u="none" cap="none" strike="noStrike">
+        <a:defRPr sz="1400" b="0" i="0" u="none" strike="noStrike" cap="none">
           <a:solidFill>
             <a:srgbClr val="000000"/>
           </a:solidFill>
@@ -6694,7 +6859,7 @@
           <a:sym typeface="Arial"/>
         </a:defRPr>
       </a:lvl1pPr>
-      <a:lvl2pPr lvl="1" marR="0" rtl="0" algn="l">
+      <a:lvl2pPr marR="0" lvl="1" algn="l" rtl="0">
         <a:lnSpc>
           <a:spcPct val="100000"/>
         </a:lnSpc>
@@ -6708,7 +6873,7 @@
           <a:srgbClr val="000000"/>
         </a:buClr>
         <a:buFont typeface="Arial"/>
-        <a:defRPr b="0" i="0" sz="1400" u="none" cap="none" strike="noStrike">
+        <a:defRPr sz="1400" b="0" i="0" u="none" strike="noStrike" cap="none">
           <a:solidFill>
             <a:srgbClr val="000000"/>
           </a:solidFill>
@@ -6718,7 +6883,7 @@
           <a:sym typeface="Arial"/>
         </a:defRPr>
       </a:lvl2pPr>
-      <a:lvl3pPr lvl="2" marR="0" rtl="0" algn="l">
+      <a:lvl3pPr marR="0" lvl="2" algn="l" rtl="0">
         <a:lnSpc>
           <a:spcPct val="100000"/>
         </a:lnSpc>
@@ -6732,7 +6897,7 @@
           <a:srgbClr val="000000"/>
         </a:buClr>
         <a:buFont typeface="Arial"/>
-        <a:defRPr b="0" i="0" sz="1400" u="none" cap="none" strike="noStrike">
+        <a:defRPr sz="1400" b="0" i="0" u="none" strike="noStrike" cap="none">
           <a:solidFill>
             <a:srgbClr val="000000"/>
           </a:solidFill>
@@ -6742,7 +6907,7 @@
           <a:sym typeface="Arial"/>
         </a:defRPr>
       </a:lvl3pPr>
-      <a:lvl4pPr lvl="3" marR="0" rtl="0" algn="l">
+      <a:lvl4pPr marR="0" lvl="3" algn="l" rtl="0">
         <a:lnSpc>
           <a:spcPct val="100000"/>
         </a:lnSpc>
@@ -6756,7 +6921,7 @@
           <a:srgbClr val="000000"/>
         </a:buClr>
         <a:buFont typeface="Arial"/>
-        <a:defRPr b="0" i="0" sz="1400" u="none" cap="none" strike="noStrike">
+        <a:defRPr sz="1400" b="0" i="0" u="none" strike="noStrike" cap="none">
           <a:solidFill>
             <a:srgbClr val="000000"/>
           </a:solidFill>
@@ -6766,7 +6931,7 @@
           <a:sym typeface="Arial"/>
         </a:defRPr>
       </a:lvl4pPr>
-      <a:lvl5pPr lvl="4" marR="0" rtl="0" algn="l">
+      <a:lvl5pPr marR="0" lvl="4" algn="l" rtl="0">
         <a:lnSpc>
           <a:spcPct val="100000"/>
         </a:lnSpc>
@@ -6780,7 +6945,7 @@
           <a:srgbClr val="000000"/>
         </a:buClr>
         <a:buFont typeface="Arial"/>
-        <a:defRPr b="0" i="0" sz="1400" u="none" cap="none" strike="noStrike">
+        <a:defRPr sz="1400" b="0" i="0" u="none" strike="noStrike" cap="none">
           <a:solidFill>
             <a:srgbClr val="000000"/>
           </a:solidFill>
@@ -6790,7 +6955,7 @@
           <a:sym typeface="Arial"/>
         </a:defRPr>
       </a:lvl5pPr>
-      <a:lvl6pPr lvl="5" marR="0" rtl="0" algn="l">
+      <a:lvl6pPr marR="0" lvl="5" algn="l" rtl="0">
         <a:lnSpc>
           <a:spcPct val="100000"/>
         </a:lnSpc>
@@ -6804,7 +6969,7 @@
           <a:srgbClr val="000000"/>
         </a:buClr>
         <a:buFont typeface="Arial"/>
-        <a:defRPr b="0" i="0" sz="1400" u="none" cap="none" strike="noStrike">
+        <a:defRPr sz="1400" b="0" i="0" u="none" strike="noStrike" cap="none">
           <a:solidFill>
             <a:srgbClr val="000000"/>
           </a:solidFill>
@@ -6814,7 +6979,7 @@
           <a:sym typeface="Arial"/>
         </a:defRPr>
       </a:lvl6pPr>
-      <a:lvl7pPr lvl="6" marR="0" rtl="0" algn="l">
+      <a:lvl7pPr marR="0" lvl="6" algn="l" rtl="0">
         <a:lnSpc>
           <a:spcPct val="100000"/>
         </a:lnSpc>
@@ -6828,7 +6993,7 @@
           <a:srgbClr val="000000"/>
         </a:buClr>
         <a:buFont typeface="Arial"/>
-        <a:defRPr b="0" i="0" sz="1400" u="none" cap="none" strike="noStrike">
+        <a:defRPr sz="1400" b="0" i="0" u="none" strike="noStrike" cap="none">
           <a:solidFill>
             <a:srgbClr val="000000"/>
           </a:solidFill>
@@ -6838,7 +7003,7 @@
           <a:sym typeface="Arial"/>
         </a:defRPr>
       </a:lvl7pPr>
-      <a:lvl8pPr lvl="7" marR="0" rtl="0" algn="l">
+      <a:lvl8pPr marR="0" lvl="7" algn="l" rtl="0">
         <a:lnSpc>
           <a:spcPct val="100000"/>
         </a:lnSpc>
@@ -6852,7 +7017,7 @@
           <a:srgbClr val="000000"/>
         </a:buClr>
         <a:buFont typeface="Arial"/>
-        <a:defRPr b="0" i="0" sz="1400" u="none" cap="none" strike="noStrike">
+        <a:defRPr sz="1400" b="0" i="0" u="none" strike="noStrike" cap="none">
           <a:solidFill>
             <a:srgbClr val="000000"/>
           </a:solidFill>
@@ -6862,7 +7027,7 @@
           <a:sym typeface="Arial"/>
         </a:defRPr>
       </a:lvl8pPr>
-      <a:lvl9pPr lvl="8" marR="0" rtl="0" algn="l">
+      <a:lvl9pPr marR="0" lvl="8" algn="l" rtl="0">
         <a:lnSpc>
           <a:spcPct val="100000"/>
         </a:lnSpc>
@@ -6876,7 +7041,7 @@
           <a:srgbClr val="000000"/>
         </a:buClr>
         <a:buFont typeface="Arial"/>
-        <a:defRPr b="0" i="0" sz="1400" u="none" cap="none" strike="noStrike">
+        <a:defRPr sz="1400" b="0" i="0" u="none" strike="noStrike" cap="none">
           <a:solidFill>
             <a:srgbClr val="000000"/>
           </a:solidFill>
@@ -6892,11 +7057,11 @@
 </file>
 
 <file path=ppt/slides/slide1.xml><?xml version="1.0" encoding="utf-8"?>
-<p:sld xmlns:a="http://schemas.openxmlformats.org/drawingml/2006/main" xmlns:r="http://schemas.openxmlformats.org/officeDocument/2006/relationships" xmlns:mc="http://schemas.openxmlformats.org/markup-compatibility/2006" xmlns:mv="urn:schemas-microsoft-com:mac:vml" xmlns:p="http://schemas.openxmlformats.org/presentationml/2006/main" xmlns:c="http://schemas.openxmlformats.org/drawingml/2006/chart" xmlns:dgm="http://schemas.openxmlformats.org/drawingml/2006/diagram" xmlns:o="urn:schemas-microsoft-com:office:office" xmlns:v="urn:schemas-microsoft-com:vml" xmlns:pvml="urn:schemas-microsoft-com:office:powerpoint" xmlns:com="http://schemas.openxmlformats.org/drawingml/2006/compatibility" xmlns:p14="http://schemas.microsoft.com/office/powerpoint/2010/main" xmlns:p15="http://schemas.microsoft.com/office/powerpoint/2012/main" xmlns:ahyp="http://schemas.microsoft.com/office/drawing/2018/hyperlinkcolor">
+<p:sld xmlns:a="http://schemas.openxmlformats.org/drawingml/2006/main" xmlns:r="http://schemas.openxmlformats.org/officeDocument/2006/relationships" xmlns:p="http://schemas.openxmlformats.org/presentationml/2006/main">
   <p:cSld>
     <p:spTree>
       <p:nvGrpSpPr>
-        <p:cNvPr id="62" name="Shape 62"/>
+        <p:cNvPr id="1" name="Shape 62"/>
         <p:cNvGrpSpPr/>
         <p:nvPr/>
       </p:nvGrpSpPr>
@@ -6911,7 +7076,9 @@
       <p:sp>
         <p:nvSpPr>
           <p:cNvPr id="63" name="Google Shape;63;p13"/>
-          <p:cNvSpPr txBox="1"/>
+          <p:cNvSpPr txBox="1">
+            <a:spLocks noGrp="1"/>
+          </p:cNvSpPr>
           <p:nvPr>
             <p:ph type="ctrTitle"/>
           </p:nvPr>
@@ -6926,12 +7093,12 @@
           </a:prstGeom>
         </p:spPr>
         <p:txBody>
-          <a:bodyPr anchorCtr="0" anchor="ctr" bIns="91425" lIns="91425" spcFirstLastPara="1" rIns="91425" wrap="square" tIns="91425">
+          <a:bodyPr spcFirstLastPara="1" wrap="square" lIns="91425" tIns="91425" rIns="91425" bIns="91425" anchor="ctr" anchorCtr="0">
             <a:normAutofit/>
           </a:bodyPr>
           <a:lstStyle/>
           <a:p>
-            <a:pPr indent="0" lvl="0" marL="0" rtl="0" algn="ctr">
+            <a:pPr marL="0" lvl="0" indent="0" algn="ctr" rtl="0">
               <a:lnSpc>
                 <a:spcPct val="115000"/>
               </a:lnSpc>
@@ -6964,9 +7131,11 @@
       <p:sp>
         <p:nvSpPr>
           <p:cNvPr id="64" name="Google Shape;64;p13"/>
-          <p:cNvSpPr txBox="1"/>
+          <p:cNvSpPr txBox="1">
+            <a:spLocks noGrp="1"/>
+          </p:cNvSpPr>
           <p:nvPr>
-            <p:ph idx="1" type="subTitle"/>
+            <p:ph type="subTitle" idx="1"/>
           </p:nvPr>
         </p:nvSpPr>
         <p:spPr>
@@ -6979,12 +7148,12 @@
           </a:prstGeom>
         </p:spPr>
         <p:txBody>
-          <a:bodyPr anchorCtr="0" anchor="t" bIns="91425" lIns="91425" spcFirstLastPara="1" rIns="91425" wrap="square" tIns="91425">
-            <a:normAutofit fontScale="47500" lnSpcReduction="20000"/>
+          <a:bodyPr spcFirstLastPara="1" wrap="square" lIns="91425" tIns="91425" rIns="91425" bIns="91425" anchor="t" anchorCtr="0">
+            <a:normAutofit fontScale="55000" lnSpcReduction="20000"/>
           </a:bodyPr>
           <a:lstStyle/>
           <a:p>
-            <a:pPr indent="0" lvl="0" marL="0" rtl="0" algn="ctr">
+            <a:pPr marL="0" lvl="0" indent="0" algn="ctr" rtl="0">
               <a:spcBef>
                 <a:spcPts val="0"/>
               </a:spcBef>
@@ -7000,7 +7169,7 @@
             <a:endParaRPr/>
           </a:p>
           <a:p>
-            <a:pPr indent="0" lvl="0" marL="0" rtl="0" algn="ctr">
+            <a:pPr marL="0" lvl="0" indent="0" algn="ctr" rtl="0">
               <a:spcBef>
                 <a:spcPts val="0"/>
               </a:spcBef>
@@ -7016,7 +7185,7 @@
             <a:endParaRPr/>
           </a:p>
           <a:p>
-            <a:pPr indent="0" lvl="0" marL="0" rtl="0" algn="ctr">
+            <a:pPr marL="0" lvl="0" indent="0" algn="ctr" rtl="0">
               <a:spcBef>
                 <a:spcPts val="0"/>
               </a:spcBef>
@@ -7032,7 +7201,7 @@
             <a:endParaRPr/>
           </a:p>
           <a:p>
-            <a:pPr indent="0" lvl="0" marL="0" rtl="0" algn="ctr">
+            <a:pPr marL="0" lvl="0" indent="0" algn="ctr" rtl="0">
               <a:spcBef>
                 <a:spcPts val="0"/>
               </a:spcBef>
@@ -7048,7 +7217,7 @@
             <a:endParaRPr/>
           </a:p>
           <a:p>
-            <a:pPr indent="0" lvl="0" marL="0" rtl="0" algn="l">
+            <a:pPr marL="0" lvl="0" indent="0" algn="l" rtl="0">
               <a:spcBef>
                 <a:spcPts val="0"/>
               </a:spcBef>
@@ -7057,9 +7226,6 @@
               </a:spcAft>
               <a:buNone/>
             </a:pPr>
-            <a:r>
-              <a:t/>
-            </a:r>
             <a:endParaRPr/>
           </a:p>
         </p:txBody>
@@ -7073,11 +7239,11 @@
 </file>
 
 <file path=ppt/slides/slide2.xml><?xml version="1.0" encoding="utf-8"?>
-<p:sld xmlns:a="http://schemas.openxmlformats.org/drawingml/2006/main" xmlns:r="http://schemas.openxmlformats.org/officeDocument/2006/relationships" xmlns:mc="http://schemas.openxmlformats.org/markup-compatibility/2006" xmlns:mv="urn:schemas-microsoft-com:mac:vml" xmlns:p="http://schemas.openxmlformats.org/presentationml/2006/main" xmlns:c="http://schemas.openxmlformats.org/drawingml/2006/chart" xmlns:dgm="http://schemas.openxmlformats.org/drawingml/2006/diagram" xmlns:o="urn:schemas-microsoft-com:office:office" xmlns:v="urn:schemas-microsoft-com:vml" xmlns:pvml="urn:schemas-microsoft-com:office:powerpoint" xmlns:com="http://schemas.openxmlformats.org/drawingml/2006/compatibility" xmlns:p14="http://schemas.microsoft.com/office/powerpoint/2010/main" xmlns:p15="http://schemas.microsoft.com/office/powerpoint/2012/main" xmlns:ahyp="http://schemas.microsoft.com/office/drawing/2018/hyperlinkcolor">
+<p:sld xmlns:a="http://schemas.openxmlformats.org/drawingml/2006/main" xmlns:r="http://schemas.openxmlformats.org/officeDocument/2006/relationships" xmlns:p="http://schemas.openxmlformats.org/presentationml/2006/main">
   <p:cSld>
     <p:spTree>
       <p:nvGrpSpPr>
-        <p:cNvPr id="68" name="Shape 68"/>
+        <p:cNvPr id="1" name="Shape 68"/>
         <p:cNvGrpSpPr/>
         <p:nvPr/>
       </p:nvGrpSpPr>
@@ -7092,7 +7258,9 @@
       <p:sp>
         <p:nvSpPr>
           <p:cNvPr id="69" name="Google Shape;69;p14"/>
-          <p:cNvSpPr txBox="1"/>
+          <p:cNvSpPr txBox="1">
+            <a:spLocks noGrp="1"/>
+          </p:cNvSpPr>
           <p:nvPr>
             <p:ph type="title"/>
           </p:nvPr>
@@ -7107,12 +7275,12 @@
           </a:prstGeom>
         </p:spPr>
         <p:txBody>
-          <a:bodyPr anchorCtr="0" anchor="b" bIns="91425" lIns="91425" spcFirstLastPara="1" rIns="91425" wrap="square" tIns="91425">
+          <a:bodyPr spcFirstLastPara="1" wrap="square" lIns="91425" tIns="91425" rIns="91425" bIns="91425" anchor="b" anchorCtr="0">
             <a:normAutofit/>
           </a:bodyPr>
           <a:lstStyle/>
           <a:p>
-            <a:pPr indent="0" lvl="0" marL="0" rtl="0" algn="ctr">
+            <a:pPr marL="0" lvl="0" indent="0" algn="ctr" rtl="0">
               <a:spcBef>
                 <a:spcPts val="0"/>
               </a:spcBef>
@@ -7132,9 +7300,11 @@
       <p:sp>
         <p:nvSpPr>
           <p:cNvPr id="70" name="Google Shape;70;p14"/>
-          <p:cNvSpPr txBox="1"/>
+          <p:cNvSpPr txBox="1">
+            <a:spLocks noGrp="1"/>
+          </p:cNvSpPr>
           <p:nvPr>
-            <p:ph idx="1" type="body"/>
+            <p:ph type="body" idx="1"/>
           </p:nvPr>
         </p:nvSpPr>
         <p:spPr>
@@ -7147,12 +7317,12 @@
           </a:prstGeom>
         </p:spPr>
         <p:txBody>
-          <a:bodyPr anchorCtr="0" anchor="t" bIns="91425" lIns="91425" spcFirstLastPara="1" rIns="91425" wrap="square" tIns="91425">
-            <a:normAutofit fontScale="85000" lnSpcReduction="20000"/>
+          <a:bodyPr spcFirstLastPara="1" wrap="square" lIns="91425" tIns="91425" rIns="91425" bIns="91425" anchor="t" anchorCtr="0">
+            <a:normAutofit fontScale="92500" lnSpcReduction="20000"/>
           </a:bodyPr>
           <a:lstStyle/>
           <a:p>
-            <a:pPr indent="-325755" lvl="0" marL="457200" rtl="0" algn="l">
+            <a:pPr marL="457200" lvl="0" indent="-325755" algn="l" rtl="0">
               <a:spcBef>
                 <a:spcPts val="0"/>
               </a:spcBef>
@@ -7169,7 +7339,7 @@
             <a:endParaRPr/>
           </a:p>
           <a:p>
-            <a:pPr indent="0" lvl="0" marL="0" rtl="0" algn="l">
+            <a:pPr marL="0" lvl="0" indent="0" algn="l" rtl="0">
               <a:spcBef>
                 <a:spcPts val="1200"/>
               </a:spcBef>
@@ -7178,13 +7348,10 @@
               </a:spcAft>
               <a:buNone/>
             </a:pPr>
-            <a:r>
-              <a:t/>
-            </a:r>
             <a:endParaRPr/>
           </a:p>
           <a:p>
-            <a:pPr indent="0" lvl="0" marL="0" rtl="0" algn="l">
+            <a:pPr marL="0" lvl="0" indent="0" algn="l" rtl="0">
               <a:spcBef>
                 <a:spcPts val="1200"/>
               </a:spcBef>
@@ -7193,9 +7360,6 @@
               </a:spcAft>
               <a:buNone/>
             </a:pPr>
-            <a:r>
-              <a:t/>
-            </a:r>
             <a:endParaRPr/>
           </a:p>
         </p:txBody>
@@ -7209,11 +7373,11 @@
 </file>
 
 <file path=ppt/slides/slide3.xml><?xml version="1.0" encoding="utf-8"?>
-<p:sld xmlns:a="http://schemas.openxmlformats.org/drawingml/2006/main" xmlns:r="http://schemas.openxmlformats.org/officeDocument/2006/relationships" xmlns:mc="http://schemas.openxmlformats.org/markup-compatibility/2006" xmlns:mv="urn:schemas-microsoft-com:mac:vml" xmlns:p="http://schemas.openxmlformats.org/presentationml/2006/main" xmlns:c="http://schemas.openxmlformats.org/drawingml/2006/chart" xmlns:dgm="http://schemas.openxmlformats.org/drawingml/2006/diagram" xmlns:o="urn:schemas-microsoft-com:office:office" xmlns:v="urn:schemas-microsoft-com:vml" xmlns:pvml="urn:schemas-microsoft-com:office:powerpoint" xmlns:com="http://schemas.openxmlformats.org/drawingml/2006/compatibility" xmlns:p14="http://schemas.microsoft.com/office/powerpoint/2010/main" xmlns:p15="http://schemas.microsoft.com/office/powerpoint/2012/main" xmlns:ahyp="http://schemas.microsoft.com/office/drawing/2018/hyperlinkcolor">
+<p:sld xmlns:a="http://schemas.openxmlformats.org/drawingml/2006/main" xmlns:r="http://schemas.openxmlformats.org/officeDocument/2006/relationships" xmlns:p="http://schemas.openxmlformats.org/presentationml/2006/main">
   <p:cSld>
     <p:spTree>
       <p:nvGrpSpPr>
-        <p:cNvPr id="74" name="Shape 74"/>
+        <p:cNvPr id="1" name="Shape 74"/>
         <p:cNvGrpSpPr/>
         <p:nvPr/>
       </p:nvGrpSpPr>
@@ -7228,7 +7392,9 @@
       <p:sp>
         <p:nvSpPr>
           <p:cNvPr id="75" name="Google Shape;75;p15"/>
-          <p:cNvSpPr txBox="1"/>
+          <p:cNvSpPr txBox="1">
+            <a:spLocks noGrp="1"/>
+          </p:cNvSpPr>
           <p:nvPr>
             <p:ph type="title"/>
           </p:nvPr>
@@ -7243,12 +7409,12 @@
           </a:prstGeom>
         </p:spPr>
         <p:txBody>
-          <a:bodyPr anchorCtr="0" anchor="b" bIns="91425" lIns="91425" spcFirstLastPara="1" rIns="91425" wrap="square" tIns="91425">
+          <a:bodyPr spcFirstLastPara="1" wrap="square" lIns="91425" tIns="91425" rIns="91425" bIns="91425" anchor="b" anchorCtr="0">
             <a:normAutofit/>
           </a:bodyPr>
           <a:lstStyle/>
           <a:p>
-            <a:pPr indent="0" lvl="0" marL="0" rtl="0" algn="ctr">
+            <a:pPr marL="0" lvl="0" indent="0" algn="ctr" rtl="0">
               <a:spcBef>
                 <a:spcPts val="0"/>
               </a:spcBef>
@@ -7268,9 +7434,11 @@
       <p:sp>
         <p:nvSpPr>
           <p:cNvPr id="76" name="Google Shape;76;p15"/>
-          <p:cNvSpPr txBox="1"/>
+          <p:cNvSpPr txBox="1">
+            <a:spLocks noGrp="1"/>
+          </p:cNvSpPr>
           <p:nvPr>
-            <p:ph idx="1" type="body"/>
+            <p:ph type="body" idx="1"/>
           </p:nvPr>
         </p:nvSpPr>
         <p:spPr>
@@ -7283,12 +7451,12 @@
           </a:prstGeom>
         </p:spPr>
         <p:txBody>
-          <a:bodyPr anchorCtr="0" anchor="t" bIns="91425" lIns="91425" spcFirstLastPara="1" rIns="91425" wrap="square" tIns="91425">
+          <a:bodyPr spcFirstLastPara="1" wrap="square" lIns="91425" tIns="91425" rIns="91425" bIns="91425" anchor="t" anchorCtr="0">
             <a:normAutofit/>
           </a:bodyPr>
           <a:lstStyle/>
           <a:p>
-            <a:pPr indent="-342900" lvl="0" marL="457200" rtl="0" algn="l">
+            <a:pPr marL="457200" lvl="0" indent="-342900" algn="l" rtl="0">
               <a:spcBef>
                 <a:spcPts val="0"/>
               </a:spcBef>
@@ -7305,7 +7473,7 @@
             <a:endParaRPr/>
           </a:p>
           <a:p>
-            <a:pPr indent="0" lvl="0" marL="0" rtl="0" algn="l">
+            <a:pPr marL="0" lvl="0" indent="0" algn="l" rtl="0">
               <a:spcBef>
                 <a:spcPts val="1200"/>
               </a:spcBef>
@@ -7314,13 +7482,10 @@
               </a:spcAft>
               <a:buNone/>
             </a:pPr>
-            <a:r>
-              <a:t/>
-            </a:r>
             <a:endParaRPr/>
           </a:p>
           <a:p>
-            <a:pPr indent="0" lvl="0" marL="0" rtl="0" algn="l">
+            <a:pPr marL="0" lvl="0" indent="0" algn="l" rtl="0">
               <a:spcBef>
                 <a:spcPts val="1200"/>
               </a:spcBef>
@@ -7329,9 +7494,6 @@
               </a:spcAft>
               <a:buNone/>
             </a:pPr>
-            <a:r>
-              <a:t/>
-            </a:r>
             <a:endParaRPr/>
           </a:p>
         </p:txBody>
@@ -7345,11 +7507,11 @@
 </file>
 
 <file path=ppt/slides/slide4.xml><?xml version="1.0" encoding="utf-8"?>
-<p:sld xmlns:a="http://schemas.openxmlformats.org/drawingml/2006/main" xmlns:r="http://schemas.openxmlformats.org/officeDocument/2006/relationships" xmlns:mc="http://schemas.openxmlformats.org/markup-compatibility/2006" xmlns:mv="urn:schemas-microsoft-com:mac:vml" xmlns:p="http://schemas.openxmlformats.org/presentationml/2006/main" xmlns:c="http://schemas.openxmlformats.org/drawingml/2006/chart" xmlns:dgm="http://schemas.openxmlformats.org/drawingml/2006/diagram" xmlns:o="urn:schemas-microsoft-com:office:office" xmlns:v="urn:schemas-microsoft-com:vml" xmlns:pvml="urn:schemas-microsoft-com:office:powerpoint" xmlns:com="http://schemas.openxmlformats.org/drawingml/2006/compatibility" xmlns:p14="http://schemas.microsoft.com/office/powerpoint/2010/main" xmlns:p15="http://schemas.microsoft.com/office/powerpoint/2012/main" xmlns:ahyp="http://schemas.microsoft.com/office/drawing/2018/hyperlinkcolor">
+<p:sld xmlns:a="http://schemas.openxmlformats.org/drawingml/2006/main" xmlns:r="http://schemas.openxmlformats.org/officeDocument/2006/relationships" xmlns:p="http://schemas.openxmlformats.org/presentationml/2006/main">
   <p:cSld>
     <p:spTree>
       <p:nvGrpSpPr>
-        <p:cNvPr id="80" name="Shape 80"/>
+        <p:cNvPr id="1" name="Shape 80"/>
         <p:cNvGrpSpPr/>
         <p:nvPr/>
       </p:nvGrpSpPr>
@@ -7364,7 +7526,9 @@
       <p:sp>
         <p:nvSpPr>
           <p:cNvPr id="81" name="Google Shape;81;p16"/>
-          <p:cNvSpPr txBox="1"/>
+          <p:cNvSpPr txBox="1">
+            <a:spLocks noGrp="1"/>
+          </p:cNvSpPr>
           <p:nvPr>
             <p:ph type="title"/>
           </p:nvPr>
@@ -7379,12 +7543,12 @@
           </a:prstGeom>
         </p:spPr>
         <p:txBody>
-          <a:bodyPr anchorCtr="0" anchor="b" bIns="91425" lIns="91425" spcFirstLastPara="1" rIns="91425" wrap="square" tIns="91425">
+          <a:bodyPr spcFirstLastPara="1" wrap="square" lIns="91425" tIns="91425" rIns="91425" bIns="91425" anchor="b" anchorCtr="0">
             <a:normAutofit/>
           </a:bodyPr>
           <a:lstStyle/>
           <a:p>
-            <a:pPr indent="0" lvl="0" marL="0" rtl="0" algn="ctr">
+            <a:pPr marL="0" lvl="0" indent="0" algn="ctr" rtl="0">
               <a:spcBef>
                 <a:spcPts val="0"/>
               </a:spcBef>
@@ -7404,9 +7568,11 @@
       <p:sp>
         <p:nvSpPr>
           <p:cNvPr id="82" name="Google Shape;82;p16"/>
-          <p:cNvSpPr txBox="1"/>
+          <p:cNvSpPr txBox="1">
+            <a:spLocks noGrp="1"/>
+          </p:cNvSpPr>
           <p:nvPr>
-            <p:ph idx="1" type="body"/>
+            <p:ph type="body" idx="1"/>
           </p:nvPr>
         </p:nvSpPr>
         <p:spPr>
@@ -7419,12 +7585,12 @@
           </a:prstGeom>
         </p:spPr>
         <p:txBody>
-          <a:bodyPr anchorCtr="0" anchor="t" bIns="91425" lIns="91425" spcFirstLastPara="1" rIns="91425" wrap="square" tIns="91425">
+          <a:bodyPr spcFirstLastPara="1" wrap="square" lIns="91425" tIns="91425" rIns="91425" bIns="91425" anchor="t" anchorCtr="0">
             <a:normAutofit lnSpcReduction="10000"/>
           </a:bodyPr>
           <a:lstStyle/>
           <a:p>
-            <a:pPr indent="-342900" lvl="0" marL="457200" rtl="0" algn="l">
+            <a:pPr marL="457200" lvl="0" indent="-342900" algn="l" rtl="0">
               <a:spcBef>
                 <a:spcPts val="0"/>
               </a:spcBef>
@@ -7479,11 +7645,11 @@
 </file>
 
 <file path=ppt/slides/slide5.xml><?xml version="1.0" encoding="utf-8"?>
-<p:sld xmlns:a="http://schemas.openxmlformats.org/drawingml/2006/main" xmlns:r="http://schemas.openxmlformats.org/officeDocument/2006/relationships" xmlns:mc="http://schemas.openxmlformats.org/markup-compatibility/2006" xmlns:mv="urn:schemas-microsoft-com:mac:vml" xmlns:p="http://schemas.openxmlformats.org/presentationml/2006/main" xmlns:c="http://schemas.openxmlformats.org/drawingml/2006/chart" xmlns:dgm="http://schemas.openxmlformats.org/drawingml/2006/diagram" xmlns:o="urn:schemas-microsoft-com:office:office" xmlns:v="urn:schemas-microsoft-com:vml" xmlns:pvml="urn:schemas-microsoft-com:office:powerpoint" xmlns:com="http://schemas.openxmlformats.org/drawingml/2006/compatibility" xmlns:p14="http://schemas.microsoft.com/office/powerpoint/2010/main" xmlns:p15="http://schemas.microsoft.com/office/powerpoint/2012/main" xmlns:ahyp="http://schemas.microsoft.com/office/drawing/2018/hyperlinkcolor">
+<p:sld xmlns:a="http://schemas.openxmlformats.org/drawingml/2006/main" xmlns:r="http://schemas.openxmlformats.org/officeDocument/2006/relationships" xmlns:p="http://schemas.openxmlformats.org/presentationml/2006/main">
   <p:cSld>
     <p:spTree>
       <p:nvGrpSpPr>
-        <p:cNvPr id="87" name="Shape 87"/>
+        <p:cNvPr id="1" name="Shape 87"/>
         <p:cNvGrpSpPr/>
         <p:nvPr/>
       </p:nvGrpSpPr>
@@ -7498,7 +7664,9 @@
       <p:sp>
         <p:nvSpPr>
           <p:cNvPr id="88" name="Google Shape;88;p17"/>
-          <p:cNvSpPr txBox="1"/>
+          <p:cNvSpPr txBox="1">
+            <a:spLocks noGrp="1"/>
+          </p:cNvSpPr>
           <p:nvPr>
             <p:ph type="title"/>
           </p:nvPr>
@@ -7513,12 +7681,12 @@
           </a:prstGeom>
         </p:spPr>
         <p:txBody>
-          <a:bodyPr anchorCtr="0" anchor="b" bIns="91425" lIns="91425" spcFirstLastPara="1" rIns="91425" wrap="square" tIns="91425">
+          <a:bodyPr spcFirstLastPara="1" wrap="square" lIns="91425" tIns="91425" rIns="91425" bIns="91425" anchor="b" anchorCtr="0">
             <a:normAutofit/>
           </a:bodyPr>
           <a:lstStyle/>
           <a:p>
-            <a:pPr indent="0" lvl="0" marL="0" rtl="0" algn="ctr">
+            <a:pPr marL="0" lvl="0" indent="0" algn="ctr" rtl="0">
               <a:spcBef>
                 <a:spcPts val="0"/>
               </a:spcBef>
@@ -7529,11 +7697,7 @@
             </a:pPr>
             <a:r>
               <a:rPr lang="es"/>
-              <a:t>Dependencias y componentes</a:t>
-            </a:r>
-            <a:r>
-              <a:rPr lang="es"/>
-              <a:t> importantes</a:t>
+              <a:t>Dependencias y componentes importantes</a:t>
             </a:r>
             <a:endParaRPr/>
           </a:p>
@@ -7542,9 +7706,11 @@
       <p:sp>
         <p:nvSpPr>
           <p:cNvPr id="89" name="Google Shape;89;p17"/>
-          <p:cNvSpPr txBox="1"/>
+          <p:cNvSpPr txBox="1">
+            <a:spLocks noGrp="1"/>
+          </p:cNvSpPr>
           <p:nvPr>
-            <p:ph idx="1" type="body"/>
+            <p:ph type="body" idx="1"/>
           </p:nvPr>
         </p:nvSpPr>
         <p:spPr>
@@ -7557,12 +7723,12 @@
           </a:prstGeom>
         </p:spPr>
         <p:txBody>
-          <a:bodyPr anchorCtr="0" anchor="t" bIns="91425" lIns="91425" spcFirstLastPara="1" rIns="91425" wrap="square" tIns="91425">
+          <a:bodyPr spcFirstLastPara="1" wrap="square" lIns="91425" tIns="91425" rIns="91425" bIns="91425" anchor="t" anchorCtr="0">
             <a:normAutofit fontScale="92500" lnSpcReduction="10000"/>
           </a:bodyPr>
           <a:lstStyle/>
           <a:p>
-            <a:pPr indent="-334327" lvl="0" marL="457200" rtl="0" algn="l">
+            <a:pPr marL="457200" lvl="0" indent="-334327" algn="l" rtl="0">
               <a:spcBef>
                 <a:spcPts val="0"/>
               </a:spcBef>
@@ -7574,16 +7740,12 @@
             </a:pPr>
             <a:r>
               <a:rPr lang="es"/>
-              <a:t>Spring Web:</a:t>
-            </a:r>
-            <a:r>
-              <a:rPr lang="es"/>
-              <a:t> Permite crear servicios REST y controladores web.</a:t>
+              <a:t>Spring Web: Permite crear servicios REST y controladores web.</a:t>
             </a:r>
             <a:endParaRPr/>
           </a:p>
           <a:p>
-            <a:pPr indent="-334327" lvl="0" marL="457200" rtl="0" algn="l">
+            <a:pPr marL="457200" lvl="0" indent="-334327" algn="l" rtl="0">
               <a:spcBef>
                 <a:spcPts val="0"/>
               </a:spcBef>
@@ -7600,7 +7762,7 @@
             <a:endParaRPr/>
           </a:p>
           <a:p>
-            <a:pPr indent="-334327" lvl="0" marL="457200" rtl="0" algn="l">
+            <a:pPr marL="457200" lvl="0" indent="-334327" algn="l" rtl="0">
               <a:spcBef>
                 <a:spcPts val="0"/>
               </a:spcBef>
@@ -7617,7 +7779,7 @@
             <a:endParaRPr/>
           </a:p>
           <a:p>
-            <a:pPr indent="-334327" lvl="0" marL="457200" rtl="0" algn="l">
+            <a:pPr marL="457200" lvl="0" indent="-334327" algn="l" rtl="0">
               <a:spcBef>
                 <a:spcPts val="0"/>
               </a:spcBef>
@@ -7629,16 +7791,12 @@
             </a:pPr>
             <a:r>
               <a:rPr lang="es"/>
-              <a:t>Spring Boot</a:t>
-            </a:r>
-            <a:r>
-              <a:rPr lang="es"/>
-              <a:t> DevTools: Mejora la experiencia de desarrollo con recarga automática.</a:t>
+              <a:t>Spring Boot DevTools: Mejora la experiencia de desarrollo con recarga automática.</a:t>
             </a:r>
             <a:endParaRPr/>
           </a:p>
           <a:p>
-            <a:pPr indent="0" lvl="0" marL="0" rtl="0" algn="l">
+            <a:pPr marL="0" lvl="0" indent="0" algn="l" rtl="0">
               <a:spcBef>
                 <a:spcPts val="1200"/>
               </a:spcBef>
@@ -7647,9 +7805,6 @@
               </a:spcAft>
               <a:buNone/>
             </a:pPr>
-            <a:r>
-              <a:t/>
-            </a:r>
             <a:endParaRPr/>
           </a:p>
         </p:txBody>
@@ -7657,9 +7812,11 @@
       <p:sp>
         <p:nvSpPr>
           <p:cNvPr id="90" name="Google Shape;90;p17"/>
-          <p:cNvSpPr txBox="1"/>
+          <p:cNvSpPr txBox="1">
+            <a:spLocks noGrp="1"/>
+          </p:cNvSpPr>
           <p:nvPr>
-            <p:ph idx="1" type="body"/>
+            <p:ph type="body" idx="1"/>
           </p:nvPr>
         </p:nvSpPr>
         <p:spPr>
@@ -7672,12 +7829,12 @@
           </a:prstGeom>
         </p:spPr>
         <p:txBody>
-          <a:bodyPr anchorCtr="0" anchor="t" bIns="91425" lIns="91425" spcFirstLastPara="1" rIns="91425" wrap="square" tIns="91425">
+          <a:bodyPr spcFirstLastPara="1" wrap="square" lIns="91425" tIns="91425" rIns="91425" bIns="91425" anchor="t" anchorCtr="0">
             <a:noAutofit/>
           </a:bodyPr>
           <a:lstStyle/>
           <a:p>
-            <a:pPr indent="-330200" lvl="0" marL="457200" rtl="0" algn="l">
+            <a:pPr marL="457200" lvl="0" indent="-330200" algn="l" rtl="0">
               <a:lnSpc>
                 <a:spcPct val="95000"/>
               </a:lnSpc>
@@ -7697,7 +7854,7 @@
             <a:endParaRPr sz="1600"/>
           </a:p>
           <a:p>
-            <a:pPr indent="-330200" lvl="0" marL="457200" rtl="0" algn="l">
+            <a:pPr marL="457200" lvl="0" indent="-330200" algn="l" rtl="0">
               <a:lnSpc>
                 <a:spcPct val="95000"/>
               </a:lnSpc>
@@ -7717,7 +7874,7 @@
             <a:endParaRPr sz="1600"/>
           </a:p>
           <a:p>
-            <a:pPr indent="-330200" lvl="0" marL="457200" rtl="0" algn="l">
+            <a:pPr marL="457200" lvl="0" indent="-330200" algn="l" rtl="0">
               <a:lnSpc>
                 <a:spcPct val="95000"/>
               </a:lnSpc>
@@ -7737,7 +7894,7 @@
             <a:endParaRPr sz="1600"/>
           </a:p>
           <a:p>
-            <a:pPr indent="-330200" lvl="0" marL="457200" rtl="0" algn="l">
+            <a:pPr marL="457200" lvl="0" indent="-330200" algn="l" rtl="0">
               <a:lnSpc>
                 <a:spcPct val="95000"/>
               </a:lnSpc>
@@ -7757,7 +7914,7 @@
             <a:endParaRPr sz="1600"/>
           </a:p>
           <a:p>
-            <a:pPr indent="0" lvl="0" marL="0" rtl="0" algn="l">
+            <a:pPr marL="0" lvl="0" indent="0" algn="l" rtl="0">
               <a:lnSpc>
                 <a:spcPct val="95000"/>
               </a:lnSpc>
@@ -7770,9 +7927,6 @@
               <a:buSzPts val="275"/>
               <a:buNone/>
             </a:pPr>
-            <a:r>
-              <a:t/>
-            </a:r>
             <a:endParaRPr sz="250"/>
           </a:p>
         </p:txBody>
@@ -7786,11 +7940,11 @@
 </file>
 
 <file path=ppt/slides/slide6.xml><?xml version="1.0" encoding="utf-8"?>
-<p:sld xmlns:a="http://schemas.openxmlformats.org/drawingml/2006/main" xmlns:r="http://schemas.openxmlformats.org/officeDocument/2006/relationships" xmlns:mc="http://schemas.openxmlformats.org/markup-compatibility/2006" xmlns:mv="urn:schemas-microsoft-com:mac:vml" xmlns:p="http://schemas.openxmlformats.org/presentationml/2006/main" xmlns:c="http://schemas.openxmlformats.org/drawingml/2006/chart" xmlns:dgm="http://schemas.openxmlformats.org/drawingml/2006/diagram" xmlns:o="urn:schemas-microsoft-com:office:office" xmlns:v="urn:schemas-microsoft-com:vml" xmlns:pvml="urn:schemas-microsoft-com:office:powerpoint" xmlns:com="http://schemas.openxmlformats.org/drawingml/2006/compatibility" xmlns:p14="http://schemas.microsoft.com/office/powerpoint/2010/main" xmlns:p15="http://schemas.microsoft.com/office/powerpoint/2012/main" xmlns:ahyp="http://schemas.microsoft.com/office/drawing/2018/hyperlinkcolor">
+<p:sld xmlns:a="http://schemas.openxmlformats.org/drawingml/2006/main" xmlns:r="http://schemas.openxmlformats.org/officeDocument/2006/relationships" xmlns:p="http://schemas.openxmlformats.org/presentationml/2006/main">
   <p:cSld>
     <p:spTree>
       <p:nvGrpSpPr>
-        <p:cNvPr id="94" name="Shape 94"/>
+        <p:cNvPr id="1" name="Shape 94"/>
         <p:cNvGrpSpPr/>
         <p:nvPr/>
       </p:nvGrpSpPr>
@@ -7805,7 +7959,9 @@
       <p:sp>
         <p:nvSpPr>
           <p:cNvPr id="95" name="Google Shape;95;p18"/>
-          <p:cNvSpPr txBox="1"/>
+          <p:cNvSpPr txBox="1">
+            <a:spLocks noGrp="1"/>
+          </p:cNvSpPr>
           <p:nvPr>
             <p:ph type="title"/>
           </p:nvPr>
@@ -7820,12 +7976,12 @@
           </a:prstGeom>
         </p:spPr>
         <p:txBody>
-          <a:bodyPr anchorCtr="0" anchor="b" bIns="91425" lIns="91425" spcFirstLastPara="1" rIns="91425" wrap="square" tIns="91425">
+          <a:bodyPr spcFirstLastPara="1" wrap="square" lIns="91425" tIns="91425" rIns="91425" bIns="91425" anchor="b" anchorCtr="0">
             <a:normAutofit/>
           </a:bodyPr>
           <a:lstStyle/>
           <a:p>
-            <a:pPr indent="0" lvl="0" marL="0" rtl="0" algn="ctr">
+            <a:pPr marL="0" lvl="0" indent="0" algn="ctr" rtl="0">
               <a:spcBef>
                 <a:spcPts val="0"/>
               </a:spcBef>
@@ -7845,9 +8001,11 @@
       <p:sp>
         <p:nvSpPr>
           <p:cNvPr id="96" name="Google Shape;96;p18"/>
-          <p:cNvSpPr txBox="1"/>
+          <p:cNvSpPr txBox="1">
+            <a:spLocks noGrp="1"/>
+          </p:cNvSpPr>
           <p:nvPr>
-            <p:ph idx="1" type="body"/>
+            <p:ph type="body" idx="1"/>
           </p:nvPr>
         </p:nvSpPr>
         <p:spPr>
@@ -7860,12 +8018,12 @@
           </a:prstGeom>
         </p:spPr>
         <p:txBody>
-          <a:bodyPr anchorCtr="0" anchor="t" bIns="91425" lIns="91425" spcFirstLastPara="1" rIns="91425" wrap="square" tIns="91425">
+          <a:bodyPr spcFirstLastPara="1" wrap="square" lIns="91425" tIns="91425" rIns="91425" bIns="91425" anchor="t" anchorCtr="0">
             <a:normAutofit/>
           </a:bodyPr>
           <a:lstStyle/>
           <a:p>
-            <a:pPr indent="-342900" lvl="0" marL="457200" rtl="0" algn="l">
+            <a:pPr marL="457200" lvl="0" indent="-342900" algn="l" rtl="0">
               <a:spcBef>
                 <a:spcPts val="0"/>
               </a:spcBef>
@@ -7882,7 +8040,7 @@
             <a:endParaRPr/>
           </a:p>
           <a:p>
-            <a:pPr indent="-342900" lvl="0" marL="457200" rtl="0" algn="l">
+            <a:pPr marL="457200" lvl="0" indent="-342900" algn="l" rtl="0">
               <a:spcBef>
                 <a:spcPts val="0"/>
               </a:spcBef>
@@ -7902,30 +8060,62 @@
       </p:sp>
       <p:pic>
         <p:nvPicPr>
-          <p:cNvPr id="97" name="Google Shape;97;p18"/>
-          <p:cNvPicPr preferRelativeResize="0"/>
+          <p:cNvPr id="5" name="Imagen 4">
+            <a:extLst>
+              <a:ext uri="{FF2B5EF4-FFF2-40B4-BE49-F238E27FC236}">
+                <a16:creationId xmlns:a16="http://schemas.microsoft.com/office/drawing/2014/main" id="{58A56B83-42C9-675A-C05F-7D72747D9FF3}"/>
+              </a:ext>
+            </a:extLst>
+          </p:cNvPr>
+          <p:cNvPicPr>
+            <a:picLocks noChangeAspect="1"/>
+          </p:cNvPicPr>
           <p:nvPr/>
         </p:nvPicPr>
         <p:blipFill>
-          <a:blip r:embed="rId3">
-            <a:alphaModFix/>
-          </a:blip>
+          <a:blip r:embed="rId3"/>
           <a:stretch>
             <a:fillRect/>
           </a:stretch>
         </p:blipFill>
         <p:spPr>
           <a:xfrm>
-            <a:off x="6623675" y="1181988"/>
-            <a:ext cx="2035965" cy="3694575"/>
+            <a:off x="4719326" y="1876588"/>
+            <a:ext cx="1857634" cy="2305372"/>
           </a:xfrm>
           <a:prstGeom prst="rect">
             <a:avLst/>
           </a:prstGeom>
-          <a:noFill/>
-          <a:ln>
-            <a:noFill/>
-          </a:ln>
+        </p:spPr>
+      </p:pic>
+      <p:pic>
+        <p:nvPicPr>
+          <p:cNvPr id="7" name="Imagen 6">
+            <a:extLst>
+              <a:ext uri="{FF2B5EF4-FFF2-40B4-BE49-F238E27FC236}">
+                <a16:creationId xmlns:a16="http://schemas.microsoft.com/office/drawing/2014/main" id="{9F921032-2902-87D0-95EC-25E3DF2E9E1E}"/>
+              </a:ext>
+            </a:extLst>
+          </p:cNvPr>
+          <p:cNvPicPr>
+            <a:picLocks noChangeAspect="1"/>
+          </p:cNvPicPr>
+          <p:nvPr/>
+        </p:nvPicPr>
+        <p:blipFill>
+          <a:blip r:embed="rId4"/>
+          <a:stretch>
+            <a:fillRect/>
+          </a:stretch>
+        </p:blipFill>
+        <p:spPr>
+          <a:xfrm>
+            <a:off x="6724287" y="1252614"/>
+            <a:ext cx="1886213" cy="3553321"/>
+          </a:xfrm>
+          <a:prstGeom prst="rect">
+            <a:avLst/>
+          </a:prstGeom>
         </p:spPr>
       </p:pic>
     </p:spTree>
@@ -7937,11 +8127,11 @@
 </file>
 
 <file path=ppt/slides/slide7.xml><?xml version="1.0" encoding="utf-8"?>
-<p:sld xmlns:a="http://schemas.openxmlformats.org/drawingml/2006/main" xmlns:r="http://schemas.openxmlformats.org/officeDocument/2006/relationships" xmlns:mc="http://schemas.openxmlformats.org/markup-compatibility/2006" xmlns:mv="urn:schemas-microsoft-com:mac:vml" xmlns:p="http://schemas.openxmlformats.org/presentationml/2006/main" xmlns:c="http://schemas.openxmlformats.org/drawingml/2006/chart" xmlns:dgm="http://schemas.openxmlformats.org/drawingml/2006/diagram" xmlns:o="urn:schemas-microsoft-com:office:office" xmlns:v="urn:schemas-microsoft-com:vml" xmlns:pvml="urn:schemas-microsoft-com:office:powerpoint" xmlns:com="http://schemas.openxmlformats.org/drawingml/2006/compatibility" xmlns:p14="http://schemas.microsoft.com/office/powerpoint/2010/main" xmlns:p15="http://schemas.microsoft.com/office/powerpoint/2012/main" xmlns:ahyp="http://schemas.microsoft.com/office/drawing/2018/hyperlinkcolor">
+<p:sld xmlns:a="http://schemas.openxmlformats.org/drawingml/2006/main" xmlns:r="http://schemas.openxmlformats.org/officeDocument/2006/relationships" xmlns:p="http://schemas.openxmlformats.org/presentationml/2006/main">
   <p:cSld>
     <p:spTree>
       <p:nvGrpSpPr>
-        <p:cNvPr id="101" name="Shape 101"/>
+        <p:cNvPr id="1" name="Shape 101"/>
         <p:cNvGrpSpPr/>
         <p:nvPr/>
       </p:nvGrpSpPr>
@@ -7956,7 +8146,9 @@
       <p:sp>
         <p:nvSpPr>
           <p:cNvPr id="102" name="Google Shape;102;p19"/>
-          <p:cNvSpPr txBox="1"/>
+          <p:cNvSpPr txBox="1">
+            <a:spLocks noGrp="1"/>
+          </p:cNvSpPr>
           <p:nvPr>
             <p:ph type="title"/>
           </p:nvPr>
@@ -7971,12 +8163,12 @@
           </a:prstGeom>
         </p:spPr>
         <p:txBody>
-          <a:bodyPr anchorCtr="0" anchor="b" bIns="91425" lIns="91425" spcFirstLastPara="1" rIns="91425" wrap="square" tIns="91425">
+          <a:bodyPr spcFirstLastPara="1" wrap="square" lIns="91425" tIns="91425" rIns="91425" bIns="91425" anchor="b" anchorCtr="0">
             <a:normAutofit/>
           </a:bodyPr>
           <a:lstStyle/>
           <a:p>
-            <a:pPr indent="0" lvl="0" marL="0" rtl="0" algn="ctr">
+            <a:pPr marL="0" lvl="0" indent="0" algn="ctr" rtl="0">
               <a:spcBef>
                 <a:spcPts val="0"/>
               </a:spcBef>
@@ -7996,9 +8188,11 @@
       <p:sp>
         <p:nvSpPr>
           <p:cNvPr id="103" name="Google Shape;103;p19"/>
-          <p:cNvSpPr txBox="1"/>
+          <p:cNvSpPr txBox="1">
+            <a:spLocks noGrp="1"/>
+          </p:cNvSpPr>
           <p:nvPr>
-            <p:ph idx="1" type="body"/>
+            <p:ph type="body" idx="1"/>
           </p:nvPr>
         </p:nvSpPr>
         <p:spPr>
@@ -8011,12 +8205,12 @@
           </a:prstGeom>
         </p:spPr>
         <p:txBody>
-          <a:bodyPr anchorCtr="0" anchor="t" bIns="91425" lIns="91425" spcFirstLastPara="1" rIns="91425" wrap="square" tIns="91425">
+          <a:bodyPr spcFirstLastPara="1" wrap="square" lIns="91425" tIns="91425" rIns="91425" bIns="91425" anchor="t" anchorCtr="0">
             <a:normAutofit/>
           </a:bodyPr>
           <a:lstStyle/>
           <a:p>
-            <a:pPr indent="-342900" lvl="0" marL="457200" rtl="0" algn="l">
+            <a:pPr marL="457200" lvl="0" indent="-342900" algn="l" rtl="0">
               <a:spcBef>
                 <a:spcPts val="0"/>
               </a:spcBef>
@@ -8033,7 +8227,7 @@
             <a:endParaRPr/>
           </a:p>
           <a:p>
-            <a:pPr indent="-342900" lvl="0" marL="457200" rtl="0" algn="l">
+            <a:pPr marL="457200" lvl="0" indent="-342900" algn="l" rtl="0">
               <a:spcBef>
                 <a:spcPts val="0"/>
               </a:spcBef>
@@ -8050,7 +8244,7 @@
             <a:endParaRPr/>
           </a:p>
           <a:p>
-            <a:pPr indent="-342900" lvl="0" marL="457200" rtl="0" algn="l">
+            <a:pPr marL="457200" lvl="0" indent="-342900" algn="l" rtl="0">
               <a:spcBef>
                 <a:spcPts val="0"/>
               </a:spcBef>
@@ -8078,7 +8272,7 @@
           <a:blip r:embed="rId3">
             <a:alphaModFix/>
           </a:blip>
-          <a:srcRect b="9616" l="0" r="0" t="0"/>
+          <a:srcRect b="9616"/>
           <a:stretch/>
         </p:blipFill>
         <p:spPr>
@@ -8126,9 +8320,11 @@
       <p:sp>
         <p:nvSpPr>
           <p:cNvPr id="106" name="Google Shape;106;p19"/>
-          <p:cNvSpPr txBox="1"/>
+          <p:cNvSpPr txBox="1">
+            <a:spLocks noGrp="1"/>
+          </p:cNvSpPr>
           <p:nvPr>
-            <p:ph idx="1" type="body"/>
+            <p:ph type="body" idx="1"/>
           </p:nvPr>
         </p:nvSpPr>
         <p:spPr>
@@ -8141,12 +8337,12 @@
           </a:prstGeom>
         </p:spPr>
         <p:txBody>
-          <a:bodyPr anchorCtr="0" anchor="t" bIns="91425" lIns="91425" spcFirstLastPara="1" rIns="91425" wrap="square" tIns="91425">
+          <a:bodyPr spcFirstLastPara="1" wrap="square" lIns="91425" tIns="91425" rIns="91425" bIns="91425" anchor="t" anchorCtr="0">
             <a:normAutofit/>
           </a:bodyPr>
           <a:lstStyle/>
           <a:p>
-            <a:pPr indent="-342900" lvl="0" marL="457200" rtl="0" algn="l">
+            <a:pPr marL="457200" lvl="0" indent="-342900" algn="l" rtl="0">
               <a:spcBef>
                 <a:spcPts val="0"/>
               </a:spcBef>
@@ -8157,13 +8353,13 @@
               <a:buChar char="●"/>
             </a:pPr>
             <a:r>
-              <a:rPr lang="es"/>
+              <a:rPr lang="es" dirty="0"/>
               <a:t>Operaciones GET, POST, PUT, DELETE</a:t>
             </a:r>
-            <a:endParaRPr/>
+            <a:endParaRPr dirty="0"/>
           </a:p>
           <a:p>
-            <a:pPr indent="-342900" lvl="0" marL="457200" rtl="0" algn="l">
+            <a:pPr marL="457200" lvl="0" indent="-342900" algn="l" rtl="0">
               <a:spcBef>
                 <a:spcPts val="0"/>
               </a:spcBef>
@@ -8174,10 +8370,10 @@
               <a:buChar char="●"/>
             </a:pPr>
             <a:r>
-              <a:rPr lang="es"/>
+              <a:rPr lang="es" dirty="0"/>
               <a:t>Probadas con Postman</a:t>
             </a:r>
-            <a:endParaRPr/>
+            <a:endParaRPr dirty="0"/>
           </a:p>
         </p:txBody>
       </p:sp>
@@ -8190,11 +8386,11 @@
 </file>
 
 <file path=ppt/slides/slide8.xml><?xml version="1.0" encoding="utf-8"?>
-<p:sld xmlns:a="http://schemas.openxmlformats.org/drawingml/2006/main" xmlns:r="http://schemas.openxmlformats.org/officeDocument/2006/relationships" xmlns:mc="http://schemas.openxmlformats.org/markup-compatibility/2006" xmlns:mv="urn:schemas-microsoft-com:mac:vml" xmlns:p="http://schemas.openxmlformats.org/presentationml/2006/main" xmlns:c="http://schemas.openxmlformats.org/drawingml/2006/chart" xmlns:dgm="http://schemas.openxmlformats.org/drawingml/2006/diagram" xmlns:o="urn:schemas-microsoft-com:office:office" xmlns:v="urn:schemas-microsoft-com:vml" xmlns:pvml="urn:schemas-microsoft-com:office:powerpoint" xmlns:com="http://schemas.openxmlformats.org/drawingml/2006/compatibility" xmlns:p14="http://schemas.microsoft.com/office/powerpoint/2010/main" xmlns:p15="http://schemas.microsoft.com/office/powerpoint/2012/main" xmlns:ahyp="http://schemas.microsoft.com/office/drawing/2018/hyperlinkcolor">
+<p:sld xmlns:a="http://schemas.openxmlformats.org/drawingml/2006/main" xmlns:r="http://schemas.openxmlformats.org/officeDocument/2006/relationships" xmlns:p="http://schemas.openxmlformats.org/presentationml/2006/main">
   <p:cSld>
     <p:spTree>
       <p:nvGrpSpPr>
-        <p:cNvPr id="110" name="Shape 110"/>
+        <p:cNvPr id="1" name="Shape 110"/>
         <p:cNvGrpSpPr/>
         <p:nvPr/>
       </p:nvGrpSpPr>
@@ -8209,7 +8405,9 @@
       <p:sp>
         <p:nvSpPr>
           <p:cNvPr id="111" name="Google Shape;111;p20"/>
-          <p:cNvSpPr txBox="1"/>
+          <p:cNvSpPr txBox="1">
+            <a:spLocks noGrp="1"/>
+          </p:cNvSpPr>
           <p:nvPr>
             <p:ph type="title"/>
           </p:nvPr>
@@ -8224,12 +8422,12 @@
           </a:prstGeom>
         </p:spPr>
         <p:txBody>
-          <a:bodyPr anchorCtr="0" anchor="b" bIns="91425" lIns="91425" spcFirstLastPara="1" rIns="91425" wrap="square" tIns="91425">
+          <a:bodyPr spcFirstLastPara="1" wrap="square" lIns="91425" tIns="91425" rIns="91425" bIns="91425" anchor="b" anchorCtr="0">
             <a:normAutofit/>
           </a:bodyPr>
           <a:lstStyle/>
           <a:p>
-            <a:pPr indent="0" lvl="0" marL="0" rtl="0" algn="ctr">
+            <a:pPr marL="0" lvl="0" indent="0" algn="ctr" rtl="0">
               <a:spcBef>
                 <a:spcPts val="0"/>
               </a:spcBef>
@@ -8249,27 +8447,29 @@
       <p:sp>
         <p:nvSpPr>
           <p:cNvPr id="112" name="Google Shape;112;p20"/>
-          <p:cNvSpPr txBox="1"/>
+          <p:cNvSpPr txBox="1">
+            <a:spLocks noGrp="1"/>
+          </p:cNvSpPr>
           <p:nvPr>
-            <p:ph idx="1" type="body"/>
+            <p:ph type="body" idx="1"/>
           </p:nvPr>
         </p:nvSpPr>
         <p:spPr>
           <a:xfrm>
-            <a:off x="387900" y="1489825"/>
-            <a:ext cx="4184100" cy="1511100"/>
+            <a:off x="387899" y="1489825"/>
+            <a:ext cx="4807555" cy="1511100"/>
           </a:xfrm>
           <a:prstGeom prst="rect">
             <a:avLst/>
           </a:prstGeom>
         </p:spPr>
         <p:txBody>
-          <a:bodyPr anchorCtr="0" anchor="t" bIns="91425" lIns="91425" spcFirstLastPara="1" rIns="91425" wrap="square" tIns="91425">
+          <a:bodyPr spcFirstLastPara="1" wrap="square" lIns="91425" tIns="91425" rIns="91425" bIns="91425" anchor="t" anchorCtr="0">
             <a:normAutofit/>
           </a:bodyPr>
           <a:lstStyle/>
           <a:p>
-            <a:pPr indent="-342900" lvl="0" marL="457200" rtl="0" algn="l">
+            <a:pPr marL="457200" lvl="0" indent="-342900" algn="l" rtl="0">
               <a:spcBef>
                 <a:spcPts val="0"/>
               </a:spcBef>
@@ -8280,47 +8480,21 @@
               <a:buChar char="●"/>
             </a:pPr>
             <a:r>
-              <a:rPr lang="es"/>
+              <a:rPr lang="es" dirty="0"/>
               <a:t>Configuración del archivo aplication.propierties para lograr una correcta conexión con la base de datos.</a:t>
             </a:r>
-            <a:endParaRPr/>
+            <a:endParaRPr dirty="0"/>
           </a:p>
         </p:txBody>
       </p:sp>
-      <p:pic>
-        <p:nvPicPr>
-          <p:cNvPr id="113" name="Google Shape;113;p20"/>
-          <p:cNvPicPr preferRelativeResize="0"/>
-          <p:nvPr/>
-        </p:nvPicPr>
-        <p:blipFill>
-          <a:blip r:embed="rId3">
-            <a:alphaModFix/>
-          </a:blip>
-          <a:stretch>
-            <a:fillRect/>
-          </a:stretch>
-        </p:blipFill>
-        <p:spPr>
-          <a:xfrm>
-            <a:off x="118745" y="3000845"/>
-            <a:ext cx="4722425" cy="1690450"/>
-          </a:xfrm>
-          <a:prstGeom prst="rect">
-            <a:avLst/>
-          </a:prstGeom>
-          <a:noFill/>
-          <a:ln>
-            <a:noFill/>
-          </a:ln>
-        </p:spPr>
-      </p:pic>
       <p:sp>
         <p:nvSpPr>
           <p:cNvPr id="114" name="Google Shape;114;p20"/>
-          <p:cNvSpPr txBox="1"/>
+          <p:cNvSpPr txBox="1">
+            <a:spLocks noGrp="1"/>
+          </p:cNvSpPr>
           <p:nvPr>
-            <p:ph idx="1" type="body"/>
+            <p:ph type="body" idx="1"/>
           </p:nvPr>
         </p:nvSpPr>
         <p:spPr>
@@ -8333,12 +8507,12 @@
           </a:prstGeom>
         </p:spPr>
         <p:txBody>
-          <a:bodyPr anchorCtr="0" anchor="t" bIns="91425" lIns="91425" spcFirstLastPara="1" rIns="91425" wrap="square" tIns="91425">
+          <a:bodyPr spcFirstLastPara="1" wrap="square" lIns="91425" tIns="91425" rIns="91425" bIns="91425" anchor="t" anchorCtr="0">
             <a:normAutofit/>
           </a:bodyPr>
           <a:lstStyle/>
           <a:p>
-            <a:pPr indent="-342900" lvl="0" marL="457200" rtl="0" algn="l">
+            <a:pPr marL="457200" lvl="0" indent="-342900" algn="l" rtl="0">
               <a:spcBef>
                 <a:spcPts val="0"/>
               </a:spcBef>
@@ -8363,7 +8537,7 @@
           <p:nvPr/>
         </p:nvPicPr>
         <p:blipFill>
-          <a:blip r:embed="rId4">
+          <a:blip r:embed="rId3">
             <a:alphaModFix/>
           </a:blip>
           <a:stretch>
@@ -8372,7 +8546,7 @@
         </p:blipFill>
         <p:spPr>
           <a:xfrm>
-            <a:off x="5041752" y="2343125"/>
+            <a:off x="5195454" y="2555101"/>
             <a:ext cx="3420824" cy="2441101"/>
           </a:xfrm>
           <a:prstGeom prst="rect">
@@ -8384,6 +8558,51 @@
           </a:ln>
         </p:spPr>
       </p:pic>
+      <p:pic>
+        <p:nvPicPr>
+          <p:cNvPr id="1026" name="Picture 2">
+            <a:extLst>
+              <a:ext uri="{FF2B5EF4-FFF2-40B4-BE49-F238E27FC236}">
+                <a16:creationId xmlns:a16="http://schemas.microsoft.com/office/drawing/2014/main" id="{D9B69AF3-2EE6-C053-DC17-FB901F52FCC8}"/>
+              </a:ext>
+            </a:extLst>
+          </p:cNvPr>
+          <p:cNvPicPr>
+            <a:picLocks noChangeAspect="1" noChangeArrowheads="1"/>
+          </p:cNvPicPr>
+          <p:nvPr/>
+        </p:nvPicPr>
+        <p:blipFill rotWithShape="1">
+          <a:blip r:embed="rId4">
+            <a:extLst>
+              <a:ext uri="{28A0092B-C50C-407E-A947-70E740481C1C}">
+                <a14:useLocalDpi xmlns:a14="http://schemas.microsoft.com/office/drawing/2010/main" val="0"/>
+              </a:ext>
+            </a:extLst>
+          </a:blip>
+          <a:srcRect r="37138"/>
+          <a:stretch/>
+        </p:blipFill>
+        <p:spPr bwMode="auto">
+          <a:xfrm>
+            <a:off x="1011354" y="2571750"/>
+            <a:ext cx="3420825" cy="2424452"/>
+          </a:xfrm>
+          <a:prstGeom prst="rect">
+            <a:avLst/>
+          </a:prstGeom>
+          <a:noFill/>
+          <a:extLst>
+            <a:ext uri="{909E8E84-426E-40DD-AFC4-6F175D3DCCD1}">
+              <a14:hiddenFill xmlns:a14="http://schemas.microsoft.com/office/drawing/2010/main">
+                <a:solidFill>
+                  <a:srgbClr val="FFFFFF"/>
+                </a:solidFill>
+              </a14:hiddenFill>
+            </a:ext>
+          </a:extLst>
+        </p:spPr>
+      </p:pic>
     </p:spTree>
   </p:cSld>
   <p:clrMapOvr>
@@ -8393,11 +8612,11 @@
 </file>
 
 <file path=ppt/slides/slide9.xml><?xml version="1.0" encoding="utf-8"?>
-<p:sld xmlns:a="http://schemas.openxmlformats.org/drawingml/2006/main" xmlns:r="http://schemas.openxmlformats.org/officeDocument/2006/relationships" xmlns:mc="http://schemas.openxmlformats.org/markup-compatibility/2006" xmlns:mv="urn:schemas-microsoft-com:mac:vml" xmlns:p="http://schemas.openxmlformats.org/presentationml/2006/main" xmlns:c="http://schemas.openxmlformats.org/drawingml/2006/chart" xmlns:dgm="http://schemas.openxmlformats.org/drawingml/2006/diagram" xmlns:o="urn:schemas-microsoft-com:office:office" xmlns:v="urn:schemas-microsoft-com:vml" xmlns:pvml="urn:schemas-microsoft-com:office:powerpoint" xmlns:com="http://schemas.openxmlformats.org/drawingml/2006/compatibility" xmlns:p14="http://schemas.microsoft.com/office/powerpoint/2010/main" xmlns:p15="http://schemas.microsoft.com/office/powerpoint/2012/main" xmlns:ahyp="http://schemas.microsoft.com/office/drawing/2018/hyperlinkcolor">
+<p:sld xmlns:a="http://schemas.openxmlformats.org/drawingml/2006/main" xmlns:r="http://schemas.openxmlformats.org/officeDocument/2006/relationships" xmlns:p="http://schemas.openxmlformats.org/presentationml/2006/main">
   <p:cSld>
     <p:spTree>
       <p:nvGrpSpPr>
-        <p:cNvPr id="119" name="Shape 119"/>
+        <p:cNvPr id="1" name="Shape 119"/>
         <p:cNvGrpSpPr/>
         <p:nvPr/>
       </p:nvGrpSpPr>
@@ -8412,7 +8631,9 @@
       <p:sp>
         <p:nvSpPr>
           <p:cNvPr id="120" name="Google Shape;120;p21"/>
-          <p:cNvSpPr txBox="1"/>
+          <p:cNvSpPr txBox="1">
+            <a:spLocks noGrp="1"/>
+          </p:cNvSpPr>
           <p:nvPr>
             <p:ph type="title"/>
           </p:nvPr>
@@ -8427,12 +8648,12 @@
           </a:prstGeom>
         </p:spPr>
         <p:txBody>
-          <a:bodyPr anchorCtr="0" anchor="b" bIns="91425" lIns="91425" spcFirstLastPara="1" rIns="91425" wrap="square" tIns="91425">
+          <a:bodyPr spcFirstLastPara="1" wrap="square" lIns="91425" tIns="91425" rIns="91425" bIns="91425" anchor="b" anchorCtr="0">
             <a:normAutofit/>
           </a:bodyPr>
           <a:lstStyle/>
           <a:p>
-            <a:pPr indent="0" lvl="0" marL="0" rtl="0" algn="ctr">
+            <a:pPr marL="0" lvl="0" indent="0" algn="ctr" rtl="0">
               <a:spcBef>
                 <a:spcPts val="0"/>
               </a:spcBef>
@@ -8452,9 +8673,11 @@
       <p:sp>
         <p:nvSpPr>
           <p:cNvPr id="121" name="Google Shape;121;p21"/>
-          <p:cNvSpPr txBox="1"/>
+          <p:cNvSpPr txBox="1">
+            <a:spLocks noGrp="1"/>
+          </p:cNvSpPr>
           <p:nvPr>
-            <p:ph idx="1" type="body"/>
+            <p:ph type="body" idx="1"/>
           </p:nvPr>
         </p:nvSpPr>
         <p:spPr>
@@ -8467,12 +8690,12 @@
           </a:prstGeom>
         </p:spPr>
         <p:txBody>
-          <a:bodyPr anchorCtr="0" anchor="t" bIns="91425" lIns="91425" spcFirstLastPara="1" rIns="91425" wrap="square" tIns="91425">
+          <a:bodyPr spcFirstLastPara="1" wrap="square" lIns="91425" tIns="91425" rIns="91425" bIns="91425" anchor="t" anchorCtr="0">
             <a:normAutofit/>
           </a:bodyPr>
           <a:lstStyle/>
           <a:p>
-            <a:pPr indent="-342900" lvl="0" marL="457200" rtl="0" algn="l">
+            <a:pPr marL="457200" lvl="0" indent="-342900" algn="l" rtl="0">
               <a:spcBef>
                 <a:spcPts val="0"/>
               </a:spcBef>
@@ -8499,7 +8722,288 @@
 </file>
 
 <file path=ppt/theme/theme1.xml><?xml version="1.0" encoding="utf-8"?>
-<a:theme xmlns:a="http://schemas.openxmlformats.org/drawingml/2006/main" xmlns:r="http://schemas.openxmlformats.org/officeDocument/2006/relationships">
+<a:theme xmlns:a="http://schemas.openxmlformats.org/drawingml/2006/main" name="Marina">
+  <a:themeElements>
+    <a:clrScheme name="Marina">
+      <a:dk1>
+        <a:srgbClr val="FFFFFF"/>
+      </a:dk1>
+      <a:lt1>
+        <a:srgbClr val="00517C"/>
+      </a:lt1>
+      <a:dk2>
+        <a:srgbClr val="004065"/>
+      </a:dk2>
+      <a:lt2>
+        <a:srgbClr val="CFD8DC"/>
+      </a:lt2>
+      <a:accent1>
+        <a:srgbClr val="0277BD"/>
+      </a:accent1>
+      <a:accent2>
+        <a:srgbClr val="558B2F"/>
+      </a:accent2>
+      <a:accent3>
+        <a:srgbClr val="009688"/>
+      </a:accent3>
+      <a:accent4>
+        <a:srgbClr val="039BE5"/>
+      </a:accent4>
+      <a:accent5>
+        <a:srgbClr val="8BC34A"/>
+      </a:accent5>
+      <a:accent6>
+        <a:srgbClr val="FFEB38"/>
+      </a:accent6>
+      <a:hlink>
+        <a:srgbClr val="8BC34A"/>
+      </a:hlink>
+      <a:folHlink>
+        <a:srgbClr val="8BC34A"/>
+      </a:folHlink>
+    </a:clrScheme>
+    <a:fontScheme name="Office">
+      <a:majorFont>
+        <a:latin typeface="Arial"/>
+        <a:ea typeface=""/>
+        <a:cs typeface=""/>
+        <a:font script="Jpan" typeface="ＭＳ Ｐゴシック"/>
+        <a:font script="Hang" typeface="맑은 고딕"/>
+        <a:font script="Hans" typeface="宋体"/>
+        <a:font script="Hant" typeface="新細明體"/>
+        <a:font script="Arab" typeface="Times New Roman"/>
+        <a:font script="Hebr" typeface="Times New Roman"/>
+        <a:font script="Thai" typeface="Angsana New"/>
+        <a:font script="Ethi" typeface="Nyala"/>
+        <a:font script="Beng" typeface="Vrinda"/>
+        <a:font script="Gujr" typeface="Shruti"/>
+        <a:font script="Khmr" typeface="MoolBoran"/>
+        <a:font script="Knda" typeface="Tunga"/>
+        <a:font script="Guru" typeface="Raavi"/>
+        <a:font script="Cans" typeface="Euphemia"/>
+        <a:font script="Cher" typeface="Plantagenet Cherokee"/>
+        <a:font script="Yiii" typeface="Microsoft Yi Baiti"/>
+        <a:font script="Tibt" typeface="Microsoft Himalaya"/>
+        <a:font script="Thaa" typeface="MV Boli"/>
+        <a:font script="Deva" typeface="Mangal"/>
+        <a:font script="Telu" typeface="Gautami"/>
+        <a:font script="Taml" typeface="Latha"/>
+        <a:font script="Syrc" typeface="Estrangelo Edessa"/>
+        <a:font script="Orya" typeface="Kalinga"/>
+        <a:font script="Mlym" typeface="Kartika"/>
+        <a:font script="Laoo" typeface="DokChampa"/>
+        <a:font script="Sinh" typeface="Iskoola Pota"/>
+        <a:font script="Mong" typeface="Mongolian Baiti"/>
+        <a:font script="Viet" typeface="Times New Roman"/>
+        <a:font script="Uigh" typeface="Microsoft Uighur"/>
+        <a:font script="Geor" typeface="Sylfaen"/>
+      </a:majorFont>
+      <a:minorFont>
+        <a:latin typeface="Arial"/>
+        <a:ea typeface=""/>
+        <a:cs typeface=""/>
+        <a:font script="Jpan" typeface="ＭＳ Ｐゴシック"/>
+        <a:font script="Hang" typeface="맑은 고딕"/>
+        <a:font script="Hans" typeface="宋体"/>
+        <a:font script="Hant" typeface="新細明體"/>
+        <a:font script="Arab" typeface="Arial"/>
+        <a:font script="Hebr" typeface="Arial"/>
+        <a:font script="Thai" typeface="Cordia New"/>
+        <a:font script="Ethi" typeface="Nyala"/>
+        <a:font script="Beng" typeface="Vrinda"/>
+        <a:font script="Gujr" typeface="Shruti"/>
+        <a:font script="Khmr" typeface="DaunPenh"/>
+        <a:font script="Knda" typeface="Tunga"/>
+        <a:font script="Guru" typeface="Raavi"/>
+        <a:font script="Cans" typeface="Euphemia"/>
+        <a:font script="Cher" typeface="Plantagenet Cherokee"/>
+        <a:font script="Yiii" typeface="Microsoft Yi Baiti"/>
+        <a:font script="Tibt" typeface="Microsoft Himalaya"/>
+        <a:font script="Thaa" typeface="MV Boli"/>
+        <a:font script="Deva" typeface="Mangal"/>
+        <a:font script="Telu" typeface="Gautami"/>
+        <a:font script="Taml" typeface="Latha"/>
+        <a:font script="Syrc" typeface="Estrangelo Edessa"/>
+        <a:font script="Orya" typeface="Kalinga"/>
+        <a:font script="Mlym" typeface="Kartika"/>
+        <a:font script="Laoo" typeface="DokChampa"/>
+        <a:font script="Sinh" typeface="Iskoola Pota"/>
+        <a:font script="Mong" typeface="Mongolian Baiti"/>
+        <a:font script="Viet" typeface="Arial"/>
+        <a:font script="Uigh" typeface="Microsoft Uighur"/>
+        <a:font script="Geor" typeface="Sylfaen"/>
+      </a:minorFont>
+    </a:fontScheme>
+    <a:fmtScheme name="Office">
+      <a:fillStyleLst>
+        <a:solidFill>
+          <a:schemeClr val="phClr"/>
+        </a:solidFill>
+        <a:gradFill rotWithShape="1">
+          <a:gsLst>
+            <a:gs pos="0">
+              <a:schemeClr val="phClr">
+                <a:tint val="50000"/>
+                <a:satMod val="300000"/>
+              </a:schemeClr>
+            </a:gs>
+            <a:gs pos="35000">
+              <a:schemeClr val="phClr">
+                <a:tint val="37000"/>
+                <a:satMod val="300000"/>
+              </a:schemeClr>
+            </a:gs>
+            <a:gs pos="100000">
+              <a:schemeClr val="phClr">
+                <a:tint val="15000"/>
+                <a:satMod val="350000"/>
+              </a:schemeClr>
+            </a:gs>
+          </a:gsLst>
+          <a:lin ang="16200000" scaled="1"/>
+        </a:gradFill>
+        <a:gradFill rotWithShape="1">
+          <a:gsLst>
+            <a:gs pos="0">
+              <a:schemeClr val="phClr">
+                <a:tint val="100000"/>
+                <a:shade val="100000"/>
+                <a:satMod val="130000"/>
+              </a:schemeClr>
+            </a:gs>
+            <a:gs pos="100000">
+              <a:schemeClr val="phClr">
+                <a:tint val="50000"/>
+                <a:shade val="100000"/>
+                <a:satMod val="350000"/>
+              </a:schemeClr>
+            </a:gs>
+          </a:gsLst>
+          <a:lin ang="16200000" scaled="0"/>
+        </a:gradFill>
+      </a:fillStyleLst>
+      <a:lnStyleLst>
+        <a:ln w="9525" cap="flat" cmpd="sng" algn="ctr">
+          <a:solidFill>
+            <a:schemeClr val="phClr">
+              <a:shade val="95000"/>
+              <a:satMod val="105000"/>
+            </a:schemeClr>
+          </a:solidFill>
+          <a:prstDash val="solid"/>
+        </a:ln>
+        <a:ln w="25400" cap="flat" cmpd="sng" algn="ctr">
+          <a:solidFill>
+            <a:schemeClr val="phClr"/>
+          </a:solidFill>
+          <a:prstDash val="solid"/>
+        </a:ln>
+        <a:ln w="38100" cap="flat" cmpd="sng" algn="ctr">
+          <a:solidFill>
+            <a:schemeClr val="phClr"/>
+          </a:solidFill>
+          <a:prstDash val="solid"/>
+        </a:ln>
+      </a:lnStyleLst>
+      <a:effectStyleLst>
+        <a:effectStyle>
+          <a:effectLst>
+            <a:outerShdw blurRad="40000" dist="20000" dir="5400000" rotWithShape="0">
+              <a:srgbClr val="000000">
+                <a:alpha val="38000"/>
+              </a:srgbClr>
+            </a:outerShdw>
+          </a:effectLst>
+        </a:effectStyle>
+        <a:effectStyle>
+          <a:effectLst>
+            <a:outerShdw blurRad="40000" dist="23000" dir="5400000" rotWithShape="0">
+              <a:srgbClr val="000000">
+                <a:alpha val="35000"/>
+              </a:srgbClr>
+            </a:outerShdw>
+          </a:effectLst>
+        </a:effectStyle>
+        <a:effectStyle>
+          <a:effectLst>
+            <a:outerShdw blurRad="40000" dist="23000" dir="5400000" rotWithShape="0">
+              <a:srgbClr val="000000">
+                <a:alpha val="35000"/>
+              </a:srgbClr>
+            </a:outerShdw>
+          </a:effectLst>
+          <a:scene3d>
+            <a:camera prst="orthographicFront">
+              <a:rot lat="0" lon="0" rev="0"/>
+            </a:camera>
+            <a:lightRig rig="threePt" dir="t">
+              <a:rot lat="0" lon="0" rev="1200000"/>
+            </a:lightRig>
+          </a:scene3d>
+          <a:sp3d>
+            <a:bevelT w="63500" h="25400"/>
+          </a:sp3d>
+        </a:effectStyle>
+      </a:effectStyleLst>
+      <a:bgFillStyleLst>
+        <a:solidFill>
+          <a:schemeClr val="phClr"/>
+        </a:solidFill>
+        <a:gradFill rotWithShape="1">
+          <a:gsLst>
+            <a:gs pos="0">
+              <a:schemeClr val="phClr">
+                <a:tint val="40000"/>
+                <a:satMod val="350000"/>
+              </a:schemeClr>
+            </a:gs>
+            <a:gs pos="40000">
+              <a:schemeClr val="phClr">
+                <a:tint val="45000"/>
+                <a:shade val="99000"/>
+                <a:satMod val="350000"/>
+              </a:schemeClr>
+            </a:gs>
+            <a:gs pos="100000">
+              <a:schemeClr val="phClr">
+                <a:shade val="20000"/>
+                <a:satMod val="255000"/>
+              </a:schemeClr>
+            </a:gs>
+          </a:gsLst>
+          <a:path path="circle">
+            <a:fillToRect l="50000" t="-80000" r="50000" b="180000"/>
+          </a:path>
+        </a:gradFill>
+        <a:gradFill rotWithShape="1">
+          <a:gsLst>
+            <a:gs pos="0">
+              <a:schemeClr val="phClr">
+                <a:tint val="80000"/>
+                <a:satMod val="300000"/>
+              </a:schemeClr>
+            </a:gs>
+            <a:gs pos="100000">
+              <a:schemeClr val="phClr">
+                <a:shade val="30000"/>
+                <a:satMod val="200000"/>
+              </a:schemeClr>
+            </a:gs>
+          </a:gsLst>
+          <a:path path="circle">
+            <a:fillToRect l="50000" t="50000" r="50000" b="50000"/>
+          </a:path>
+        </a:gradFill>
+      </a:bgFillStyleLst>
+    </a:fmtScheme>
+  </a:themeElements>
+  <a:objectDefaults/>
+  <a:extraClrSchemeLst/>
+</a:theme>
+</file>
+
+<file path=ppt/theme/theme2.xml><?xml version="1.0" encoding="utf-8"?>
+<a:theme xmlns:a="http://schemas.openxmlformats.org/drawingml/2006/main">
   <a:themeElements>
     <a:clrScheme name="Default">
       <a:dk1>
@@ -8774,284 +9278,7 @@
       </a:bgFillStyleLst>
     </a:fmtScheme>
   </a:themeElements>
-</a:theme>
-</file>
-
-<file path=ppt/theme/theme2.xml><?xml version="1.0" encoding="utf-8"?>
-<a:theme xmlns:a="http://schemas.openxmlformats.org/drawingml/2006/main" xmlns:r="http://schemas.openxmlformats.org/officeDocument/2006/relationships" name="Marina">
-  <a:themeElements>
-    <a:clrScheme name="Marina">
-      <a:dk1>
-        <a:srgbClr val="FFFFFF"/>
-      </a:dk1>
-      <a:lt1>
-        <a:srgbClr val="00517C"/>
-      </a:lt1>
-      <a:dk2>
-        <a:srgbClr val="004065"/>
-      </a:dk2>
-      <a:lt2>
-        <a:srgbClr val="CFD8DC"/>
-      </a:lt2>
-      <a:accent1>
-        <a:srgbClr val="0277BD"/>
-      </a:accent1>
-      <a:accent2>
-        <a:srgbClr val="558B2F"/>
-      </a:accent2>
-      <a:accent3>
-        <a:srgbClr val="009688"/>
-      </a:accent3>
-      <a:accent4>
-        <a:srgbClr val="039BE5"/>
-      </a:accent4>
-      <a:accent5>
-        <a:srgbClr val="8BC34A"/>
-      </a:accent5>
-      <a:accent6>
-        <a:srgbClr val="FFEB38"/>
-      </a:accent6>
-      <a:hlink>
-        <a:srgbClr val="8BC34A"/>
-      </a:hlink>
-      <a:folHlink>
-        <a:srgbClr val="8BC34A"/>
-      </a:folHlink>
-    </a:clrScheme>
-    <a:fontScheme name="Office">
-      <a:majorFont>
-        <a:latin typeface="Arial"/>
-        <a:ea typeface=""/>
-        <a:cs typeface=""/>
-        <a:font script="Jpan" typeface="ＭＳ Ｐゴシック"/>
-        <a:font script="Hang" typeface="맑은 고딕"/>
-        <a:font script="Hans" typeface="宋体"/>
-        <a:font script="Hant" typeface="新細明體"/>
-        <a:font script="Arab" typeface="Times New Roman"/>
-        <a:font script="Hebr" typeface="Times New Roman"/>
-        <a:font script="Thai" typeface="Angsana New"/>
-        <a:font script="Ethi" typeface="Nyala"/>
-        <a:font script="Beng" typeface="Vrinda"/>
-        <a:font script="Gujr" typeface="Shruti"/>
-        <a:font script="Khmr" typeface="MoolBoran"/>
-        <a:font script="Knda" typeface="Tunga"/>
-        <a:font script="Guru" typeface="Raavi"/>
-        <a:font script="Cans" typeface="Euphemia"/>
-        <a:font script="Cher" typeface="Plantagenet Cherokee"/>
-        <a:font script="Yiii" typeface="Microsoft Yi Baiti"/>
-        <a:font script="Tibt" typeface="Microsoft Himalaya"/>
-        <a:font script="Thaa" typeface="MV Boli"/>
-        <a:font script="Deva" typeface="Mangal"/>
-        <a:font script="Telu" typeface="Gautami"/>
-        <a:font script="Taml" typeface="Latha"/>
-        <a:font script="Syrc" typeface="Estrangelo Edessa"/>
-        <a:font script="Orya" typeface="Kalinga"/>
-        <a:font script="Mlym" typeface="Kartika"/>
-        <a:font script="Laoo" typeface="DokChampa"/>
-        <a:font script="Sinh" typeface="Iskoola Pota"/>
-        <a:font script="Mong" typeface="Mongolian Baiti"/>
-        <a:font script="Viet" typeface="Times New Roman"/>
-        <a:font script="Uigh" typeface="Microsoft Uighur"/>
-        <a:font script="Geor" typeface="Sylfaen"/>
-      </a:majorFont>
-      <a:minorFont>
-        <a:latin typeface="Arial"/>
-        <a:ea typeface=""/>
-        <a:cs typeface=""/>
-        <a:font script="Jpan" typeface="ＭＳ Ｐゴシック"/>
-        <a:font script="Hang" typeface="맑은 고딕"/>
-        <a:font script="Hans" typeface="宋体"/>
-        <a:font script="Hant" typeface="新細明體"/>
-        <a:font script="Arab" typeface="Arial"/>
-        <a:font script="Hebr" typeface="Arial"/>
-        <a:font script="Thai" typeface="Cordia New"/>
-        <a:font script="Ethi" typeface="Nyala"/>
-        <a:font script="Beng" typeface="Vrinda"/>
-        <a:font script="Gujr" typeface="Shruti"/>
-        <a:font script="Khmr" typeface="DaunPenh"/>
-        <a:font script="Knda" typeface="Tunga"/>
-        <a:font script="Guru" typeface="Raavi"/>
-        <a:font script="Cans" typeface="Euphemia"/>
-        <a:font script="Cher" typeface="Plantagenet Cherokee"/>
-        <a:font script="Yiii" typeface="Microsoft Yi Baiti"/>
-        <a:font script="Tibt" typeface="Microsoft Himalaya"/>
-        <a:font script="Thaa" typeface="MV Boli"/>
-        <a:font script="Deva" typeface="Mangal"/>
-        <a:font script="Telu" typeface="Gautami"/>
-        <a:font script="Taml" typeface="Latha"/>
-        <a:font script="Syrc" typeface="Estrangelo Edessa"/>
-        <a:font script="Orya" typeface="Kalinga"/>
-        <a:font script="Mlym" typeface="Kartika"/>
-        <a:font script="Laoo" typeface="DokChampa"/>
-        <a:font script="Sinh" typeface="Iskoola Pota"/>
-        <a:font script="Mong" typeface="Mongolian Baiti"/>
-        <a:font script="Viet" typeface="Arial"/>
-        <a:font script="Uigh" typeface="Microsoft Uighur"/>
-        <a:font script="Geor" typeface="Sylfaen"/>
-      </a:minorFont>
-    </a:fontScheme>
-    <a:fmtScheme name="Office">
-      <a:fillStyleLst>
-        <a:solidFill>
-          <a:schemeClr val="phClr"/>
-        </a:solidFill>
-        <a:gradFill rotWithShape="1">
-          <a:gsLst>
-            <a:gs pos="0">
-              <a:schemeClr val="phClr">
-                <a:tint val="50000"/>
-                <a:satMod val="300000"/>
-              </a:schemeClr>
-            </a:gs>
-            <a:gs pos="35000">
-              <a:schemeClr val="phClr">
-                <a:tint val="37000"/>
-                <a:satMod val="300000"/>
-              </a:schemeClr>
-            </a:gs>
-            <a:gs pos="100000">
-              <a:schemeClr val="phClr">
-                <a:tint val="15000"/>
-                <a:satMod val="350000"/>
-              </a:schemeClr>
-            </a:gs>
-          </a:gsLst>
-          <a:lin ang="16200000" scaled="1"/>
-        </a:gradFill>
-        <a:gradFill rotWithShape="1">
-          <a:gsLst>
-            <a:gs pos="0">
-              <a:schemeClr val="phClr">
-                <a:tint val="100000"/>
-                <a:shade val="100000"/>
-                <a:satMod val="130000"/>
-              </a:schemeClr>
-            </a:gs>
-            <a:gs pos="100000">
-              <a:schemeClr val="phClr">
-                <a:tint val="50000"/>
-                <a:shade val="100000"/>
-                <a:satMod val="350000"/>
-              </a:schemeClr>
-            </a:gs>
-          </a:gsLst>
-          <a:lin ang="16200000" scaled="0"/>
-        </a:gradFill>
-      </a:fillStyleLst>
-      <a:lnStyleLst>
-        <a:ln w="9525" cap="flat" cmpd="sng" algn="ctr">
-          <a:solidFill>
-            <a:schemeClr val="phClr">
-              <a:shade val="95000"/>
-              <a:satMod val="105000"/>
-            </a:schemeClr>
-          </a:solidFill>
-          <a:prstDash val="solid"/>
-        </a:ln>
-        <a:ln w="25400" cap="flat" cmpd="sng" algn="ctr">
-          <a:solidFill>
-            <a:schemeClr val="phClr"/>
-          </a:solidFill>
-          <a:prstDash val="solid"/>
-        </a:ln>
-        <a:ln w="38100" cap="flat" cmpd="sng" algn="ctr">
-          <a:solidFill>
-            <a:schemeClr val="phClr"/>
-          </a:solidFill>
-          <a:prstDash val="solid"/>
-        </a:ln>
-      </a:lnStyleLst>
-      <a:effectStyleLst>
-        <a:effectStyle>
-          <a:effectLst>
-            <a:outerShdw blurRad="40000" dist="20000" dir="5400000" rotWithShape="0">
-              <a:srgbClr val="000000">
-                <a:alpha val="38000"/>
-              </a:srgbClr>
-            </a:outerShdw>
-          </a:effectLst>
-        </a:effectStyle>
-        <a:effectStyle>
-          <a:effectLst>
-            <a:outerShdw blurRad="40000" dist="23000" dir="5400000" rotWithShape="0">
-              <a:srgbClr val="000000">
-                <a:alpha val="35000"/>
-              </a:srgbClr>
-            </a:outerShdw>
-          </a:effectLst>
-        </a:effectStyle>
-        <a:effectStyle>
-          <a:effectLst>
-            <a:outerShdw blurRad="40000" dist="23000" dir="5400000" rotWithShape="0">
-              <a:srgbClr val="000000">
-                <a:alpha val="35000"/>
-              </a:srgbClr>
-            </a:outerShdw>
-          </a:effectLst>
-          <a:scene3d>
-            <a:camera prst="orthographicFront">
-              <a:rot lat="0" lon="0" rev="0"/>
-            </a:camera>
-            <a:lightRig rig="threePt" dir="t">
-              <a:rot lat="0" lon="0" rev="1200000"/>
-            </a:lightRig>
-          </a:scene3d>
-          <a:sp3d>
-            <a:bevelT w="63500" h="25400"/>
-          </a:sp3d>
-        </a:effectStyle>
-      </a:effectStyleLst>
-      <a:bgFillStyleLst>
-        <a:solidFill>
-          <a:schemeClr val="phClr"/>
-        </a:solidFill>
-        <a:gradFill rotWithShape="1">
-          <a:gsLst>
-            <a:gs pos="0">
-              <a:schemeClr val="phClr">
-                <a:tint val="40000"/>
-                <a:satMod val="350000"/>
-              </a:schemeClr>
-            </a:gs>
-            <a:gs pos="40000">
-              <a:schemeClr val="phClr">
-                <a:tint val="45000"/>
-                <a:shade val="99000"/>
-                <a:satMod val="350000"/>
-              </a:schemeClr>
-            </a:gs>
-            <a:gs pos="100000">
-              <a:schemeClr val="phClr">
-                <a:shade val="20000"/>
-                <a:satMod val="255000"/>
-              </a:schemeClr>
-            </a:gs>
-          </a:gsLst>
-          <a:path path="circle">
-            <a:fillToRect l="50000" t="-80000" r="50000" b="180000"/>
-          </a:path>
-        </a:gradFill>
-        <a:gradFill rotWithShape="1">
-          <a:gsLst>
-            <a:gs pos="0">
-              <a:schemeClr val="phClr">
-                <a:tint val="80000"/>
-                <a:satMod val="300000"/>
-              </a:schemeClr>
-            </a:gs>
-            <a:gs pos="100000">
-              <a:schemeClr val="phClr">
-                <a:shade val="30000"/>
-                <a:satMod val="200000"/>
-              </a:schemeClr>
-            </a:gs>
-          </a:gsLst>
-          <a:path path="circle">
-            <a:fillToRect l="50000" t="50000" r="50000" b="50000"/>
-          </a:path>
-        </a:gradFill>
-      </a:bgFillStyleLst>
-    </a:fmtScheme>
-  </a:themeElements>
+  <a:objectDefaults/>
+  <a:extraClrSchemeLst/>
 </a:theme>
 </file>